--- a/#5　CSSについて.pptx
+++ b/#5　CSSについて.pptx
@@ -5,7 +5,7 @@
     <p:sldMasterId id="2147483648" r:id="rId1"/>
   </p:sldMasterIdLst>
   <p:notesMasterIdLst>
-    <p:notesMasterId r:id="rId20"/>
+    <p:notesMasterId r:id="rId35"/>
   </p:notesMasterIdLst>
   <p:sldIdLst>
     <p:sldId id="256" r:id="rId2"/>
@@ -20,12 +20,27 @@
     <p:sldId id="309" r:id="rId11"/>
     <p:sldId id="284" r:id="rId12"/>
     <p:sldId id="295" r:id="rId13"/>
-    <p:sldId id="298" r:id="rId14"/>
-    <p:sldId id="296" r:id="rId15"/>
-    <p:sldId id="297" r:id="rId16"/>
-    <p:sldId id="299" r:id="rId17"/>
-    <p:sldId id="300" r:id="rId18"/>
+    <p:sldId id="311" r:id="rId14"/>
+    <p:sldId id="310" r:id="rId15"/>
+    <p:sldId id="296" r:id="rId16"/>
+    <p:sldId id="300" r:id="rId17"/>
+    <p:sldId id="299" r:id="rId18"/>
     <p:sldId id="301" r:id="rId19"/>
+    <p:sldId id="313" r:id="rId20"/>
+    <p:sldId id="312" r:id="rId21"/>
+    <p:sldId id="314" r:id="rId22"/>
+    <p:sldId id="315" r:id="rId23"/>
+    <p:sldId id="318" r:id="rId24"/>
+    <p:sldId id="319" r:id="rId25"/>
+    <p:sldId id="320" r:id="rId26"/>
+    <p:sldId id="321" r:id="rId27"/>
+    <p:sldId id="317" r:id="rId28"/>
+    <p:sldId id="322" r:id="rId29"/>
+    <p:sldId id="316" r:id="rId30"/>
+    <p:sldId id="323" r:id="rId31"/>
+    <p:sldId id="324" r:id="rId32"/>
+    <p:sldId id="325" r:id="rId33"/>
+    <p:sldId id="326" r:id="rId34"/>
   </p:sldIdLst>
   <p:sldSz cx="12192000" cy="6858000"/>
   <p:notesSz cx="6797675" cy="9926638"/>
@@ -277,7 +292,7 @@
       <p15:notesGuideLst xmlns:p15="http://schemas.microsoft.com/office/powerpoint/2012/main"/>
     </p:ext>
     <p:ext uri="http://customooxmlschemas.google.com/">
-      <go:slidesCustomData xmlns="" xmlns:mc="http://schemas.openxmlformats.org/markup-compatibility/2006" xmlns:mv="urn:schemas-microsoft-com:mac:vml" xmlns:c="http://schemas.openxmlformats.org/drawingml/2006/chart" xmlns:dgm="http://schemas.openxmlformats.org/drawingml/2006/diagram" xmlns:o="urn:schemas-microsoft-com:office:office" xmlns:v="urn:schemas-microsoft-com:vml" xmlns:pvml="urn:schemas-microsoft-com:office:powerpoint" xmlns:com="http://schemas.openxmlformats.org/drawingml/2006/compatibility" xmlns:p14="http://schemas.microsoft.com/office/powerpoint/2010/main" xmlns:p15="http://schemas.microsoft.com/office/powerpoint/2012/main" xmlns:ahyp="http://schemas.microsoft.com/office/drawing/2018/hyperlinkcolor" xmlns:go="http://customooxmlschemas.google.com/" r:id="rId34" roundtripDataSignature="AMtx7mgHYA5Sh/3e02FOAjXKsqfrFZJSUQ=="/>
+      <go:slidesCustomData xmlns="" xmlns:mc="http://schemas.openxmlformats.org/markup-compatibility/2006" xmlns:mv="urn:schemas-microsoft-com:mac:vml" xmlns:c="http://schemas.openxmlformats.org/drawingml/2006/chart" xmlns:dgm="http://schemas.openxmlformats.org/drawingml/2006/diagram" xmlns:o="urn:schemas-microsoft-com:office:office" xmlns:v="urn:schemas-microsoft-com:vml" xmlns:pvml="urn:schemas-microsoft-com:office:powerpoint" xmlns:com="http://schemas.openxmlformats.org/drawingml/2006/compatibility" xmlns:p14="http://schemas.microsoft.com/office/powerpoint/2010/main" xmlns:p15="http://schemas.microsoft.com/office/powerpoint/2012/main" xmlns:ahyp="http://schemas.microsoft.com/office/drawing/2018/hyperlinkcolor" xmlns:go="http://customooxmlschemas.google.com/" r:id="rId36" roundtripDataSignature="AMtx7mgHYA5Sh/3e02FOAjXKsqfrFZJSUQ=="/>
     </p:ext>
   </p:extLst>
 </p:presentation>
@@ -17655,6 +17670,139 @@
           </a:p>
         </p:txBody>
       </p:sp>
+      <p:pic>
+        <p:nvPicPr>
+          <p:cNvPr id="6" name="図 5"/>
+          <p:cNvPicPr>
+            <a:picLocks noChangeAspect="1"/>
+          </p:cNvPicPr>
+          <p:nvPr/>
+        </p:nvPicPr>
+        <p:blipFill>
+          <a:blip r:embed="rId2"/>
+          <a:stretch>
+            <a:fillRect/>
+          </a:stretch>
+        </p:blipFill>
+        <p:spPr>
+          <a:xfrm>
+            <a:off x="913773" y="1562956"/>
+            <a:ext cx="7687748" cy="4944165"/>
+          </a:xfrm>
+          <a:prstGeom prst="rect">
+            <a:avLst/>
+          </a:prstGeom>
+        </p:spPr>
+      </p:pic>
+      <p:sp>
+        <p:nvSpPr>
+          <p:cNvPr id="7" name="角丸四角形 6"/>
+          <p:cNvSpPr/>
+          <p:nvPr/>
+        </p:nvSpPr>
+        <p:spPr>
+          <a:xfrm>
+            <a:off x="1719470" y="4124739"/>
+            <a:ext cx="3588026" cy="1351722"/>
+          </a:xfrm>
+          <a:prstGeom prst="roundRect">
+            <a:avLst/>
+          </a:prstGeom>
+          <a:noFill/>
+        </p:spPr>
+        <p:style>
+          <a:lnRef idx="2">
+            <a:schemeClr val="accent6"/>
+          </a:lnRef>
+          <a:fillRef idx="1">
+            <a:schemeClr val="lt1"/>
+          </a:fillRef>
+          <a:effectRef idx="0">
+            <a:schemeClr val="accent6"/>
+          </a:effectRef>
+          <a:fontRef idx="minor">
+            <a:schemeClr val="dk1"/>
+          </a:fontRef>
+        </p:style>
+        <p:txBody>
+          <a:bodyPr rtlCol="0" anchor="ctr"/>
+          <a:lstStyle/>
+          <a:p>
+            <a:pPr algn="ctr"/>
+            <a:endParaRPr kumimoji="1" lang="ja-JP" altLang="en-US"/>
+          </a:p>
+        </p:txBody>
+      </p:sp>
+      <p:sp>
+        <p:nvSpPr>
+          <p:cNvPr id="8" name="角丸四角形吹き出し 7"/>
+          <p:cNvSpPr/>
+          <p:nvPr/>
+        </p:nvSpPr>
+        <p:spPr>
+          <a:xfrm>
+            <a:off x="5772149" y="3697257"/>
+            <a:ext cx="2944467" cy="1341882"/>
+          </a:xfrm>
+          <a:prstGeom prst="wedgeRoundRectCallout">
+            <a:avLst>
+              <a:gd name="adj1" fmla="val -62877"/>
+              <a:gd name="adj2" fmla="val 32132"/>
+              <a:gd name="adj3" fmla="val 16667"/>
+            </a:avLst>
+          </a:prstGeom>
+        </p:spPr>
+        <p:style>
+          <a:lnRef idx="2">
+            <a:schemeClr val="accent6">
+              <a:shade val="50000"/>
+            </a:schemeClr>
+          </a:lnRef>
+          <a:fillRef idx="1">
+            <a:schemeClr val="accent6"/>
+          </a:fillRef>
+          <a:effectRef idx="0">
+            <a:schemeClr val="accent6"/>
+          </a:effectRef>
+          <a:fontRef idx="minor">
+            <a:schemeClr val="lt1"/>
+          </a:fontRef>
+        </p:style>
+        <p:txBody>
+          <a:bodyPr rtlCol="0" anchor="ctr"/>
+          <a:lstStyle/>
+          <a:p>
+            <a:r>
+              <a:rPr kumimoji="1" lang="en-US" altLang="ja-JP" b="1" dirty="0" smtClean="0"/>
+              <a:t>style</a:t>
+            </a:r>
+            <a:r>
+              <a:rPr kumimoji="1" lang="ja-JP" altLang="en-US" b="1" dirty="0" smtClean="0"/>
+              <a:t>タグの中に</a:t>
+            </a:r>
+            <a:r>
+              <a:rPr kumimoji="1" lang="en-US" altLang="ja-JP" b="1" dirty="0" smtClean="0"/>
+              <a:t>CSS</a:t>
+            </a:r>
+            <a:r>
+              <a:rPr kumimoji="1" lang="ja-JP" altLang="en-US" b="1" dirty="0" smtClean="0"/>
+              <a:t>を記述する。</a:t>
+            </a:r>
+            <a:r>
+              <a:rPr kumimoji="1" lang="en-US" altLang="ja-JP" b="1" dirty="0" smtClean="0"/>
+              <a:t/>
+            </a:r>
+            <a:br>
+              <a:rPr kumimoji="1" lang="en-US" altLang="ja-JP" b="1" dirty="0" smtClean="0"/>
+            </a:br>
+            <a:r>
+              <a:rPr kumimoji="1" lang="ja-JP" altLang="en-US" b="1" dirty="0" smtClean="0"/>
+              <a:t>書き方については、のちのセクションで解説する</a:t>
+            </a:r>
+            <a:endParaRPr kumimoji="1" lang="ja-JP" altLang="en-US" b="1" dirty="0"/>
+          </a:p>
+        </p:txBody>
+      </p:sp>
     </p:spTree>
     <p:extLst>
       <p:ext uri="{BB962C8B-B14F-4D97-AF65-F5344CB8AC3E}">
@@ -17759,6 +17907,195 @@
           </a:p>
         </p:txBody>
       </p:sp>
+      <p:pic>
+        <p:nvPicPr>
+          <p:cNvPr id="5" name="図 4"/>
+          <p:cNvPicPr>
+            <a:picLocks noChangeAspect="1"/>
+          </p:cNvPicPr>
+          <p:nvPr/>
+        </p:nvPicPr>
+        <p:blipFill>
+          <a:blip r:embed="rId2"/>
+          <a:stretch>
+            <a:fillRect/>
+          </a:stretch>
+        </p:blipFill>
+        <p:spPr>
+          <a:xfrm>
+            <a:off x="913773" y="1562956"/>
+            <a:ext cx="7687748" cy="4944165"/>
+          </a:xfrm>
+          <a:prstGeom prst="rect">
+            <a:avLst/>
+          </a:prstGeom>
+        </p:spPr>
+      </p:pic>
+      <p:sp>
+        <p:nvSpPr>
+          <p:cNvPr id="6" name="角丸四角形 5"/>
+          <p:cNvSpPr/>
+          <p:nvPr/>
+        </p:nvSpPr>
+        <p:spPr>
+          <a:xfrm>
+            <a:off x="1928190" y="3829835"/>
+            <a:ext cx="5108713" cy="354539"/>
+          </a:xfrm>
+          <a:prstGeom prst="roundRect">
+            <a:avLst/>
+          </a:prstGeom>
+          <a:noFill/>
+        </p:spPr>
+        <p:style>
+          <a:lnRef idx="2">
+            <a:schemeClr val="accent6"/>
+          </a:lnRef>
+          <a:fillRef idx="1">
+            <a:schemeClr val="lt1"/>
+          </a:fillRef>
+          <a:effectRef idx="0">
+            <a:schemeClr val="accent6"/>
+          </a:effectRef>
+          <a:fontRef idx="minor">
+            <a:schemeClr val="dk1"/>
+          </a:fontRef>
+        </p:style>
+        <p:txBody>
+          <a:bodyPr rtlCol="0" anchor="ctr"/>
+          <a:lstStyle/>
+          <a:p>
+            <a:pPr algn="ctr"/>
+            <a:endParaRPr kumimoji="1" lang="ja-JP" altLang="en-US"/>
+          </a:p>
+        </p:txBody>
+      </p:sp>
+      <p:sp>
+        <p:nvSpPr>
+          <p:cNvPr id="7" name="角丸四角形吹き出し 6"/>
+          <p:cNvSpPr/>
+          <p:nvPr/>
+        </p:nvSpPr>
+        <p:spPr>
+          <a:xfrm>
+            <a:off x="7216637" y="3497395"/>
+            <a:ext cx="3467929" cy="664880"/>
+          </a:xfrm>
+          <a:prstGeom prst="wedgeRoundRectCallout">
+            <a:avLst>
+              <a:gd name="adj1" fmla="val -62877"/>
+              <a:gd name="adj2" fmla="val 32132"/>
+              <a:gd name="adj3" fmla="val 16667"/>
+            </a:avLst>
+          </a:prstGeom>
+        </p:spPr>
+        <p:style>
+          <a:lnRef idx="2">
+            <a:schemeClr val="accent6">
+              <a:shade val="50000"/>
+            </a:schemeClr>
+          </a:lnRef>
+          <a:fillRef idx="1">
+            <a:schemeClr val="accent6"/>
+          </a:fillRef>
+          <a:effectRef idx="0">
+            <a:schemeClr val="accent6"/>
+          </a:effectRef>
+          <a:fontRef idx="minor">
+            <a:schemeClr val="lt1"/>
+          </a:fontRef>
+        </p:style>
+        <p:txBody>
+          <a:bodyPr rtlCol="0" anchor="ctr"/>
+          <a:lstStyle/>
+          <a:p>
+            <a:r>
+              <a:rPr kumimoji="1" lang="ja-JP" altLang="en-US" b="1" dirty="0" smtClean="0"/>
+              <a:t>ファイル名を</a:t>
+            </a:r>
+            <a:r>
+              <a:rPr kumimoji="1" lang="en-US" altLang="ja-JP" b="1" dirty="0" err="1" smtClean="0"/>
+              <a:t>href</a:t>
+            </a:r>
+            <a:r>
+              <a:rPr kumimoji="1" lang="ja-JP" altLang="en-US" b="1" dirty="0" smtClean="0"/>
+              <a:t>属性で指定する</a:t>
+            </a:r>
+            <a:endParaRPr kumimoji="1" lang="en-US" altLang="ja-JP" b="1" dirty="0" smtClean="0"/>
+          </a:p>
+          <a:p>
+            <a:r>
+              <a:rPr kumimoji="1" lang="ja-JP" altLang="en-US" b="1" dirty="0" smtClean="0"/>
+              <a:t>ファイルの相対関係はきちんとそろえる</a:t>
+            </a:r>
+            <a:endParaRPr kumimoji="1" lang="ja-JP" altLang="en-US" b="1" dirty="0"/>
+          </a:p>
+        </p:txBody>
+      </p:sp>
+      <p:sp>
+        <p:nvSpPr>
+          <p:cNvPr id="8" name="角丸四角形 7"/>
+          <p:cNvSpPr/>
+          <p:nvPr/>
+        </p:nvSpPr>
+        <p:spPr>
+          <a:xfrm>
+            <a:off x="6858000" y="4542183"/>
+            <a:ext cx="4224130" cy="1123121"/>
+          </a:xfrm>
+          <a:prstGeom prst="roundRect">
+            <a:avLst/>
+          </a:prstGeom>
+        </p:spPr>
+        <p:style>
+          <a:lnRef idx="2">
+            <a:schemeClr val="accent1">
+              <a:shade val="50000"/>
+            </a:schemeClr>
+          </a:lnRef>
+          <a:fillRef idx="1">
+            <a:schemeClr val="accent1"/>
+          </a:fillRef>
+          <a:effectRef idx="0">
+            <a:schemeClr val="accent1"/>
+          </a:effectRef>
+          <a:fontRef idx="minor">
+            <a:schemeClr val="lt1"/>
+          </a:fontRef>
+        </p:style>
+        <p:txBody>
+          <a:bodyPr rtlCol="0" anchor="ctr"/>
+          <a:lstStyle/>
+          <a:p>
+            <a:pPr algn="ctr"/>
+            <a:r>
+              <a:rPr kumimoji="1" lang="en-US" altLang="ja-JP" dirty="0" smtClean="0"/>
+              <a:t>Visual</a:t>
+            </a:r>
+            <a:r>
+              <a:rPr kumimoji="1" lang="ja-JP" altLang="en-US" dirty="0" smtClean="0"/>
+              <a:t> </a:t>
+            </a:r>
+            <a:r>
+              <a:rPr kumimoji="1" lang="en-US" altLang="ja-JP" dirty="0" smtClean="0"/>
+              <a:t>Studio Code</a:t>
+            </a:r>
+            <a:r>
+              <a:rPr kumimoji="1" lang="ja-JP" altLang="en-US" dirty="0" smtClean="0"/>
+              <a:t>では、ファイル名を</a:t>
+            </a:r>
+            <a:r>
+              <a:rPr kumimoji="1" lang="en-US" altLang="ja-JP" dirty="0" smtClean="0"/>
+              <a:t>[Ctrl]</a:t>
+            </a:r>
+            <a:r>
+              <a:rPr kumimoji="1" lang="ja-JP" altLang="en-US" dirty="0" smtClean="0"/>
+              <a:t>＋クリックで正しい位置にファイルを作成してくれる</a:t>
+            </a:r>
+            <a:endParaRPr kumimoji="1" lang="ja-JP" altLang="en-US" dirty="0"/>
+          </a:p>
+        </p:txBody>
+      </p:sp>
     </p:spTree>
     <p:extLst>
       <p:ext uri="{BB962C8B-B14F-4D97-AF65-F5344CB8AC3E}">
@@ -17806,7 +18143,7 @@
           <a:p>
             <a:r>
               <a:rPr kumimoji="1" lang="ja-JP" altLang="en-US" dirty="0" smtClean="0"/>
-              <a:t>スタイルシートファイルへのアクセス方法</a:t>
+              <a:t>インラインスタイルシート</a:t>
             </a:r>
             <a:endParaRPr kumimoji="1" lang="ja-JP" altLang="en-US" dirty="0"/>
           </a:p>
@@ -17827,7 +18164,18 @@
           <a:bodyPr/>
           <a:lstStyle/>
           <a:p>
-            <a:endParaRPr kumimoji="1" lang="ja-JP" altLang="en-US"/>
+            <a:r>
+              <a:rPr kumimoji="1" lang="en-US" altLang="ja-JP" dirty="0" smtClean="0"/>
+              <a:t>HTML</a:t>
+            </a:r>
+            <a:r>
+              <a:rPr kumimoji="1" lang="ja-JP" altLang="en-US" dirty="0" smtClean="0"/>
+              <a:t>中に直接デザインを記述する形式</a:t>
+            </a:r>
+            <a:endParaRPr kumimoji="1" lang="en-US" altLang="ja-JP" dirty="0" smtClean="0"/>
+          </a:p>
+          <a:p>
+            <a:endParaRPr kumimoji="1" lang="ja-JP" altLang="en-US" dirty="0"/>
           </a:p>
         </p:txBody>
       </p:sp>
@@ -17863,10 +18211,123 @@
           </a:p>
         </p:txBody>
       </p:sp>
+      <p:pic>
+        <p:nvPicPr>
+          <p:cNvPr id="5" name="図 4"/>
+          <p:cNvPicPr>
+            <a:picLocks noChangeAspect="1"/>
+          </p:cNvPicPr>
+          <p:nvPr/>
+        </p:nvPicPr>
+        <p:blipFill>
+          <a:blip r:embed="rId2"/>
+          <a:stretch>
+            <a:fillRect/>
+          </a:stretch>
+        </p:blipFill>
+        <p:spPr>
+          <a:xfrm>
+            <a:off x="1534412" y="2259611"/>
+            <a:ext cx="8049748" cy="1305107"/>
+          </a:xfrm>
+          <a:prstGeom prst="rect">
+            <a:avLst/>
+          </a:prstGeom>
+        </p:spPr>
+      </p:pic>
+      <p:sp>
+        <p:nvSpPr>
+          <p:cNvPr id="6" name="角丸四角形 5"/>
+          <p:cNvSpPr/>
+          <p:nvPr/>
+        </p:nvSpPr>
+        <p:spPr>
+          <a:xfrm>
+            <a:off x="2822713" y="2822713"/>
+            <a:ext cx="5973417" cy="377687"/>
+          </a:xfrm>
+          <a:prstGeom prst="roundRect">
+            <a:avLst/>
+          </a:prstGeom>
+          <a:noFill/>
+        </p:spPr>
+        <p:style>
+          <a:lnRef idx="2">
+            <a:schemeClr val="accent6"/>
+          </a:lnRef>
+          <a:fillRef idx="1">
+            <a:schemeClr val="lt1"/>
+          </a:fillRef>
+          <a:effectRef idx="0">
+            <a:schemeClr val="accent6"/>
+          </a:effectRef>
+          <a:fontRef idx="minor">
+            <a:schemeClr val="dk1"/>
+          </a:fontRef>
+        </p:style>
+        <p:txBody>
+          <a:bodyPr rtlCol="0" anchor="ctr"/>
+          <a:lstStyle/>
+          <a:p>
+            <a:pPr algn="ctr"/>
+            <a:endParaRPr kumimoji="1" lang="ja-JP" altLang="en-US"/>
+          </a:p>
+        </p:txBody>
+      </p:sp>
+      <p:sp>
+        <p:nvSpPr>
+          <p:cNvPr id="7" name="角丸四角形吹き出し 6"/>
+          <p:cNvSpPr/>
+          <p:nvPr/>
+        </p:nvSpPr>
+        <p:spPr>
+          <a:xfrm>
+            <a:off x="4999383" y="3564718"/>
+            <a:ext cx="3101008" cy="696655"/>
+          </a:xfrm>
+          <a:prstGeom prst="wedgeRoundRectCallout">
+            <a:avLst>
+              <a:gd name="adj1" fmla="val -23077"/>
+              <a:gd name="adj2" fmla="val -73036"/>
+              <a:gd name="adj3" fmla="val 16667"/>
+            </a:avLst>
+          </a:prstGeom>
+        </p:spPr>
+        <p:style>
+          <a:lnRef idx="2">
+            <a:schemeClr val="accent6">
+              <a:shade val="50000"/>
+            </a:schemeClr>
+          </a:lnRef>
+          <a:fillRef idx="1">
+            <a:schemeClr val="accent6"/>
+          </a:fillRef>
+          <a:effectRef idx="0">
+            <a:schemeClr val="accent6"/>
+          </a:effectRef>
+          <a:fontRef idx="minor">
+            <a:schemeClr val="lt1"/>
+          </a:fontRef>
+        </p:style>
+        <p:txBody>
+          <a:bodyPr rtlCol="0" anchor="ctr"/>
+          <a:lstStyle/>
+          <a:p>
+            <a:r>
+              <a:rPr kumimoji="1" lang="ja-JP" altLang="en-US" b="1" dirty="0" smtClean="0"/>
+              <a:t>可読性が落ちるために、あまり使用され</a:t>
+            </a:r>
+            <a:r>
+              <a:rPr kumimoji="1" lang="ja-JP" altLang="en-US" b="1" dirty="0"/>
+              <a:t>ない</a:t>
+            </a:r>
+          </a:p>
+        </p:txBody>
+      </p:sp>
     </p:spTree>
     <p:extLst>
       <p:ext uri="{BB962C8B-B14F-4D97-AF65-F5344CB8AC3E}">
-        <p14:creationId xmlns:p14="http://schemas.microsoft.com/office/powerpoint/2010/main" val="4106104488"/>
+        <p14:creationId xmlns:p14="http://schemas.microsoft.com/office/powerpoint/2010/main" val="3922970187"/>
       </p:ext>
     </p:extLst>
   </p:cSld>
@@ -17910,7 +18371,7 @@
           <a:p>
             <a:r>
               <a:rPr kumimoji="1" lang="ja-JP" altLang="en-US" dirty="0" smtClean="0"/>
-              <a:t>セレクタ</a:t>
+              <a:t>ファイルパスの演習</a:t>
             </a:r>
             <a:endParaRPr kumimoji="1" lang="ja-JP" altLang="en-US" dirty="0"/>
           </a:p>
@@ -17967,10 +18428,122 @@
           </a:p>
         </p:txBody>
       </p:sp>
+      <p:pic>
+        <p:nvPicPr>
+          <p:cNvPr id="5" name="図 4"/>
+          <p:cNvPicPr>
+            <a:picLocks noChangeAspect="1"/>
+          </p:cNvPicPr>
+          <p:nvPr/>
+        </p:nvPicPr>
+        <p:blipFill>
+          <a:blip r:embed="rId2"/>
+          <a:stretch>
+            <a:fillRect/>
+          </a:stretch>
+        </p:blipFill>
+        <p:spPr>
+          <a:xfrm>
+            <a:off x="913773" y="1562956"/>
+            <a:ext cx="7421011" cy="4439270"/>
+          </a:xfrm>
+          <a:prstGeom prst="rect">
+            <a:avLst/>
+          </a:prstGeom>
+        </p:spPr>
+      </p:pic>
+      <p:sp>
+        <p:nvSpPr>
+          <p:cNvPr id="6" name="角丸四角形 5"/>
+          <p:cNvSpPr/>
+          <p:nvPr/>
+        </p:nvSpPr>
+        <p:spPr>
+          <a:xfrm>
+            <a:off x="1759226" y="3617843"/>
+            <a:ext cx="5854148" cy="834887"/>
+          </a:xfrm>
+          <a:prstGeom prst="roundRect">
+            <a:avLst/>
+          </a:prstGeom>
+          <a:noFill/>
+        </p:spPr>
+        <p:style>
+          <a:lnRef idx="2">
+            <a:schemeClr val="accent6">
+              <a:shade val="50000"/>
+            </a:schemeClr>
+          </a:lnRef>
+          <a:fillRef idx="1">
+            <a:schemeClr val="accent6"/>
+          </a:fillRef>
+          <a:effectRef idx="0">
+            <a:schemeClr val="accent6"/>
+          </a:effectRef>
+          <a:fontRef idx="minor">
+            <a:schemeClr val="lt1"/>
+          </a:fontRef>
+        </p:style>
+        <p:txBody>
+          <a:bodyPr rtlCol="0" anchor="ctr"/>
+          <a:lstStyle/>
+          <a:p>
+            <a:pPr algn="ctr"/>
+            <a:endParaRPr kumimoji="1" lang="ja-JP" altLang="en-US"/>
+          </a:p>
+        </p:txBody>
+      </p:sp>
+      <p:sp>
+        <p:nvSpPr>
+          <p:cNvPr id="7" name="角丸四角形吹き出し 6"/>
+          <p:cNvSpPr/>
+          <p:nvPr/>
+        </p:nvSpPr>
+        <p:spPr>
+          <a:xfrm>
+            <a:off x="7971183" y="3697257"/>
+            <a:ext cx="2315817" cy="934378"/>
+          </a:xfrm>
+          <a:prstGeom prst="wedgeRoundRectCallout">
+            <a:avLst>
+              <a:gd name="adj1" fmla="val -59030"/>
+              <a:gd name="adj2" fmla="val 17824"/>
+              <a:gd name="adj3" fmla="val 16667"/>
+            </a:avLst>
+          </a:prstGeom>
+        </p:spPr>
+        <p:style>
+          <a:lnRef idx="2">
+            <a:schemeClr val="accent6">
+              <a:shade val="50000"/>
+            </a:schemeClr>
+          </a:lnRef>
+          <a:fillRef idx="1">
+            <a:schemeClr val="accent6"/>
+          </a:fillRef>
+          <a:effectRef idx="0">
+            <a:schemeClr val="accent6"/>
+          </a:effectRef>
+          <a:fontRef idx="minor">
+            <a:schemeClr val="lt1"/>
+          </a:fontRef>
+        </p:style>
+        <p:txBody>
+          <a:bodyPr rtlCol="0" anchor="ctr"/>
+          <a:lstStyle/>
+          <a:p>
+            <a:r>
+              <a:rPr kumimoji="1" lang="ja-JP" altLang="en-US" b="1" dirty="0" smtClean="0"/>
+              <a:t>どこにファイルが作成されるか確認すること</a:t>
+            </a:r>
+            <a:endParaRPr kumimoji="1" lang="ja-JP" altLang="en-US" b="1" dirty="0"/>
+          </a:p>
+        </p:txBody>
+      </p:sp>
     </p:spTree>
     <p:extLst>
       <p:ext uri="{BB962C8B-B14F-4D97-AF65-F5344CB8AC3E}">
-        <p14:creationId xmlns:p14="http://schemas.microsoft.com/office/powerpoint/2010/main" val="3398169574"/>
+        <p14:creationId xmlns:p14="http://schemas.microsoft.com/office/powerpoint/2010/main" val="3681490415"/>
       </p:ext>
     </p:extLst>
   </p:cSld>
@@ -18035,7 +18608,111 @@
           <a:bodyPr/>
           <a:lstStyle/>
           <a:p>
-            <a:endParaRPr kumimoji="1" lang="ja-JP" altLang="en-US"/>
+            <a:r>
+              <a:rPr kumimoji="1" lang="ja-JP" altLang="en-US" dirty="0" smtClean="0"/>
+              <a:t>セレクタとは、</a:t>
+            </a:r>
+            <a:r>
+              <a:rPr kumimoji="1" lang="en-US" altLang="ja-JP" dirty="0" smtClean="0"/>
+              <a:t>HTML</a:t>
+            </a:r>
+            <a:r>
+              <a:rPr kumimoji="1" lang="ja-JP" altLang="en-US" dirty="0" err="1" smtClean="0"/>
+              <a:t>での</a:t>
+            </a:r>
+            <a:r>
+              <a:rPr kumimoji="1" lang="ja-JP" altLang="en-US" dirty="0" smtClean="0"/>
+              <a:t>デザイン指定をする範囲を表す名称。</a:t>
+            </a:r>
+            <a:endParaRPr kumimoji="1" lang="en-US" altLang="ja-JP" dirty="0" smtClean="0"/>
+          </a:p>
+          <a:p>
+            <a:r>
+              <a:rPr kumimoji="1" lang="ja-JP" altLang="en-US" dirty="0" smtClean="0"/>
+              <a:t>タグで囲まれている要素であれば、それはセレクタになる</a:t>
+            </a:r>
+            <a:r>
+              <a:rPr kumimoji="1" lang="en-US" altLang="ja-JP" dirty="0" smtClean="0"/>
+              <a:t/>
+            </a:r>
+            <a:br>
+              <a:rPr kumimoji="1" lang="en-US" altLang="ja-JP" dirty="0" smtClean="0"/>
+            </a:br>
+            <a:r>
+              <a:rPr kumimoji="1" lang="en-US" altLang="ja-JP" dirty="0" smtClean="0"/>
+              <a:t/>
+            </a:r>
+            <a:br>
+              <a:rPr kumimoji="1" lang="en-US" altLang="ja-JP" dirty="0" smtClean="0"/>
+            </a:br>
+            <a:r>
+              <a:rPr kumimoji="1" lang="en-US" altLang="ja-JP" dirty="0" smtClean="0"/>
+              <a:t/>
+            </a:r>
+            <a:br>
+              <a:rPr kumimoji="1" lang="en-US" altLang="ja-JP" dirty="0" smtClean="0"/>
+            </a:br>
+            <a:r>
+              <a:rPr kumimoji="1" lang="en-US" altLang="ja-JP" dirty="0" smtClean="0"/>
+              <a:t/>
+            </a:r>
+            <a:br>
+              <a:rPr kumimoji="1" lang="en-US" altLang="ja-JP" dirty="0" smtClean="0"/>
+            </a:br>
+            <a:r>
+              <a:rPr kumimoji="1" lang="ja-JP" altLang="en-US" dirty="0" smtClean="0"/>
+              <a:t>文字”赤“は、タグ</a:t>
+            </a:r>
+            <a:r>
+              <a:rPr kumimoji="1" lang="en-US" altLang="ja-JP" dirty="0" smtClean="0"/>
+              <a:t>SPAN</a:t>
+            </a:r>
+            <a:r>
+              <a:rPr kumimoji="1" lang="ja-JP" altLang="en-US" dirty="0" smtClean="0"/>
+              <a:t>で囲まれている。　この時の</a:t>
+            </a:r>
+            <a:r>
+              <a:rPr kumimoji="1" lang="en-US" altLang="ja-JP" dirty="0" smtClean="0"/>
+              <a:t>SPAN</a:t>
+            </a:r>
+            <a:r>
+              <a:rPr kumimoji="1" lang="ja-JP" altLang="en-US" dirty="0" smtClean="0"/>
+              <a:t>をセレクタという。</a:t>
+            </a:r>
+            <a:r>
+              <a:rPr kumimoji="1" lang="en-US" altLang="ja-JP" dirty="0" smtClean="0"/>
+              <a:t/>
+            </a:r>
+            <a:br>
+              <a:rPr kumimoji="1" lang="en-US" altLang="ja-JP" dirty="0" smtClean="0"/>
+            </a:br>
+            <a:r>
+              <a:rPr kumimoji="1" lang="ja-JP" altLang="en-US" dirty="0" smtClean="0"/>
+              <a:t>もちろん</a:t>
+            </a:r>
+            <a:r>
+              <a:rPr kumimoji="1" lang="en-US" altLang="ja-JP" dirty="0" smtClean="0"/>
+              <a:t>BODY</a:t>
+            </a:r>
+            <a:r>
+              <a:rPr kumimoji="1" lang="ja-JP" altLang="en-US" dirty="0" smtClean="0"/>
+              <a:t>もセレクタ</a:t>
+            </a:r>
+            <a:endParaRPr kumimoji="1" lang="en-US" altLang="ja-JP" dirty="0" smtClean="0"/>
+          </a:p>
+          <a:p>
+            <a:r>
+              <a:rPr kumimoji="1" lang="ja-JP" altLang="en-US" dirty="0"/>
+              <a:t>　</a:t>
+            </a:r>
+            <a:r>
+              <a:rPr kumimoji="1" lang="ja-JP" altLang="en-US" dirty="0" smtClean="0"/>
+              <a:t>次の書き方だと、それぞれを区別できない　⇒　別のデザイン指定が必要</a:t>
+            </a:r>
+            <a:endParaRPr kumimoji="1" lang="en-US" altLang="ja-JP" dirty="0" smtClean="0"/>
+          </a:p>
+          <a:p>
+            <a:endParaRPr kumimoji="1" lang="ja-JP" altLang="en-US" dirty="0"/>
           </a:p>
         </p:txBody>
       </p:sp>
@@ -18071,10 +18748,58 @@
           </a:p>
         </p:txBody>
       </p:sp>
+      <p:pic>
+        <p:nvPicPr>
+          <p:cNvPr id="5" name="図 4"/>
+          <p:cNvPicPr>
+            <a:picLocks noChangeAspect="1"/>
+          </p:cNvPicPr>
+          <p:nvPr/>
+        </p:nvPicPr>
+        <p:blipFill>
+          <a:blip r:embed="rId2"/>
+          <a:stretch>
+            <a:fillRect/>
+          </a:stretch>
+        </p:blipFill>
+        <p:spPr>
+          <a:xfrm>
+            <a:off x="1447025" y="2754536"/>
+            <a:ext cx="5163271" cy="752580"/>
+          </a:xfrm>
+          <a:prstGeom prst="rect">
+            <a:avLst/>
+          </a:prstGeom>
+        </p:spPr>
+      </p:pic>
+      <p:pic>
+        <p:nvPicPr>
+          <p:cNvPr id="6" name="図 5"/>
+          <p:cNvPicPr>
+            <a:picLocks noChangeAspect="1"/>
+          </p:cNvPicPr>
+          <p:nvPr/>
+        </p:nvPicPr>
+        <p:blipFill>
+          <a:blip r:embed="rId3"/>
+          <a:stretch>
+            <a:fillRect/>
+          </a:stretch>
+        </p:blipFill>
+        <p:spPr>
+          <a:xfrm>
+            <a:off x="1526920" y="4929157"/>
+            <a:ext cx="5639587" cy="1095528"/>
+          </a:xfrm>
+          <a:prstGeom prst="rect">
+            <a:avLst/>
+          </a:prstGeom>
+        </p:spPr>
+      </p:pic>
     </p:spTree>
     <p:extLst>
       <p:ext uri="{BB962C8B-B14F-4D97-AF65-F5344CB8AC3E}">
-        <p14:creationId xmlns:p14="http://schemas.microsoft.com/office/powerpoint/2010/main" val="3437715601"/>
+        <p14:creationId xmlns:p14="http://schemas.microsoft.com/office/powerpoint/2010/main" val="3398169574"/>
       </p:ext>
     </p:extLst>
   </p:cSld>
@@ -18118,7 +18843,7 @@
           <a:p>
             <a:r>
               <a:rPr kumimoji="1" lang="en-US" altLang="ja-JP" dirty="0" smtClean="0"/>
-              <a:t>id</a:t>
+              <a:t>class</a:t>
             </a:r>
             <a:r>
               <a:rPr kumimoji="1" lang="ja-JP" altLang="en-US" dirty="0" smtClean="0"/>
@@ -18140,10 +18865,80 @@
         </p:nvSpPr>
         <p:spPr/>
         <p:txBody>
-          <a:bodyPr/>
+          <a:bodyPr>
+            <a:normAutofit lnSpcReduction="10000"/>
+          </a:bodyPr>
           <a:lstStyle/>
           <a:p>
-            <a:endParaRPr kumimoji="1" lang="ja-JP" altLang="en-US"/>
+            <a:r>
+              <a:rPr kumimoji="1" lang="ja-JP" altLang="en-US" dirty="0" smtClean="0"/>
+              <a:t>複数の場所に同じ名前を付けるために指定される。</a:t>
+            </a:r>
+            <a:r>
+              <a:rPr kumimoji="1" lang="en-US" altLang="ja-JP" dirty="0" smtClean="0"/>
+              <a:t/>
+            </a:r>
+            <a:br>
+              <a:rPr kumimoji="1" lang="en-US" altLang="ja-JP" dirty="0" smtClean="0"/>
+            </a:br>
+            <a:r>
+              <a:rPr kumimoji="1" lang="ja-JP" altLang="en-US" dirty="0" smtClean="0"/>
+              <a:t>⇒　共通デザインを適用するために、様々な場所に</a:t>
+            </a:r>
+            <a:r>
+              <a:rPr kumimoji="1" lang="en-US" altLang="ja-JP" dirty="0" smtClean="0"/>
+              <a:t>class</a:t>
+            </a:r>
+            <a:r>
+              <a:rPr kumimoji="1" lang="ja-JP" altLang="en-US" dirty="0" smtClean="0"/>
+              <a:t>属性で指定される。</a:t>
+            </a:r>
+            <a:endParaRPr kumimoji="1" lang="en-US" altLang="ja-JP" dirty="0" smtClean="0"/>
+          </a:p>
+          <a:p>
+            <a:r>
+              <a:rPr kumimoji="1" lang="ja-JP" altLang="en-US" dirty="0"/>
+              <a:t>この名前で指定すること</a:t>
+            </a:r>
+            <a:r>
+              <a:rPr kumimoji="1" lang="ja-JP" altLang="en-US" dirty="0" smtClean="0"/>
+              <a:t>で、複数種類のタグにデザインを指定できる</a:t>
+            </a:r>
+            <a:endParaRPr kumimoji="1" lang="en-US" altLang="ja-JP" dirty="0" smtClean="0"/>
+          </a:p>
+          <a:p>
+            <a:endParaRPr kumimoji="1" lang="en-US" altLang="ja-JP" dirty="0"/>
+          </a:p>
+          <a:p>
+            <a:endParaRPr kumimoji="1" lang="en-US" altLang="ja-JP" dirty="0" smtClean="0"/>
+          </a:p>
+          <a:p>
+            <a:endParaRPr kumimoji="1" lang="en-US" altLang="ja-JP" dirty="0"/>
+          </a:p>
+          <a:p>
+            <a:endParaRPr kumimoji="1" lang="en-US" altLang="ja-JP" dirty="0" smtClean="0"/>
+          </a:p>
+          <a:p>
+            <a:endParaRPr kumimoji="1" lang="en-US" altLang="ja-JP" dirty="0"/>
+          </a:p>
+          <a:p>
+            <a:r>
+              <a:rPr kumimoji="1" lang="en-US" altLang="ja-JP" dirty="0" smtClean="0"/>
+              <a:t>CSS</a:t>
+            </a:r>
+            <a:r>
+              <a:rPr kumimoji="1" lang="ja-JP" altLang="en-US" dirty="0" smtClean="0"/>
+              <a:t>の指定をするときには、「</a:t>
+            </a:r>
+            <a:r>
+              <a:rPr kumimoji="1" lang="en-US" altLang="ja-JP" dirty="0" smtClean="0"/>
+              <a:t>.</a:t>
+            </a:r>
+            <a:r>
+              <a:rPr kumimoji="1" lang="ja-JP" altLang="en-US" dirty="0" smtClean="0"/>
+              <a:t>」を付ける</a:t>
+            </a:r>
+            <a:endParaRPr kumimoji="1" lang="en-US" altLang="ja-JP" dirty="0" smtClean="0"/>
           </a:p>
         </p:txBody>
       </p:sp>
@@ -18179,10 +18974,89 @@
           </a:p>
         </p:txBody>
       </p:sp>
+      <p:pic>
+        <p:nvPicPr>
+          <p:cNvPr id="5" name="図 4"/>
+          <p:cNvPicPr>
+            <a:picLocks noChangeAspect="1"/>
+          </p:cNvPicPr>
+          <p:nvPr/>
+        </p:nvPicPr>
+        <p:blipFill>
+          <a:blip r:embed="rId2"/>
+          <a:stretch>
+            <a:fillRect/>
+          </a:stretch>
+        </p:blipFill>
+        <p:spPr>
+          <a:xfrm>
+            <a:off x="1520409" y="3250984"/>
+            <a:ext cx="6944694" cy="2105319"/>
+          </a:xfrm>
+          <a:prstGeom prst="rect">
+            <a:avLst/>
+          </a:prstGeom>
+        </p:spPr>
+      </p:pic>
+      <p:sp>
+        <p:nvSpPr>
+          <p:cNvPr id="6" name="角丸四角形吹き出し 5"/>
+          <p:cNvSpPr/>
+          <p:nvPr/>
+        </p:nvSpPr>
+        <p:spPr>
+          <a:xfrm>
+            <a:off x="5396948" y="3091070"/>
+            <a:ext cx="2703443" cy="755373"/>
+          </a:xfrm>
+          <a:prstGeom prst="wedgeRoundRectCallout">
+            <a:avLst>
+              <a:gd name="adj1" fmla="val -59804"/>
+              <a:gd name="adj2" fmla="val 28290"/>
+              <a:gd name="adj3" fmla="val 16667"/>
+            </a:avLst>
+          </a:prstGeom>
+        </p:spPr>
+        <p:style>
+          <a:lnRef idx="2">
+            <a:schemeClr val="accent1">
+              <a:shade val="50000"/>
+            </a:schemeClr>
+          </a:lnRef>
+          <a:fillRef idx="1">
+            <a:schemeClr val="accent1"/>
+          </a:fillRef>
+          <a:effectRef idx="0">
+            <a:schemeClr val="accent1"/>
+          </a:effectRef>
+          <a:fontRef idx="minor">
+            <a:schemeClr val="lt1"/>
+          </a:fontRef>
+        </p:style>
+        <p:txBody>
+          <a:bodyPr rtlCol="0" anchor="ctr"/>
+          <a:lstStyle/>
+          <a:p>
+            <a:r>
+              <a:rPr kumimoji="1" lang="ja-JP" altLang="en-US" b="1" dirty="0" smtClean="0"/>
+              <a:t>複数の</a:t>
+            </a:r>
+            <a:r>
+              <a:rPr kumimoji="1" lang="en-US" altLang="ja-JP" b="1" dirty="0" smtClean="0"/>
+              <a:t>class</a:t>
+            </a:r>
+            <a:r>
+              <a:rPr kumimoji="1" lang="ja-JP" altLang="en-US" b="1" dirty="0" smtClean="0"/>
+              <a:t>に書くことでデザインを共有できる</a:t>
+            </a:r>
+            <a:endParaRPr kumimoji="1" lang="ja-JP" altLang="en-US" b="1" dirty="0"/>
+          </a:p>
+        </p:txBody>
+      </p:sp>
     </p:spTree>
     <p:extLst>
       <p:ext uri="{BB962C8B-B14F-4D97-AF65-F5344CB8AC3E}">
-        <p14:creationId xmlns:p14="http://schemas.microsoft.com/office/powerpoint/2010/main" val="1934916171"/>
+        <p14:creationId xmlns:p14="http://schemas.microsoft.com/office/powerpoint/2010/main" val="2751892836"/>
       </p:ext>
     </p:extLst>
   </p:cSld>
@@ -18226,7 +19100,7 @@
           <a:p>
             <a:r>
               <a:rPr kumimoji="1" lang="en-US" altLang="ja-JP" dirty="0" smtClean="0"/>
-              <a:t>class</a:t>
+              <a:t>id</a:t>
             </a:r>
             <a:r>
               <a:rPr kumimoji="1" lang="ja-JP" altLang="en-US" dirty="0" smtClean="0"/>
@@ -18251,7 +19125,55 @@
           <a:bodyPr/>
           <a:lstStyle/>
           <a:p>
-            <a:endParaRPr kumimoji="1" lang="ja-JP" altLang="en-US"/>
+            <a:r>
+              <a:rPr kumimoji="1" lang="en-US" altLang="ja-JP" dirty="0" smtClean="0"/>
+              <a:t>id</a:t>
+            </a:r>
+            <a:r>
+              <a:rPr kumimoji="1" lang="ja-JP" altLang="en-US" dirty="0" smtClean="0"/>
+              <a:t>属性につけられた名前を使用するセレクタ</a:t>
+            </a:r>
+            <a:endParaRPr kumimoji="1" lang="en-US" altLang="ja-JP" dirty="0" smtClean="0"/>
+          </a:p>
+          <a:p>
+            <a:endParaRPr kumimoji="1" lang="en-US" altLang="ja-JP" dirty="0"/>
+          </a:p>
+          <a:p>
+            <a:endParaRPr kumimoji="1" lang="en-US" altLang="ja-JP" dirty="0" smtClean="0"/>
+          </a:p>
+          <a:p>
+            <a:endParaRPr kumimoji="1" lang="en-US" altLang="ja-JP" dirty="0"/>
+          </a:p>
+          <a:p>
+            <a:endParaRPr kumimoji="1" lang="en-US" altLang="ja-JP" dirty="0" smtClean="0"/>
+          </a:p>
+          <a:p>
+            <a:endParaRPr kumimoji="1" lang="en-US" altLang="ja-JP" dirty="0"/>
+          </a:p>
+          <a:p>
+            <a:endParaRPr kumimoji="1" lang="en-US" altLang="ja-JP" dirty="0" smtClean="0"/>
+          </a:p>
+          <a:p>
+            <a:r>
+              <a:rPr kumimoji="1" lang="en-US" altLang="ja-JP" dirty="0" smtClean="0"/>
+              <a:t>CSS</a:t>
+            </a:r>
+            <a:r>
+              <a:rPr kumimoji="1" lang="ja-JP" altLang="en-US" dirty="0" smtClean="0"/>
+              <a:t>の指定をするときには、先頭に「</a:t>
+            </a:r>
+            <a:r>
+              <a:rPr kumimoji="1" lang="en-US" altLang="ja-JP" dirty="0" smtClean="0"/>
+              <a:t>#</a:t>
+            </a:r>
+            <a:r>
+              <a:rPr kumimoji="1" lang="ja-JP" altLang="en-US" dirty="0" smtClean="0"/>
+              <a:t>」を付ける</a:t>
+            </a:r>
+            <a:endParaRPr kumimoji="1" lang="en-US" altLang="ja-JP" dirty="0" smtClean="0"/>
+          </a:p>
+          <a:p>
+            <a:endParaRPr kumimoji="1" lang="ja-JP" altLang="en-US" dirty="0"/>
           </a:p>
         </p:txBody>
       </p:sp>
@@ -18287,10 +19209,75 @@
           </a:p>
         </p:txBody>
       </p:sp>
+      <p:pic>
+        <p:nvPicPr>
+          <p:cNvPr id="5" name="図 4"/>
+          <p:cNvPicPr>
+            <a:picLocks noChangeAspect="1"/>
+          </p:cNvPicPr>
+          <p:nvPr/>
+        </p:nvPicPr>
+        <p:blipFill>
+          <a:blip r:embed="rId2"/>
+          <a:stretch>
+            <a:fillRect/>
+          </a:stretch>
+        </p:blipFill>
+        <p:spPr>
+          <a:xfrm>
+            <a:off x="1275423" y="2176700"/>
+            <a:ext cx="7335274" cy="2524477"/>
+          </a:xfrm>
+          <a:prstGeom prst="rect">
+            <a:avLst/>
+          </a:prstGeom>
+        </p:spPr>
+      </p:pic>
+      <p:sp>
+        <p:nvSpPr>
+          <p:cNvPr id="6" name="角丸四角形吹き出し 5"/>
+          <p:cNvSpPr/>
+          <p:nvPr/>
+        </p:nvSpPr>
+        <p:spPr>
+          <a:xfrm>
+            <a:off x="2984738" y="2305878"/>
+            <a:ext cx="3110948" cy="616226"/>
+          </a:xfrm>
+          <a:prstGeom prst="wedgeRoundRectCallout">
+            <a:avLst/>
+          </a:prstGeom>
+        </p:spPr>
+        <p:style>
+          <a:lnRef idx="2">
+            <a:schemeClr val="accent6"/>
+          </a:lnRef>
+          <a:fillRef idx="1">
+            <a:schemeClr val="lt1"/>
+          </a:fillRef>
+          <a:effectRef idx="0">
+            <a:schemeClr val="accent6"/>
+          </a:effectRef>
+          <a:fontRef idx="minor">
+            <a:schemeClr val="dk1"/>
+          </a:fontRef>
+        </p:style>
+        <p:txBody>
+          <a:bodyPr rtlCol="0" anchor="ctr"/>
+          <a:lstStyle/>
+          <a:p>
+            <a:r>
+              <a:rPr kumimoji="1" lang="ja-JP" altLang="en-US" b="1" dirty="0" smtClean="0"/>
+              <a:t>同じＰタグで、区別をしたいときに使用する</a:t>
+            </a:r>
+            <a:endParaRPr kumimoji="1" lang="ja-JP" altLang="en-US" b="1" dirty="0"/>
+          </a:p>
+        </p:txBody>
+      </p:sp>
     </p:spTree>
     <p:extLst>
       <p:ext uri="{BB962C8B-B14F-4D97-AF65-F5344CB8AC3E}">
-        <p14:creationId xmlns:p14="http://schemas.microsoft.com/office/powerpoint/2010/main" val="2751892836"/>
+        <p14:creationId xmlns:p14="http://schemas.microsoft.com/office/powerpoint/2010/main" val="1934916171"/>
       </p:ext>
     </p:extLst>
   </p:cSld>
@@ -18332,6 +19319,14 @@
           <a:bodyPr/>
           <a:lstStyle/>
           <a:p>
+            <a:r>
+              <a:rPr kumimoji="1" lang="en-US" altLang="ja-JP" dirty="0" smtClean="0"/>
+              <a:t>CSS</a:t>
+            </a:r>
+            <a:r>
+              <a:rPr kumimoji="1" lang="ja-JP" altLang="en-US" dirty="0" smtClean="0"/>
+              <a:t>デザインの指定方法</a:t>
+            </a:r>
             <a:endParaRPr kumimoji="1" lang="ja-JP" altLang="en-US" dirty="0"/>
           </a:p>
         </p:txBody>
@@ -18351,7 +19346,15 @@
           <a:bodyPr/>
           <a:lstStyle/>
           <a:p>
-            <a:endParaRPr kumimoji="1" lang="ja-JP" altLang="en-US"/>
+            <a:r>
+              <a:rPr kumimoji="1" lang="en-US" altLang="ja-JP" dirty="0" smtClean="0"/>
+              <a:t>CSS</a:t>
+            </a:r>
+            <a:r>
+              <a:rPr kumimoji="1" lang="ja-JP" altLang="en-US" dirty="0" smtClean="0"/>
+              <a:t>のデザインについては下記の形式をとる</a:t>
+            </a:r>
+            <a:endParaRPr kumimoji="1" lang="ja-JP" altLang="en-US" dirty="0"/>
           </a:p>
         </p:txBody>
       </p:sp>
@@ -18387,10 +19390,399 @@
           </a:p>
         </p:txBody>
       </p:sp>
+      <p:sp>
+        <p:nvSpPr>
+          <p:cNvPr id="5" name="テキスト ボックス 4"/>
+          <p:cNvSpPr txBox="1"/>
+          <p:nvPr/>
+        </p:nvSpPr>
+        <p:spPr>
+          <a:xfrm>
+            <a:off x="1685925" y="2283153"/>
+            <a:ext cx="2723823" cy="1384995"/>
+          </a:xfrm>
+          <a:prstGeom prst="rect">
+            <a:avLst/>
+          </a:prstGeom>
+          <a:noFill/>
+        </p:spPr>
+        <p:txBody>
+          <a:bodyPr wrap="none" rtlCol="0">
+            <a:spAutoFit/>
+          </a:bodyPr>
+          <a:lstStyle/>
+          <a:p>
+            <a:r>
+              <a:rPr kumimoji="1" lang="ja-JP" altLang="en-US" b="1" dirty="0" smtClean="0"/>
+              <a:t>セレクタ　</a:t>
+            </a:r>
+            <a:r>
+              <a:rPr kumimoji="1" lang="en-US" altLang="ja-JP" b="1" dirty="0" smtClean="0"/>
+              <a:t>{</a:t>
+            </a:r>
+          </a:p>
+          <a:p>
+            <a:r>
+              <a:rPr kumimoji="1" lang="en-US" altLang="ja-JP" b="1" dirty="0"/>
+              <a:t> </a:t>
+            </a:r>
+            <a:r>
+              <a:rPr kumimoji="1" lang="en-US" altLang="ja-JP" b="1" dirty="0" smtClean="0"/>
+              <a:t>	</a:t>
+            </a:r>
+            <a:r>
+              <a:rPr kumimoji="1" lang="ja-JP" altLang="en-US" b="1" dirty="0" smtClean="0"/>
+              <a:t>属性名　：　値　；</a:t>
+            </a:r>
+            <a:endParaRPr kumimoji="1" lang="en-US" altLang="ja-JP" b="1" dirty="0" smtClean="0"/>
+          </a:p>
+          <a:p>
+            <a:endParaRPr kumimoji="1" lang="en-US" altLang="ja-JP" b="1" dirty="0" smtClean="0"/>
+          </a:p>
+          <a:p>
+            <a:r>
+              <a:rPr kumimoji="1" lang="en-US" altLang="ja-JP" b="1" dirty="0" smtClean="0"/>
+              <a:t>	※</a:t>
+            </a:r>
+            <a:r>
+              <a:rPr kumimoji="1" lang="ja-JP" altLang="en-US" b="1" dirty="0" smtClean="0"/>
+              <a:t>繰り返し</a:t>
+            </a:r>
+            <a:endParaRPr kumimoji="1" lang="en-US" altLang="ja-JP" b="1" dirty="0" smtClean="0"/>
+          </a:p>
+          <a:p>
+            <a:r>
+              <a:rPr kumimoji="1" lang="en-US" altLang="ja-JP" b="1" dirty="0" smtClean="0"/>
+              <a:t>}</a:t>
+            </a:r>
+          </a:p>
+          <a:p>
+            <a:endParaRPr kumimoji="1" lang="ja-JP" altLang="en-US" b="1" dirty="0"/>
+          </a:p>
+        </p:txBody>
+      </p:sp>
+      <p:sp>
+        <p:nvSpPr>
+          <p:cNvPr id="6" name="テキスト ボックス 5"/>
+          <p:cNvSpPr txBox="1"/>
+          <p:nvPr/>
+        </p:nvSpPr>
+        <p:spPr>
+          <a:xfrm>
+            <a:off x="5705475" y="2400300"/>
+            <a:ext cx="5638800" cy="2462213"/>
+          </a:xfrm>
+          <a:prstGeom prst="rect">
+            <a:avLst/>
+          </a:prstGeom>
+          <a:noFill/>
+        </p:spPr>
+        <p:txBody>
+          <a:bodyPr wrap="square" rtlCol="0">
+            <a:spAutoFit/>
+          </a:bodyPr>
+          <a:lstStyle/>
+          <a:p>
+            <a:r>
+              <a:rPr kumimoji="1" lang="en-US" altLang="ja-JP" dirty="0" smtClean="0"/>
+              <a:t>※</a:t>
+            </a:r>
+            <a:r>
+              <a:rPr kumimoji="1" lang="ja-JP" altLang="en-US" dirty="0" smtClean="0"/>
+              <a:t>セレクタについては、前のスライドである通り</a:t>
+            </a:r>
+            <a:endParaRPr kumimoji="1" lang="en-US" altLang="ja-JP" dirty="0" smtClean="0"/>
+          </a:p>
+          <a:p>
+            <a:endParaRPr kumimoji="1" lang="en-US" altLang="ja-JP" dirty="0"/>
+          </a:p>
+          <a:p>
+            <a:r>
+              <a:rPr kumimoji="1" lang="ja-JP" altLang="en-US" dirty="0" smtClean="0"/>
+              <a:t>属性名　：　プロパティと呼ばれる</a:t>
+            </a:r>
+            <a:endParaRPr kumimoji="1" lang="en-US" altLang="ja-JP" dirty="0" smtClean="0"/>
+          </a:p>
+          <a:p>
+            <a:r>
+              <a:rPr kumimoji="1" lang="ja-JP" altLang="en-US" dirty="0"/>
+              <a:t>　</a:t>
+            </a:r>
+            <a:r>
+              <a:rPr kumimoji="1" lang="ja-JP" altLang="en-US" dirty="0" smtClean="0"/>
+              <a:t>　　　　　</a:t>
+            </a:r>
+            <a:r>
+              <a:rPr kumimoji="1" lang="en-US" altLang="ja-JP" dirty="0">
+                <a:hlinkClick r:id="rId2"/>
+              </a:rPr>
+              <a:t>https://</a:t>
+            </a:r>
+            <a:r>
+              <a:rPr kumimoji="1" lang="en-US" altLang="ja-JP" dirty="0" smtClean="0">
+                <a:hlinkClick r:id="rId2"/>
+              </a:rPr>
+              <a:t>developer.mozilla.org/ja/docs/Web/CSS/Reference</a:t>
+            </a:r>
+            <a:endParaRPr kumimoji="1" lang="en-US" altLang="ja-JP" dirty="0" smtClean="0"/>
+          </a:p>
+          <a:p>
+            <a:endParaRPr kumimoji="1" lang="en-US" altLang="ja-JP" dirty="0" smtClean="0"/>
+          </a:p>
+          <a:p>
+            <a:r>
+              <a:rPr kumimoji="1" lang="ja-JP" altLang="en-US" dirty="0" smtClean="0"/>
+              <a:t>値　：　文字列の場合には、二重の引用符で囲む。</a:t>
+            </a:r>
+            <a:r>
+              <a:rPr kumimoji="1" lang="en-US" altLang="ja-JP" dirty="0" smtClean="0"/>
+              <a:t/>
+            </a:r>
+            <a:br>
+              <a:rPr kumimoji="1" lang="en-US" altLang="ja-JP" dirty="0" smtClean="0"/>
+            </a:br>
+            <a:r>
+              <a:rPr kumimoji="1" lang="ja-JP" altLang="en-US" dirty="0" smtClean="0"/>
+              <a:t>　　　　値を使用する場合には単位を忘れずに書く。</a:t>
+            </a:r>
+            <a:endParaRPr kumimoji="1" lang="en-US" altLang="ja-JP" dirty="0" smtClean="0"/>
+          </a:p>
+          <a:p>
+            <a:endParaRPr kumimoji="1" lang="en-US" altLang="ja-JP" dirty="0" smtClean="0"/>
+          </a:p>
+          <a:p>
+            <a:r>
+              <a:rPr kumimoji="1" lang="ja-JP" altLang="en-US" dirty="0" smtClean="0"/>
+              <a:t>単位：ｍｍ、ｃｍ、ｐｘなどがある</a:t>
+            </a:r>
+            <a:endParaRPr kumimoji="1" lang="en-US" altLang="ja-JP" dirty="0" smtClean="0"/>
+          </a:p>
+          <a:p>
+            <a:endParaRPr kumimoji="1" lang="ja-JP" altLang="en-US" dirty="0"/>
+          </a:p>
+        </p:txBody>
+      </p:sp>
     </p:spTree>
     <p:extLst>
       <p:ext uri="{BB962C8B-B14F-4D97-AF65-F5344CB8AC3E}">
         <p14:creationId xmlns:p14="http://schemas.microsoft.com/office/powerpoint/2010/main" val="570525370"/>
+      </p:ext>
+    </p:extLst>
+  </p:cSld>
+  <p:clrMapOvr>
+    <a:masterClrMapping/>
+  </p:clrMapOvr>
+</p:sld>
+</file>
+
+<file path=ppt/slides/slide19.xml><?xml version="1.0" encoding="utf-8"?>
+<p:sld xmlns:a="http://schemas.openxmlformats.org/drawingml/2006/main" xmlns:r="http://schemas.openxmlformats.org/officeDocument/2006/relationships" xmlns:p="http://schemas.openxmlformats.org/presentationml/2006/main">
+  <p:cSld>
+    <p:spTree>
+      <p:nvGrpSpPr>
+        <p:cNvPr id="1" name=""/>
+        <p:cNvGrpSpPr/>
+        <p:nvPr/>
+      </p:nvGrpSpPr>
+      <p:grpSpPr>
+        <a:xfrm>
+          <a:off x="0" y="0"/>
+          <a:ext cx="0" cy="0"/>
+          <a:chOff x="0" y="0"/>
+          <a:chExt cx="0" cy="0"/>
+        </a:xfrm>
+      </p:grpSpPr>
+      <p:sp>
+        <p:nvSpPr>
+          <p:cNvPr id="2" name="タイトル 1"/>
+          <p:cNvSpPr>
+            <a:spLocks noGrp="1"/>
+          </p:cNvSpPr>
+          <p:nvPr>
+            <p:ph type="title"/>
+          </p:nvPr>
+        </p:nvSpPr>
+        <p:spPr/>
+        <p:txBody>
+          <a:bodyPr/>
+          <a:lstStyle/>
+          <a:p>
+            <a:r>
+              <a:rPr kumimoji="1" lang="ja-JP" altLang="en-US" dirty="0" smtClean="0"/>
+              <a:t>背景色の設定</a:t>
+            </a:r>
+            <a:endParaRPr kumimoji="1" lang="ja-JP" altLang="en-US" dirty="0"/>
+          </a:p>
+        </p:txBody>
+      </p:sp>
+      <p:sp>
+        <p:nvSpPr>
+          <p:cNvPr id="3" name="テキスト プレースホルダー 2"/>
+          <p:cNvSpPr>
+            <a:spLocks noGrp="1"/>
+          </p:cNvSpPr>
+          <p:nvPr>
+            <p:ph type="body" idx="1"/>
+          </p:nvPr>
+        </p:nvSpPr>
+        <p:spPr>
+          <a:xfrm>
+            <a:off x="7029450" y="1562956"/>
+            <a:ext cx="4248150" cy="4268602"/>
+          </a:xfrm>
+        </p:spPr>
+        <p:txBody>
+          <a:bodyPr/>
+          <a:lstStyle/>
+          <a:p>
+            <a:r>
+              <a:rPr kumimoji="1" lang="ja-JP" altLang="en-US" dirty="0"/>
+              <a:t>背景色の指定</a:t>
+            </a:r>
+            <a:r>
+              <a:rPr kumimoji="1" lang="ja-JP" altLang="en-US" dirty="0" smtClean="0"/>
+              <a:t>は、プロパティ「</a:t>
+            </a:r>
+            <a:r>
+              <a:rPr kumimoji="1" lang="en-US" altLang="ja-JP" dirty="0" smtClean="0"/>
+              <a:t>background-color</a:t>
+            </a:r>
+            <a:r>
+              <a:rPr kumimoji="1" lang="ja-JP" altLang="en-US" dirty="0" smtClean="0"/>
+              <a:t>」で指定します。</a:t>
+            </a:r>
+            <a:endParaRPr kumimoji="1" lang="en-US" altLang="ja-JP" dirty="0"/>
+          </a:p>
+          <a:p>
+            <a:r>
+              <a:rPr kumimoji="1" lang="ja-JP" altLang="en-US" dirty="0" smtClean="0"/>
+              <a:t>今回の色指定は、色の名称で指定しています。</a:t>
+            </a:r>
+            <a:endParaRPr kumimoji="1" lang="en-US" altLang="ja-JP" dirty="0" smtClean="0"/>
+          </a:p>
+          <a:p>
+            <a:r>
+              <a:rPr kumimoji="1" lang="ja-JP" altLang="en-US" dirty="0"/>
+              <a:t>色の指定</a:t>
+            </a:r>
+            <a:r>
+              <a:rPr kumimoji="1" lang="ja-JP" altLang="en-US" dirty="0" smtClean="0"/>
+              <a:t>は、</a:t>
+            </a:r>
+            <a:r>
+              <a:rPr kumimoji="1" lang="en-US" altLang="ja-JP" dirty="0" smtClean="0"/>
+              <a:t>16</a:t>
+            </a:r>
+            <a:r>
+              <a:rPr kumimoji="1" lang="ja-JP" altLang="en-US" dirty="0" smtClean="0"/>
+              <a:t>進数形式、</a:t>
+            </a:r>
+            <a:r>
+              <a:rPr kumimoji="1" lang="en-US" altLang="ja-JP" dirty="0" smtClean="0"/>
+              <a:t>RGB</a:t>
+            </a:r>
+            <a:r>
+              <a:rPr kumimoji="1" lang="ja-JP" altLang="en-US" dirty="0" smtClean="0"/>
+              <a:t>形式などがあります。</a:t>
+            </a:r>
+            <a:endParaRPr kumimoji="1" lang="ja-JP" altLang="en-US" dirty="0"/>
+          </a:p>
+        </p:txBody>
+      </p:sp>
+      <p:sp>
+        <p:nvSpPr>
+          <p:cNvPr id="4" name="スライド番号プレースホルダー 3"/>
+          <p:cNvSpPr>
+            <a:spLocks noGrp="1"/>
+          </p:cNvSpPr>
+          <p:nvPr>
+            <p:ph type="sldNum" idx="12"/>
+          </p:nvPr>
+        </p:nvSpPr>
+        <p:spPr/>
+        <p:txBody>
+          <a:bodyPr/>
+          <a:lstStyle/>
+          <a:p>
+            <a:pPr marL="0" lvl="0" indent="0" algn="r" rtl="0">
+              <a:spcBef>
+                <a:spcPts val="0"/>
+              </a:spcBef>
+              <a:spcAft>
+                <a:spcPts val="0"/>
+              </a:spcAft>
+              <a:buNone/>
+            </a:pPr>
+            <a:fld id="{00000000-1234-1234-1234-123412341234}" type="slidenum">
+              <a:rPr lang="en-US" altLang="ja-JP" smtClean="0"/>
+              <a:t>19</a:t>
+            </a:fld>
+            <a:endParaRPr lang="ja-JP" altLang="en-US"/>
+          </a:p>
+        </p:txBody>
+      </p:sp>
+      <p:pic>
+        <p:nvPicPr>
+          <p:cNvPr id="5" name="図 4"/>
+          <p:cNvPicPr>
+            <a:picLocks noChangeAspect="1"/>
+          </p:cNvPicPr>
+          <p:nvPr/>
+        </p:nvPicPr>
+        <p:blipFill>
+          <a:blip r:embed="rId2"/>
+          <a:stretch>
+            <a:fillRect/>
+          </a:stretch>
+        </p:blipFill>
+        <p:spPr>
+          <a:xfrm>
+            <a:off x="913773" y="1562957"/>
+            <a:ext cx="6115677" cy="4683714"/>
+          </a:xfrm>
+          <a:prstGeom prst="rect">
+            <a:avLst/>
+          </a:prstGeom>
+        </p:spPr>
+      </p:pic>
+      <p:sp>
+        <p:nvSpPr>
+          <p:cNvPr id="6" name="テキスト ボックス 5"/>
+          <p:cNvSpPr txBox="1"/>
+          <p:nvPr/>
+        </p:nvSpPr>
+        <p:spPr>
+          <a:xfrm>
+            <a:off x="7172325" y="5581650"/>
+            <a:ext cx="3341688" cy="307777"/>
+          </a:xfrm>
+          <a:prstGeom prst="rect">
+            <a:avLst/>
+          </a:prstGeom>
+          <a:noFill/>
+        </p:spPr>
+        <p:txBody>
+          <a:bodyPr wrap="square" rtlCol="0">
+            <a:spAutoFit/>
+          </a:bodyPr>
+          <a:lstStyle/>
+          <a:p>
+            <a:r>
+              <a:rPr kumimoji="1" lang="ja-JP" altLang="en-US" dirty="0" smtClean="0"/>
+              <a:t>⇨　</a:t>
+            </a:r>
+            <a:r>
+              <a:rPr kumimoji="1" lang="en-US" altLang="ja-JP" dirty="0" smtClean="0"/>
+              <a:t>index5-1.html</a:t>
+            </a:r>
+            <a:endParaRPr kumimoji="1" lang="ja-JP" altLang="en-US" dirty="0"/>
+          </a:p>
+        </p:txBody>
+      </p:sp>
+    </p:spTree>
+    <p:extLst>
+      <p:ext uri="{BB962C8B-B14F-4D97-AF65-F5344CB8AC3E}">
+        <p14:creationId xmlns:p14="http://schemas.microsoft.com/office/powerpoint/2010/main" val="1478071139"/>
       </p:ext>
     </p:extLst>
   </p:cSld>
@@ -18503,6 +19895,2734 @@
     <p:extLst>
       <p:ext uri="{BB962C8B-B14F-4D97-AF65-F5344CB8AC3E}">
         <p14:creationId xmlns:p14="http://schemas.microsoft.com/office/powerpoint/2010/main" val="1546739572"/>
+      </p:ext>
+    </p:extLst>
+  </p:cSld>
+  <p:clrMapOvr>
+    <a:masterClrMapping/>
+  </p:clrMapOvr>
+</p:sld>
+</file>
+
+<file path=ppt/slides/slide20.xml><?xml version="1.0" encoding="utf-8"?>
+<p:sld xmlns:a="http://schemas.openxmlformats.org/drawingml/2006/main" xmlns:r="http://schemas.openxmlformats.org/officeDocument/2006/relationships" xmlns:p="http://schemas.openxmlformats.org/presentationml/2006/main">
+  <p:cSld>
+    <p:spTree>
+      <p:nvGrpSpPr>
+        <p:cNvPr id="1" name=""/>
+        <p:cNvGrpSpPr/>
+        <p:nvPr/>
+      </p:nvGrpSpPr>
+      <p:grpSpPr>
+        <a:xfrm>
+          <a:off x="0" y="0"/>
+          <a:ext cx="0" cy="0"/>
+          <a:chOff x="0" y="0"/>
+          <a:chExt cx="0" cy="0"/>
+        </a:xfrm>
+      </p:grpSpPr>
+      <p:sp>
+        <p:nvSpPr>
+          <p:cNvPr id="2" name="タイトル 1"/>
+          <p:cNvSpPr>
+            <a:spLocks noGrp="1"/>
+          </p:cNvSpPr>
+          <p:nvPr>
+            <p:ph type="title"/>
+          </p:nvPr>
+        </p:nvSpPr>
+        <p:spPr/>
+        <p:txBody>
+          <a:bodyPr/>
+          <a:lstStyle/>
+          <a:p>
+            <a:r>
+              <a:rPr kumimoji="1" lang="ja-JP" altLang="en-US" dirty="0" smtClean="0"/>
+              <a:t>色の指定</a:t>
+            </a:r>
+            <a:endParaRPr kumimoji="1" lang="ja-JP" altLang="en-US" dirty="0"/>
+          </a:p>
+        </p:txBody>
+      </p:sp>
+      <p:sp>
+        <p:nvSpPr>
+          <p:cNvPr id="3" name="テキスト プレースホルダー 2"/>
+          <p:cNvSpPr>
+            <a:spLocks noGrp="1"/>
+          </p:cNvSpPr>
+          <p:nvPr>
+            <p:ph type="body" idx="1"/>
+          </p:nvPr>
+        </p:nvSpPr>
+        <p:spPr/>
+        <p:txBody>
+          <a:bodyPr/>
+          <a:lstStyle/>
+          <a:p>
+            <a:r>
+              <a:rPr kumimoji="1" lang="ja-JP" altLang="en-US" dirty="0" smtClean="0"/>
+              <a:t>色の指定については、</a:t>
+            </a:r>
+            <a:r>
+              <a:rPr kumimoji="1" lang="en-US" altLang="ja-JP" dirty="0" smtClean="0"/>
+              <a:t>3</a:t>
+            </a:r>
+            <a:r>
+              <a:rPr kumimoji="1" lang="ja-JP" altLang="en-US" dirty="0" smtClean="0"/>
+              <a:t>種類あります。</a:t>
+            </a:r>
+            <a:endParaRPr kumimoji="1" lang="en-US" altLang="ja-JP" dirty="0" smtClean="0"/>
+          </a:p>
+          <a:p>
+            <a:r>
+              <a:rPr kumimoji="1" lang="ja-JP" altLang="en-US" dirty="0" smtClean="0"/>
+              <a:t>カラーピッカー</a:t>
+            </a:r>
+            <a:r>
+              <a:rPr kumimoji="1" lang="en-US" altLang="ja-JP" dirty="0" smtClean="0"/>
+              <a:t/>
+            </a:r>
+            <a:br>
+              <a:rPr kumimoji="1" lang="en-US" altLang="ja-JP" dirty="0" smtClean="0"/>
+            </a:br>
+            <a:r>
+              <a:rPr kumimoji="1" lang="ja-JP" altLang="en-US" dirty="0" smtClean="0"/>
+              <a:t>色を取得する仕組み</a:t>
+            </a:r>
+            <a:endParaRPr kumimoji="1" lang="en-US" altLang="ja-JP" dirty="0" smtClean="0"/>
+          </a:p>
+          <a:p>
+            <a:endParaRPr kumimoji="1" lang="en-US" altLang="ja-JP" dirty="0"/>
+          </a:p>
+          <a:p>
+            <a:endParaRPr kumimoji="1" lang="en-US" altLang="ja-JP" dirty="0" smtClean="0"/>
+          </a:p>
+          <a:p>
+            <a:r>
+              <a:rPr kumimoji="1" lang="en-US" altLang="ja-JP" dirty="0" smtClean="0"/>
+              <a:t>RGB</a:t>
+            </a:r>
+            <a:r>
+              <a:rPr kumimoji="1" lang="ja-JP" altLang="en-US" dirty="0"/>
+              <a:t>値</a:t>
+            </a:r>
+            <a:r>
+              <a:rPr kumimoji="1" lang="ja-JP" altLang="en-US" dirty="0" smtClean="0"/>
+              <a:t>を指定する</a:t>
+            </a:r>
+            <a:r>
+              <a:rPr kumimoji="1" lang="en-US" altLang="ja-JP" dirty="0" smtClean="0"/>
+              <a:t/>
+            </a:r>
+            <a:br>
+              <a:rPr kumimoji="1" lang="en-US" altLang="ja-JP" dirty="0" smtClean="0"/>
+            </a:br>
+            <a:r>
+              <a:rPr kumimoji="1" lang="en-US" altLang="ja-JP" dirty="0" err="1" smtClean="0"/>
+              <a:t>rgb</a:t>
+            </a:r>
+            <a:r>
+              <a:rPr kumimoji="1" lang="en-US" altLang="ja-JP" dirty="0" smtClean="0"/>
+              <a:t>(</a:t>
+            </a:r>
+            <a:r>
+              <a:rPr kumimoji="1" lang="ja-JP" altLang="en-US" dirty="0"/>
+              <a:t> </a:t>
+            </a:r>
+            <a:r>
+              <a:rPr kumimoji="1" lang="ja-JP" altLang="en-US" dirty="0" smtClean="0"/>
+              <a:t>赤のレベル</a:t>
+            </a:r>
+            <a:r>
+              <a:rPr kumimoji="1" lang="en-US" altLang="ja-JP" dirty="0" smtClean="0"/>
+              <a:t>, </a:t>
+            </a:r>
+            <a:r>
+              <a:rPr kumimoji="1" lang="ja-JP" altLang="en-US" dirty="0" smtClean="0"/>
+              <a:t>緑のレベル</a:t>
+            </a:r>
+            <a:r>
+              <a:rPr kumimoji="1" lang="en-US" altLang="ja-JP" dirty="0" smtClean="0"/>
+              <a:t>, </a:t>
+            </a:r>
+            <a:r>
+              <a:rPr kumimoji="1" lang="ja-JP" altLang="en-US" dirty="0" smtClean="0"/>
+              <a:t>青のレベル </a:t>
+            </a:r>
+            <a:r>
+              <a:rPr kumimoji="1" lang="en-US" altLang="ja-JP" dirty="0" smtClean="0"/>
+              <a:t>)   </a:t>
+            </a:r>
+            <a:r>
+              <a:rPr kumimoji="1" lang="ja-JP" altLang="en-US" dirty="0" smtClean="0"/>
+              <a:t>　</a:t>
+            </a:r>
+            <a:r>
+              <a:rPr kumimoji="1" lang="en-US" altLang="ja-JP" dirty="0" smtClean="0"/>
+              <a:t>※</a:t>
+            </a:r>
+            <a:r>
+              <a:rPr kumimoji="1" lang="ja-JP" altLang="en-US" dirty="0" smtClean="0"/>
+              <a:t>各レベルは、</a:t>
+            </a:r>
+            <a:r>
+              <a:rPr kumimoji="1" lang="en-US" altLang="ja-JP" dirty="0" smtClean="0"/>
+              <a:t>0</a:t>
+            </a:r>
+            <a:r>
+              <a:rPr kumimoji="1" lang="ja-JP" altLang="en-US" dirty="0" smtClean="0"/>
+              <a:t>から２５５</a:t>
+            </a:r>
+            <a:endParaRPr kumimoji="1" lang="en-US" altLang="ja-JP" dirty="0" smtClean="0"/>
+          </a:p>
+          <a:p>
+            <a:pPr marL="101600" indent="0">
+              <a:buNone/>
+            </a:pPr>
+            <a:r>
+              <a:rPr kumimoji="1" lang="ja-JP" altLang="en-US" dirty="0"/>
+              <a:t>　</a:t>
+            </a:r>
+            <a:r>
+              <a:rPr kumimoji="1" lang="ja-JP" altLang="en-US" dirty="0" smtClean="0"/>
+              <a:t>　例）</a:t>
+            </a:r>
+            <a:r>
+              <a:rPr kumimoji="1" lang="en-US" altLang="ja-JP" dirty="0" smtClean="0"/>
+              <a:t/>
+            </a:r>
+            <a:br>
+              <a:rPr kumimoji="1" lang="en-US" altLang="ja-JP" dirty="0" smtClean="0"/>
+            </a:br>
+            <a:r>
+              <a:rPr kumimoji="1" lang="ja-JP" altLang="en-US" dirty="0" smtClean="0"/>
+              <a:t>　　　　</a:t>
+            </a:r>
+            <a:r>
+              <a:rPr kumimoji="1" lang="en-US" altLang="ja-JP" dirty="0" err="1" smtClean="0"/>
+              <a:t>rgb</a:t>
+            </a:r>
+            <a:r>
+              <a:rPr kumimoji="1" lang="en-US" altLang="ja-JP" dirty="0" smtClean="0"/>
+              <a:t>(</a:t>
+            </a:r>
+            <a:r>
+              <a:rPr kumimoji="1" lang="ja-JP" altLang="en-US" dirty="0" smtClean="0"/>
+              <a:t> </a:t>
+            </a:r>
+            <a:r>
+              <a:rPr kumimoji="1" lang="en-US" altLang="ja-JP" dirty="0" smtClean="0"/>
+              <a:t>100, 100, 100</a:t>
+            </a:r>
+            <a:r>
+              <a:rPr kumimoji="1" lang="ja-JP" altLang="en-US" dirty="0" smtClean="0"/>
+              <a:t>）</a:t>
+            </a:r>
+            <a:r>
+              <a:rPr kumimoji="1" lang="en-US" altLang="ja-JP" dirty="0" smtClean="0"/>
+              <a:t>    </a:t>
+            </a:r>
+          </a:p>
+          <a:p>
+            <a:endParaRPr kumimoji="1" lang="en-US" altLang="ja-JP" dirty="0"/>
+          </a:p>
+        </p:txBody>
+      </p:sp>
+      <p:sp>
+        <p:nvSpPr>
+          <p:cNvPr id="4" name="スライド番号プレースホルダー 3"/>
+          <p:cNvSpPr>
+            <a:spLocks noGrp="1"/>
+          </p:cNvSpPr>
+          <p:nvPr>
+            <p:ph type="sldNum" idx="12"/>
+          </p:nvPr>
+        </p:nvSpPr>
+        <p:spPr/>
+        <p:txBody>
+          <a:bodyPr/>
+          <a:lstStyle/>
+          <a:p>
+            <a:pPr marL="0" lvl="0" indent="0" algn="r" rtl="0">
+              <a:spcBef>
+                <a:spcPts val="0"/>
+              </a:spcBef>
+              <a:spcAft>
+                <a:spcPts val="0"/>
+              </a:spcAft>
+              <a:buNone/>
+            </a:pPr>
+            <a:fld id="{00000000-1234-1234-1234-123412341234}" type="slidenum">
+              <a:rPr lang="en-US" altLang="ja-JP" smtClean="0"/>
+              <a:t>20</a:t>
+            </a:fld>
+            <a:endParaRPr lang="ja-JP" altLang="en-US"/>
+          </a:p>
+        </p:txBody>
+      </p:sp>
+      <p:pic>
+        <p:nvPicPr>
+          <p:cNvPr id="5" name="図 4"/>
+          <p:cNvPicPr>
+            <a:picLocks noChangeAspect="1"/>
+          </p:cNvPicPr>
+          <p:nvPr/>
+        </p:nvPicPr>
+        <p:blipFill>
+          <a:blip r:embed="rId2"/>
+          <a:stretch>
+            <a:fillRect/>
+          </a:stretch>
+        </p:blipFill>
+        <p:spPr>
+          <a:xfrm>
+            <a:off x="1680740" y="3028886"/>
+            <a:ext cx="6049219" cy="914528"/>
+          </a:xfrm>
+          <a:prstGeom prst="rect">
+            <a:avLst/>
+          </a:prstGeom>
+        </p:spPr>
+      </p:pic>
+      <p:sp>
+        <p:nvSpPr>
+          <p:cNvPr id="6" name="角丸四角形吹き出し 5"/>
+          <p:cNvSpPr/>
+          <p:nvPr/>
+        </p:nvSpPr>
+        <p:spPr>
+          <a:xfrm>
+            <a:off x="5715000" y="2514600"/>
+            <a:ext cx="3057525" cy="696284"/>
+          </a:xfrm>
+          <a:prstGeom prst="wedgeRoundRectCallout">
+            <a:avLst>
+              <a:gd name="adj1" fmla="val -35475"/>
+              <a:gd name="adj2" fmla="val 73444"/>
+              <a:gd name="adj3" fmla="val 16667"/>
+            </a:avLst>
+          </a:prstGeom>
+        </p:spPr>
+        <p:style>
+          <a:lnRef idx="2">
+            <a:schemeClr val="accent1">
+              <a:shade val="50000"/>
+            </a:schemeClr>
+          </a:lnRef>
+          <a:fillRef idx="1">
+            <a:schemeClr val="accent1"/>
+          </a:fillRef>
+          <a:effectRef idx="0">
+            <a:schemeClr val="accent1"/>
+          </a:effectRef>
+          <a:fontRef idx="minor">
+            <a:schemeClr val="lt1"/>
+          </a:fontRef>
+        </p:style>
+        <p:txBody>
+          <a:bodyPr rtlCol="0" anchor="ctr"/>
+          <a:lstStyle/>
+          <a:p>
+            <a:r>
+              <a:rPr kumimoji="1" lang="ja-JP" altLang="en-US" b="1" dirty="0" smtClean="0"/>
+              <a:t>色をクリックすると、色画面から色を取得することができる</a:t>
+            </a:r>
+            <a:endParaRPr kumimoji="1" lang="ja-JP" altLang="en-US" b="1" dirty="0"/>
+          </a:p>
+        </p:txBody>
+      </p:sp>
+    </p:spTree>
+    <p:extLst>
+      <p:ext uri="{BB962C8B-B14F-4D97-AF65-F5344CB8AC3E}">
+        <p14:creationId xmlns:p14="http://schemas.microsoft.com/office/powerpoint/2010/main" val="3986591068"/>
+      </p:ext>
+    </p:extLst>
+  </p:cSld>
+  <p:clrMapOvr>
+    <a:masterClrMapping/>
+  </p:clrMapOvr>
+</p:sld>
+</file>
+
+<file path=ppt/slides/slide21.xml><?xml version="1.0" encoding="utf-8"?>
+<p:sld xmlns:a="http://schemas.openxmlformats.org/drawingml/2006/main" xmlns:r="http://schemas.openxmlformats.org/officeDocument/2006/relationships" xmlns:p="http://schemas.openxmlformats.org/presentationml/2006/main">
+  <p:cSld>
+    <p:spTree>
+      <p:nvGrpSpPr>
+        <p:cNvPr id="1" name=""/>
+        <p:cNvGrpSpPr/>
+        <p:nvPr/>
+      </p:nvGrpSpPr>
+      <p:grpSpPr>
+        <a:xfrm>
+          <a:off x="0" y="0"/>
+          <a:ext cx="0" cy="0"/>
+          <a:chOff x="0" y="0"/>
+          <a:chExt cx="0" cy="0"/>
+        </a:xfrm>
+      </p:grpSpPr>
+      <p:sp>
+        <p:nvSpPr>
+          <p:cNvPr id="2" name="タイトル 1"/>
+          <p:cNvSpPr>
+            <a:spLocks noGrp="1"/>
+          </p:cNvSpPr>
+          <p:nvPr>
+            <p:ph type="title"/>
+          </p:nvPr>
+        </p:nvSpPr>
+        <p:spPr/>
+        <p:txBody>
+          <a:bodyPr/>
+          <a:lstStyle/>
+          <a:p>
+            <a:r>
+              <a:rPr kumimoji="1" lang="ja-JP" altLang="en-US" dirty="0"/>
+              <a:t>色の</a:t>
+            </a:r>
+            <a:r>
+              <a:rPr kumimoji="1" lang="ja-JP" altLang="en-US" dirty="0" smtClean="0"/>
+              <a:t>指定２</a:t>
+            </a:r>
+            <a:endParaRPr kumimoji="1" lang="ja-JP" altLang="en-US" dirty="0"/>
+          </a:p>
+        </p:txBody>
+      </p:sp>
+      <p:sp>
+        <p:nvSpPr>
+          <p:cNvPr id="3" name="テキスト プレースホルダー 2"/>
+          <p:cNvSpPr>
+            <a:spLocks noGrp="1"/>
+          </p:cNvSpPr>
+          <p:nvPr>
+            <p:ph type="body" idx="1"/>
+          </p:nvPr>
+        </p:nvSpPr>
+        <p:spPr/>
+        <p:txBody>
+          <a:bodyPr/>
+          <a:lstStyle/>
+          <a:p>
+            <a:r>
+              <a:rPr kumimoji="1" lang="en-US" altLang="ja-JP" dirty="0" smtClean="0"/>
+              <a:t>RGB</a:t>
+            </a:r>
+            <a:r>
+              <a:rPr kumimoji="1" lang="ja-JP" altLang="en-US" dirty="0" smtClean="0"/>
+              <a:t>の色の指定は０～２５５の数字は、</a:t>
+            </a:r>
+            <a:r>
+              <a:rPr kumimoji="1" lang="en-US" altLang="ja-JP" dirty="0" smtClean="0"/>
+              <a:t>16</a:t>
+            </a:r>
+            <a:r>
+              <a:rPr kumimoji="1" lang="ja-JP" altLang="en-US" dirty="0" smtClean="0"/>
+              <a:t>進数の</a:t>
+            </a:r>
+            <a:r>
+              <a:rPr kumimoji="1" lang="en-US" altLang="ja-JP" dirty="0" smtClean="0"/>
+              <a:t>00</a:t>
+            </a:r>
+            <a:r>
+              <a:rPr kumimoji="1" lang="ja-JP" altLang="en-US" dirty="0" smtClean="0"/>
+              <a:t>～</a:t>
+            </a:r>
+            <a:r>
+              <a:rPr kumimoji="1" lang="en-US" altLang="ja-JP" dirty="0" smtClean="0"/>
+              <a:t>FF</a:t>
+            </a:r>
+            <a:r>
+              <a:rPr kumimoji="1" lang="ja-JP" altLang="en-US" dirty="0" smtClean="0"/>
+              <a:t>になる。</a:t>
+            </a:r>
+            <a:r>
+              <a:rPr kumimoji="1" lang="en-US" altLang="ja-JP" dirty="0" smtClean="0"/>
+              <a:t/>
+            </a:r>
+            <a:br>
+              <a:rPr kumimoji="1" lang="en-US" altLang="ja-JP" dirty="0" smtClean="0"/>
+            </a:br>
+            <a:r>
+              <a:rPr kumimoji="1" lang="ja-JP" altLang="en-US" dirty="0" smtClean="0"/>
+              <a:t>これを</a:t>
+            </a:r>
+            <a:r>
+              <a:rPr kumimoji="1" lang="en-US" altLang="ja-JP" dirty="0" smtClean="0"/>
+              <a:t>Red</a:t>
+            </a:r>
+            <a:r>
+              <a:rPr kumimoji="1" lang="ja-JP" altLang="en-US" dirty="0" err="1" smtClean="0"/>
+              <a:t>、</a:t>
+            </a:r>
+            <a:r>
+              <a:rPr kumimoji="1" lang="en-US" altLang="ja-JP" dirty="0" smtClean="0"/>
+              <a:t>Green</a:t>
+            </a:r>
+            <a:r>
+              <a:rPr kumimoji="1" lang="ja-JP" altLang="en-US" dirty="0" err="1" smtClean="0"/>
+              <a:t>、</a:t>
+            </a:r>
+            <a:r>
+              <a:rPr kumimoji="1" lang="en-US" altLang="ja-JP" dirty="0" smtClean="0"/>
+              <a:t>Blue</a:t>
+            </a:r>
+            <a:r>
+              <a:rPr kumimoji="1" lang="ja-JP" altLang="en-US" dirty="0" smtClean="0"/>
+              <a:t>の順番に並べた値で指定することができる</a:t>
+            </a:r>
+            <a:endParaRPr kumimoji="1" lang="en-US" altLang="ja-JP" dirty="0" smtClean="0"/>
+          </a:p>
+          <a:p>
+            <a:r>
+              <a:rPr kumimoji="1" lang="ja-JP" altLang="en-US" dirty="0" smtClean="0"/>
+              <a:t>例）　</a:t>
+            </a:r>
+            <a:r>
+              <a:rPr kumimoji="1" lang="en-US" altLang="ja-JP" dirty="0"/>
+              <a:t/>
+            </a:r>
+            <a:br>
+              <a:rPr kumimoji="1" lang="en-US" altLang="ja-JP" dirty="0"/>
+            </a:br>
+            <a:r>
+              <a:rPr kumimoji="1" lang="ja-JP" altLang="en-US" dirty="0" smtClean="0"/>
+              <a:t>　　</a:t>
+            </a:r>
+            <a:r>
+              <a:rPr kumimoji="1" lang="en-US" altLang="ja-JP" dirty="0" smtClean="0"/>
+              <a:t>FF00FF</a:t>
+            </a:r>
+            <a:r>
+              <a:rPr kumimoji="1" lang="ja-JP" altLang="en-US" dirty="0" smtClean="0"/>
+              <a:t>　</a:t>
+            </a:r>
+            <a:endParaRPr kumimoji="1" lang="en-US" altLang="ja-JP" dirty="0" smtClean="0"/>
+          </a:p>
+          <a:p>
+            <a:endParaRPr kumimoji="1" lang="en-US" altLang="ja-JP" dirty="0"/>
+          </a:p>
+          <a:p>
+            <a:endParaRPr kumimoji="1" lang="en-US" altLang="ja-JP" dirty="0" smtClean="0"/>
+          </a:p>
+        </p:txBody>
+      </p:sp>
+      <p:sp>
+        <p:nvSpPr>
+          <p:cNvPr id="4" name="スライド番号プレースホルダー 3"/>
+          <p:cNvSpPr>
+            <a:spLocks noGrp="1"/>
+          </p:cNvSpPr>
+          <p:nvPr>
+            <p:ph type="sldNum" idx="12"/>
+          </p:nvPr>
+        </p:nvSpPr>
+        <p:spPr/>
+        <p:txBody>
+          <a:bodyPr/>
+          <a:lstStyle/>
+          <a:p>
+            <a:pPr marL="0" lvl="0" indent="0" algn="r" rtl="0">
+              <a:spcBef>
+                <a:spcPts val="0"/>
+              </a:spcBef>
+              <a:spcAft>
+                <a:spcPts val="0"/>
+              </a:spcAft>
+              <a:buNone/>
+            </a:pPr>
+            <a:fld id="{00000000-1234-1234-1234-123412341234}" type="slidenum">
+              <a:rPr lang="en-US" altLang="ja-JP" smtClean="0"/>
+              <a:t>21</a:t>
+            </a:fld>
+            <a:endParaRPr lang="ja-JP" altLang="en-US"/>
+          </a:p>
+        </p:txBody>
+      </p:sp>
+    </p:spTree>
+    <p:extLst>
+      <p:ext uri="{BB962C8B-B14F-4D97-AF65-F5344CB8AC3E}">
+        <p14:creationId xmlns:p14="http://schemas.microsoft.com/office/powerpoint/2010/main" val="347088734"/>
+      </p:ext>
+    </p:extLst>
+  </p:cSld>
+  <p:clrMapOvr>
+    <a:masterClrMapping/>
+  </p:clrMapOvr>
+</p:sld>
+</file>
+
+<file path=ppt/slides/slide22.xml><?xml version="1.0" encoding="utf-8"?>
+<p:sld xmlns:a="http://schemas.openxmlformats.org/drawingml/2006/main" xmlns:r="http://schemas.openxmlformats.org/officeDocument/2006/relationships" xmlns:p="http://schemas.openxmlformats.org/presentationml/2006/main">
+  <p:cSld>
+    <p:spTree>
+      <p:nvGrpSpPr>
+        <p:cNvPr id="1" name=""/>
+        <p:cNvGrpSpPr/>
+        <p:nvPr/>
+      </p:nvGrpSpPr>
+      <p:grpSpPr>
+        <a:xfrm>
+          <a:off x="0" y="0"/>
+          <a:ext cx="0" cy="0"/>
+          <a:chOff x="0" y="0"/>
+          <a:chExt cx="0" cy="0"/>
+        </a:xfrm>
+      </p:grpSpPr>
+      <p:sp>
+        <p:nvSpPr>
+          <p:cNvPr id="2" name="タイトル 1"/>
+          <p:cNvSpPr>
+            <a:spLocks noGrp="1"/>
+          </p:cNvSpPr>
+          <p:nvPr>
+            <p:ph type="title"/>
+          </p:nvPr>
+        </p:nvSpPr>
+        <p:spPr/>
+        <p:txBody>
+          <a:bodyPr/>
+          <a:lstStyle/>
+          <a:p>
+            <a:r>
+              <a:rPr kumimoji="1" lang="ja-JP" altLang="en-US" dirty="0" smtClean="0"/>
+              <a:t>代表的な</a:t>
+            </a:r>
+            <a:r>
+              <a:rPr kumimoji="1" lang="en-US" altLang="ja-JP" dirty="0" smtClean="0"/>
+              <a:t>CSS</a:t>
+            </a:r>
+            <a:r>
+              <a:rPr kumimoji="1" lang="ja-JP" altLang="en-US" dirty="0" smtClean="0"/>
+              <a:t>プロパティ</a:t>
+            </a:r>
+            <a:endParaRPr kumimoji="1" lang="ja-JP" altLang="en-US" dirty="0"/>
+          </a:p>
+        </p:txBody>
+      </p:sp>
+      <p:sp>
+        <p:nvSpPr>
+          <p:cNvPr id="3" name="テキスト プレースホルダー 2"/>
+          <p:cNvSpPr>
+            <a:spLocks noGrp="1"/>
+          </p:cNvSpPr>
+          <p:nvPr>
+            <p:ph type="body" idx="1"/>
+          </p:nvPr>
+        </p:nvSpPr>
+        <p:spPr/>
+        <p:txBody>
+          <a:bodyPr/>
+          <a:lstStyle/>
+          <a:p>
+            <a:r>
+              <a:rPr kumimoji="1" lang="en-US" altLang="ja-JP" dirty="0" smtClean="0"/>
+              <a:t>margin		</a:t>
+            </a:r>
+            <a:r>
+              <a:rPr kumimoji="1" lang="ja-JP" altLang="en-US" dirty="0" smtClean="0"/>
+              <a:t>タグで構成されるボックスの外側の余白</a:t>
+            </a:r>
+            <a:endParaRPr kumimoji="1" lang="en-US" altLang="ja-JP" dirty="0" smtClean="0"/>
+          </a:p>
+          <a:p>
+            <a:r>
+              <a:rPr kumimoji="1" lang="en-US" altLang="ja-JP" dirty="0" smtClean="0"/>
+              <a:t>padding		</a:t>
+            </a:r>
+            <a:r>
+              <a:rPr kumimoji="1" lang="ja-JP" altLang="en-US" dirty="0" smtClean="0"/>
+              <a:t>タグで構成されるボックスの内側余白</a:t>
+            </a:r>
+            <a:endParaRPr kumimoji="1" lang="en-US" altLang="ja-JP" dirty="0" smtClean="0"/>
+          </a:p>
+          <a:p>
+            <a:r>
+              <a:rPr kumimoji="1" lang="en-US" altLang="ja-JP" dirty="0" smtClean="0"/>
+              <a:t>width		</a:t>
+            </a:r>
+            <a:r>
+              <a:rPr kumimoji="1" lang="ja-JP" altLang="en-US" dirty="0" smtClean="0"/>
+              <a:t>タグで構成されるボックスの幅</a:t>
+            </a:r>
+            <a:endParaRPr kumimoji="1" lang="en-US" altLang="ja-JP" dirty="0" smtClean="0"/>
+          </a:p>
+          <a:p>
+            <a:r>
+              <a:rPr kumimoji="1" lang="en-US" altLang="ja-JP" dirty="0" smtClean="0"/>
+              <a:t>height		</a:t>
+            </a:r>
+            <a:r>
+              <a:rPr kumimoji="1" lang="ja-JP" altLang="en-US" dirty="0" smtClean="0"/>
+              <a:t>タグで構成されるボックスの高さ</a:t>
+            </a:r>
+            <a:endParaRPr kumimoji="1" lang="en-US" altLang="ja-JP" dirty="0" smtClean="0"/>
+          </a:p>
+          <a:p>
+            <a:r>
+              <a:rPr kumimoji="1" lang="en-US" altLang="ja-JP" dirty="0" smtClean="0"/>
+              <a:t>color		</a:t>
+            </a:r>
+            <a:r>
+              <a:rPr kumimoji="1" lang="ja-JP" altLang="en-US" dirty="0" smtClean="0"/>
+              <a:t>タグで構成されるボックスの色</a:t>
+            </a:r>
+            <a:endParaRPr kumimoji="1" lang="en-US" altLang="ja-JP" dirty="0" smtClean="0"/>
+          </a:p>
+          <a:p>
+            <a:r>
+              <a:rPr kumimoji="1" lang="en-US" altLang="ja-JP" dirty="0" smtClean="0"/>
+              <a:t>background-color	</a:t>
+            </a:r>
+            <a:r>
+              <a:rPr kumimoji="1" lang="ja-JP" altLang="en-US" dirty="0" smtClean="0"/>
+              <a:t>背景色</a:t>
+            </a:r>
+            <a:endParaRPr kumimoji="1" lang="en-US" altLang="ja-JP" dirty="0" smtClean="0"/>
+          </a:p>
+          <a:p>
+            <a:r>
+              <a:rPr kumimoji="1" lang="en-US" altLang="ja-JP" dirty="0" smtClean="0"/>
+              <a:t>font-size		</a:t>
+            </a:r>
+            <a:r>
+              <a:rPr kumimoji="1" lang="ja-JP" altLang="en-US" dirty="0" smtClean="0"/>
+              <a:t>文字のサイズ</a:t>
+            </a:r>
+            <a:endParaRPr kumimoji="1" lang="en-US" altLang="ja-JP" dirty="0" smtClean="0"/>
+          </a:p>
+          <a:p>
+            <a:r>
+              <a:rPr kumimoji="1" lang="en-US" altLang="ja-JP" dirty="0" smtClean="0"/>
+              <a:t>border		</a:t>
+            </a:r>
+            <a:r>
+              <a:rPr kumimoji="1" lang="ja-JP" altLang="en-US" dirty="0" smtClean="0"/>
+              <a:t>枠線</a:t>
+            </a:r>
+            <a:endParaRPr kumimoji="1" lang="en-US" altLang="ja-JP" dirty="0" smtClean="0"/>
+          </a:p>
+        </p:txBody>
+      </p:sp>
+      <p:sp>
+        <p:nvSpPr>
+          <p:cNvPr id="4" name="スライド番号プレースホルダー 3"/>
+          <p:cNvSpPr>
+            <a:spLocks noGrp="1"/>
+          </p:cNvSpPr>
+          <p:nvPr>
+            <p:ph type="sldNum" idx="12"/>
+          </p:nvPr>
+        </p:nvSpPr>
+        <p:spPr/>
+        <p:txBody>
+          <a:bodyPr/>
+          <a:lstStyle/>
+          <a:p>
+            <a:pPr marL="0" lvl="0" indent="0" algn="r" rtl="0">
+              <a:spcBef>
+                <a:spcPts val="0"/>
+              </a:spcBef>
+              <a:spcAft>
+                <a:spcPts val="0"/>
+              </a:spcAft>
+              <a:buNone/>
+            </a:pPr>
+            <a:fld id="{00000000-1234-1234-1234-123412341234}" type="slidenum">
+              <a:rPr lang="en-US" altLang="ja-JP" smtClean="0"/>
+              <a:t>22</a:t>
+            </a:fld>
+            <a:endParaRPr lang="ja-JP" altLang="en-US"/>
+          </a:p>
+        </p:txBody>
+      </p:sp>
+    </p:spTree>
+    <p:extLst>
+      <p:ext uri="{BB962C8B-B14F-4D97-AF65-F5344CB8AC3E}">
+        <p14:creationId xmlns:p14="http://schemas.microsoft.com/office/powerpoint/2010/main" val="4190202524"/>
+      </p:ext>
+    </p:extLst>
+  </p:cSld>
+  <p:clrMapOvr>
+    <a:masterClrMapping/>
+  </p:clrMapOvr>
+</p:sld>
+</file>
+
+<file path=ppt/slides/slide23.xml><?xml version="1.0" encoding="utf-8"?>
+<p:sld xmlns:a="http://schemas.openxmlformats.org/drawingml/2006/main" xmlns:r="http://schemas.openxmlformats.org/officeDocument/2006/relationships" xmlns:p="http://schemas.openxmlformats.org/presentationml/2006/main">
+  <p:cSld>
+    <p:spTree>
+      <p:nvGrpSpPr>
+        <p:cNvPr id="1" name=""/>
+        <p:cNvGrpSpPr/>
+        <p:nvPr/>
+      </p:nvGrpSpPr>
+      <p:grpSpPr>
+        <a:xfrm>
+          <a:off x="0" y="0"/>
+          <a:ext cx="0" cy="0"/>
+          <a:chOff x="0" y="0"/>
+          <a:chExt cx="0" cy="0"/>
+        </a:xfrm>
+      </p:grpSpPr>
+      <p:sp>
+        <p:nvSpPr>
+          <p:cNvPr id="2" name="タイトル 1"/>
+          <p:cNvSpPr>
+            <a:spLocks noGrp="1"/>
+          </p:cNvSpPr>
+          <p:nvPr>
+            <p:ph type="title"/>
+          </p:nvPr>
+        </p:nvSpPr>
+        <p:spPr/>
+        <p:txBody>
+          <a:bodyPr/>
+          <a:lstStyle/>
+          <a:p>
+            <a:r>
+              <a:rPr kumimoji="1" lang="ja-JP" altLang="en-US" dirty="0" smtClean="0"/>
+              <a:t>枠線</a:t>
+            </a:r>
+            <a:endParaRPr kumimoji="1" lang="ja-JP" altLang="en-US" dirty="0"/>
+          </a:p>
+        </p:txBody>
+      </p:sp>
+      <p:sp>
+        <p:nvSpPr>
+          <p:cNvPr id="3" name="テキスト プレースホルダー 2"/>
+          <p:cNvSpPr>
+            <a:spLocks noGrp="1"/>
+          </p:cNvSpPr>
+          <p:nvPr>
+            <p:ph type="body" idx="1"/>
+          </p:nvPr>
+        </p:nvSpPr>
+        <p:spPr/>
+        <p:txBody>
+          <a:bodyPr/>
+          <a:lstStyle/>
+          <a:p>
+            <a:r>
+              <a:rPr kumimoji="1" lang="ja-JP" altLang="en-US" dirty="0" smtClean="0"/>
+              <a:t>枠線は、</a:t>
+            </a:r>
+            <a:r>
+              <a:rPr kumimoji="1" lang="en-US" altLang="ja-JP" dirty="0" smtClean="0"/>
+              <a:t>border</a:t>
+            </a:r>
+            <a:r>
+              <a:rPr kumimoji="1" lang="ja-JP" altLang="en-US" dirty="0" smtClean="0"/>
+              <a:t>プロパティを使用します。</a:t>
+            </a:r>
+            <a:r>
+              <a:rPr kumimoji="1" lang="en-US" altLang="ja-JP" dirty="0" smtClean="0"/>
+              <a:t/>
+            </a:r>
+            <a:br>
+              <a:rPr kumimoji="1" lang="en-US" altLang="ja-JP" dirty="0" smtClean="0"/>
+            </a:br>
+            <a:r>
+              <a:rPr kumimoji="1" lang="en-US" altLang="ja-JP" dirty="0" smtClean="0"/>
+              <a:t>border</a:t>
+            </a:r>
+            <a:r>
+              <a:rPr kumimoji="1" lang="ja-JP" altLang="en-US" dirty="0" smtClean="0"/>
+              <a:t> ：　線種　太さ　色　；</a:t>
+            </a:r>
+            <a:endParaRPr kumimoji="1" lang="en-US" altLang="ja-JP" dirty="0" smtClean="0"/>
+          </a:p>
+          <a:p>
+            <a:r>
+              <a:rPr kumimoji="1" lang="ja-JP" altLang="en-US" dirty="0"/>
+              <a:t>線</a:t>
+            </a:r>
+            <a:r>
+              <a:rPr kumimoji="1" lang="ja-JP" altLang="en-US" dirty="0" smtClean="0"/>
+              <a:t>種</a:t>
+            </a:r>
+            <a:r>
+              <a:rPr kumimoji="1" lang="en-US" altLang="ja-JP" dirty="0" smtClean="0"/>
+              <a:t/>
+            </a:r>
+            <a:br>
+              <a:rPr kumimoji="1" lang="en-US" altLang="ja-JP" dirty="0" smtClean="0"/>
+            </a:br>
+            <a:r>
+              <a:rPr kumimoji="1" lang="en-US" altLang="ja-JP" dirty="0" smtClean="0"/>
+              <a:t>solid, double , dotted , dashed ,…</a:t>
+            </a:r>
+          </a:p>
+          <a:p>
+            <a:r>
+              <a:rPr kumimoji="1" lang="ja-JP" altLang="en-US" dirty="0" smtClean="0"/>
+              <a:t>太さ</a:t>
+            </a:r>
+            <a:r>
+              <a:rPr kumimoji="1" lang="en-US" altLang="ja-JP" dirty="0" smtClean="0"/>
+              <a:t/>
+            </a:r>
+            <a:br>
+              <a:rPr kumimoji="1" lang="en-US" altLang="ja-JP" dirty="0" smtClean="0"/>
+            </a:br>
+            <a:r>
+              <a:rPr kumimoji="1" lang="ja-JP" altLang="en-US" dirty="0" smtClean="0"/>
+              <a:t>例）　</a:t>
+            </a:r>
+            <a:r>
+              <a:rPr kumimoji="1" lang="en-US" altLang="ja-JP" dirty="0" smtClean="0"/>
+              <a:t>1px</a:t>
+            </a:r>
+          </a:p>
+          <a:p>
+            <a:r>
+              <a:rPr kumimoji="1" lang="ja-JP" altLang="en-US" dirty="0"/>
+              <a:t>色</a:t>
+            </a:r>
+            <a:endParaRPr kumimoji="1" lang="en-US" altLang="ja-JP" dirty="0" smtClean="0"/>
+          </a:p>
+          <a:p>
+            <a:endParaRPr kumimoji="1" lang="ja-JP" altLang="en-US" dirty="0"/>
+          </a:p>
+        </p:txBody>
+      </p:sp>
+      <p:sp>
+        <p:nvSpPr>
+          <p:cNvPr id="4" name="スライド番号プレースホルダー 3"/>
+          <p:cNvSpPr>
+            <a:spLocks noGrp="1"/>
+          </p:cNvSpPr>
+          <p:nvPr>
+            <p:ph type="sldNum" idx="12"/>
+          </p:nvPr>
+        </p:nvSpPr>
+        <p:spPr/>
+        <p:txBody>
+          <a:bodyPr/>
+          <a:lstStyle/>
+          <a:p>
+            <a:pPr marL="0" lvl="0" indent="0" algn="r" rtl="0">
+              <a:spcBef>
+                <a:spcPts val="0"/>
+              </a:spcBef>
+              <a:spcAft>
+                <a:spcPts val="0"/>
+              </a:spcAft>
+              <a:buNone/>
+            </a:pPr>
+            <a:fld id="{00000000-1234-1234-1234-123412341234}" type="slidenum">
+              <a:rPr lang="en-US" altLang="ja-JP" smtClean="0"/>
+              <a:t>23</a:t>
+            </a:fld>
+            <a:endParaRPr lang="ja-JP" altLang="en-US"/>
+          </a:p>
+        </p:txBody>
+      </p:sp>
+      <p:pic>
+        <p:nvPicPr>
+          <p:cNvPr id="5" name="図 4"/>
+          <p:cNvPicPr>
+            <a:picLocks noChangeAspect="1"/>
+          </p:cNvPicPr>
+          <p:nvPr/>
+        </p:nvPicPr>
+        <p:blipFill>
+          <a:blip r:embed="rId2"/>
+          <a:stretch>
+            <a:fillRect/>
+          </a:stretch>
+        </p:blipFill>
+        <p:spPr>
+          <a:xfrm>
+            <a:off x="6095686" y="2157265"/>
+            <a:ext cx="5125165" cy="2105319"/>
+          </a:xfrm>
+          <a:prstGeom prst="rect">
+            <a:avLst/>
+          </a:prstGeom>
+        </p:spPr>
+      </p:pic>
+      <p:pic>
+        <p:nvPicPr>
+          <p:cNvPr id="6" name="図 5"/>
+          <p:cNvPicPr>
+            <a:picLocks noChangeAspect="1"/>
+          </p:cNvPicPr>
+          <p:nvPr/>
+        </p:nvPicPr>
+        <p:blipFill>
+          <a:blip r:embed="rId3"/>
+          <a:stretch>
+            <a:fillRect/>
+          </a:stretch>
+        </p:blipFill>
+        <p:spPr>
+          <a:xfrm>
+            <a:off x="6095686" y="4599942"/>
+            <a:ext cx="3515216" cy="838317"/>
+          </a:xfrm>
+          <a:prstGeom prst="rect">
+            <a:avLst/>
+          </a:prstGeom>
+        </p:spPr>
+      </p:pic>
+      <p:sp>
+        <p:nvSpPr>
+          <p:cNvPr id="7" name="テキスト ボックス 6"/>
+          <p:cNvSpPr txBox="1"/>
+          <p:nvPr/>
+        </p:nvSpPr>
+        <p:spPr>
+          <a:xfrm>
+            <a:off x="6438900" y="5715000"/>
+            <a:ext cx="4143375" cy="307777"/>
+          </a:xfrm>
+          <a:prstGeom prst="rect">
+            <a:avLst/>
+          </a:prstGeom>
+          <a:noFill/>
+        </p:spPr>
+        <p:txBody>
+          <a:bodyPr wrap="square" rtlCol="0">
+            <a:spAutoFit/>
+          </a:bodyPr>
+          <a:lstStyle/>
+          <a:p>
+            <a:r>
+              <a:rPr kumimoji="1" lang="ja-JP" altLang="en-US" dirty="0" smtClean="0"/>
+              <a:t>⇨　</a:t>
+            </a:r>
+            <a:r>
+              <a:rPr kumimoji="1" lang="en-US" altLang="ja-JP" dirty="0" smtClean="0"/>
+              <a:t>index-border.html</a:t>
+            </a:r>
+            <a:endParaRPr kumimoji="1" lang="ja-JP" altLang="en-US" dirty="0"/>
+          </a:p>
+        </p:txBody>
+      </p:sp>
+    </p:spTree>
+    <p:extLst>
+      <p:ext uri="{BB962C8B-B14F-4D97-AF65-F5344CB8AC3E}">
+        <p14:creationId xmlns:p14="http://schemas.microsoft.com/office/powerpoint/2010/main" val="366595945"/>
+      </p:ext>
+    </p:extLst>
+  </p:cSld>
+  <p:clrMapOvr>
+    <a:masterClrMapping/>
+  </p:clrMapOvr>
+</p:sld>
+</file>
+
+<file path=ppt/slides/slide24.xml><?xml version="1.0" encoding="utf-8"?>
+<p:sld xmlns:a="http://schemas.openxmlformats.org/drawingml/2006/main" xmlns:r="http://schemas.openxmlformats.org/officeDocument/2006/relationships" xmlns:p="http://schemas.openxmlformats.org/presentationml/2006/main">
+  <p:cSld>
+    <p:spTree>
+      <p:nvGrpSpPr>
+        <p:cNvPr id="1" name=""/>
+        <p:cNvGrpSpPr/>
+        <p:nvPr/>
+      </p:nvGrpSpPr>
+      <p:grpSpPr>
+        <a:xfrm>
+          <a:off x="0" y="0"/>
+          <a:ext cx="0" cy="0"/>
+          <a:chOff x="0" y="0"/>
+          <a:chExt cx="0" cy="0"/>
+        </a:xfrm>
+      </p:grpSpPr>
+      <p:sp>
+        <p:nvSpPr>
+          <p:cNvPr id="2" name="タイトル 1"/>
+          <p:cNvSpPr>
+            <a:spLocks noGrp="1"/>
+          </p:cNvSpPr>
+          <p:nvPr>
+            <p:ph type="title"/>
+          </p:nvPr>
+        </p:nvSpPr>
+        <p:spPr/>
+        <p:txBody>
+          <a:bodyPr/>
+          <a:lstStyle/>
+          <a:p>
+            <a:r>
+              <a:rPr kumimoji="1" lang="ja-JP" altLang="en-US" dirty="0" smtClean="0"/>
+              <a:t>外側の余白</a:t>
+            </a:r>
+            <a:endParaRPr kumimoji="1" lang="ja-JP" altLang="en-US" dirty="0"/>
+          </a:p>
+        </p:txBody>
+      </p:sp>
+      <p:sp>
+        <p:nvSpPr>
+          <p:cNvPr id="3" name="テキスト プレースホルダー 2"/>
+          <p:cNvSpPr>
+            <a:spLocks noGrp="1"/>
+          </p:cNvSpPr>
+          <p:nvPr>
+            <p:ph type="body" idx="1"/>
+          </p:nvPr>
+        </p:nvSpPr>
+        <p:spPr/>
+        <p:txBody>
+          <a:bodyPr/>
+          <a:lstStyle/>
+          <a:p>
+            <a:r>
+              <a:rPr kumimoji="1" lang="en-US" altLang="ja-JP" dirty="0" smtClean="0"/>
+              <a:t>margin</a:t>
+            </a:r>
+            <a:r>
+              <a:rPr kumimoji="1" lang="ja-JP" altLang="en-US" dirty="0" smtClean="0"/>
+              <a:t>プロパティを使用する</a:t>
+            </a:r>
+            <a:r>
+              <a:rPr kumimoji="1" lang="en-US" altLang="ja-JP" dirty="0" smtClean="0"/>
+              <a:t/>
+            </a:r>
+            <a:br>
+              <a:rPr kumimoji="1" lang="en-US" altLang="ja-JP" dirty="0" smtClean="0"/>
+            </a:br>
+            <a:r>
+              <a:rPr kumimoji="1" lang="en-US" altLang="ja-JP" dirty="0" smtClean="0"/>
+              <a:t>margin</a:t>
+            </a:r>
+            <a:r>
+              <a:rPr kumimoji="1" lang="ja-JP" altLang="en-US" dirty="0" smtClean="0"/>
+              <a:t> ：　余白サイズ；</a:t>
+            </a:r>
+            <a:r>
+              <a:rPr kumimoji="1" lang="en-US" altLang="ja-JP" dirty="0" smtClean="0"/>
+              <a:t/>
+            </a:r>
+            <a:br>
+              <a:rPr kumimoji="1" lang="en-US" altLang="ja-JP" dirty="0" smtClean="0"/>
+            </a:br>
+            <a:r>
+              <a:rPr kumimoji="1" lang="en-US" altLang="ja-JP" dirty="0" smtClean="0"/>
+              <a:t>margin</a:t>
+            </a:r>
+            <a:r>
+              <a:rPr kumimoji="1" lang="ja-JP" altLang="en-US" dirty="0" smtClean="0"/>
+              <a:t> ：　上余白　下余白　左余白　右余白；</a:t>
+            </a:r>
+            <a:endParaRPr kumimoji="1" lang="en-US" altLang="ja-JP" dirty="0"/>
+          </a:p>
+          <a:p>
+            <a:endParaRPr kumimoji="1" lang="en-US" altLang="ja-JP" dirty="0" smtClean="0"/>
+          </a:p>
+          <a:p>
+            <a:endParaRPr kumimoji="1" lang="en-US" altLang="ja-JP" dirty="0" smtClean="0"/>
+          </a:p>
+        </p:txBody>
+      </p:sp>
+      <p:sp>
+        <p:nvSpPr>
+          <p:cNvPr id="4" name="スライド番号プレースホルダー 3"/>
+          <p:cNvSpPr>
+            <a:spLocks noGrp="1"/>
+          </p:cNvSpPr>
+          <p:nvPr>
+            <p:ph type="sldNum" idx="12"/>
+          </p:nvPr>
+        </p:nvSpPr>
+        <p:spPr/>
+        <p:txBody>
+          <a:bodyPr/>
+          <a:lstStyle/>
+          <a:p>
+            <a:pPr marL="0" lvl="0" indent="0" algn="r" rtl="0">
+              <a:spcBef>
+                <a:spcPts val="0"/>
+              </a:spcBef>
+              <a:spcAft>
+                <a:spcPts val="0"/>
+              </a:spcAft>
+              <a:buNone/>
+            </a:pPr>
+            <a:fld id="{00000000-1234-1234-1234-123412341234}" type="slidenum">
+              <a:rPr lang="en-US" altLang="ja-JP" smtClean="0"/>
+              <a:t>24</a:t>
+            </a:fld>
+            <a:endParaRPr lang="ja-JP" altLang="en-US"/>
+          </a:p>
+        </p:txBody>
+      </p:sp>
+      <p:pic>
+        <p:nvPicPr>
+          <p:cNvPr id="5" name="図 4"/>
+          <p:cNvPicPr>
+            <a:picLocks noChangeAspect="1"/>
+          </p:cNvPicPr>
+          <p:nvPr/>
+        </p:nvPicPr>
+        <p:blipFill>
+          <a:blip r:embed="rId2"/>
+          <a:stretch>
+            <a:fillRect/>
+          </a:stretch>
+        </p:blipFill>
+        <p:spPr>
+          <a:xfrm>
+            <a:off x="1304562" y="3033551"/>
+            <a:ext cx="3905613" cy="1738212"/>
+          </a:xfrm>
+          <a:prstGeom prst="rect">
+            <a:avLst/>
+          </a:prstGeom>
+        </p:spPr>
+      </p:pic>
+      <p:pic>
+        <p:nvPicPr>
+          <p:cNvPr id="6" name="図 5"/>
+          <p:cNvPicPr>
+            <a:picLocks noChangeAspect="1"/>
+          </p:cNvPicPr>
+          <p:nvPr/>
+        </p:nvPicPr>
+        <p:blipFill>
+          <a:blip r:embed="rId3"/>
+          <a:stretch>
+            <a:fillRect/>
+          </a:stretch>
+        </p:blipFill>
+        <p:spPr>
+          <a:xfrm>
+            <a:off x="5790800" y="2978737"/>
+            <a:ext cx="4296175" cy="1741307"/>
+          </a:xfrm>
+          <a:prstGeom prst="rect">
+            <a:avLst/>
+          </a:prstGeom>
+        </p:spPr>
+      </p:pic>
+      <p:pic>
+        <p:nvPicPr>
+          <p:cNvPr id="7" name="図 6"/>
+          <p:cNvPicPr>
+            <a:picLocks noChangeAspect="1"/>
+          </p:cNvPicPr>
+          <p:nvPr/>
+        </p:nvPicPr>
+        <p:blipFill>
+          <a:blip r:embed="rId4"/>
+          <a:stretch>
+            <a:fillRect/>
+          </a:stretch>
+        </p:blipFill>
+        <p:spPr>
+          <a:xfrm>
+            <a:off x="5790800" y="4771763"/>
+            <a:ext cx="4000900" cy="2021668"/>
+          </a:xfrm>
+          <a:prstGeom prst="rect">
+            <a:avLst/>
+          </a:prstGeom>
+        </p:spPr>
+      </p:pic>
+      <p:sp>
+        <p:nvSpPr>
+          <p:cNvPr id="8" name="角丸四角形吹き出し 7"/>
+          <p:cNvSpPr/>
+          <p:nvPr/>
+        </p:nvSpPr>
+        <p:spPr>
+          <a:xfrm>
+            <a:off x="8877299" y="5782597"/>
+            <a:ext cx="2867025" cy="638175"/>
+          </a:xfrm>
+          <a:prstGeom prst="wedgeRoundRectCallout">
+            <a:avLst>
+              <a:gd name="adj1" fmla="val -55044"/>
+              <a:gd name="adj2" fmla="val 31157"/>
+              <a:gd name="adj3" fmla="val 16667"/>
+            </a:avLst>
+          </a:prstGeom>
+        </p:spPr>
+        <p:style>
+          <a:lnRef idx="2">
+            <a:schemeClr val="accent6">
+              <a:shade val="50000"/>
+            </a:schemeClr>
+          </a:lnRef>
+          <a:fillRef idx="1">
+            <a:schemeClr val="accent6"/>
+          </a:fillRef>
+          <a:effectRef idx="0">
+            <a:schemeClr val="accent6"/>
+          </a:effectRef>
+          <a:fontRef idx="minor">
+            <a:schemeClr val="lt1"/>
+          </a:fontRef>
+        </p:style>
+        <p:txBody>
+          <a:bodyPr rot="0" spcFirstLastPara="0" vertOverflow="overflow" horzOverflow="overflow" vert="horz" wrap="square" lIns="91440" tIns="45720" rIns="91440" bIns="45720" numCol="1" spcCol="0" rtlCol="0" fromWordArt="0" anchor="ctr" anchorCtr="0" forceAA="0" compatLnSpc="1">
+            <a:prstTxWarp prst="textNoShape">
+              <a:avLst/>
+            </a:prstTxWarp>
+            <a:noAutofit/>
+          </a:bodyPr>
+          <a:lstStyle/>
+          <a:p>
+            <a:pPr algn="ctr"/>
+            <a:r>
+              <a:rPr kumimoji="1" lang="ja-JP" altLang="en-US" b="1" dirty="0" smtClean="0"/>
+              <a:t>ばらばらに記述すると行が長くなる</a:t>
+            </a:r>
+            <a:r>
+              <a:rPr kumimoji="1" lang="en-US" altLang="ja-JP" b="1" dirty="0" smtClean="0"/>
+              <a:t/>
+            </a:r>
+            <a:br>
+              <a:rPr kumimoji="1" lang="en-US" altLang="ja-JP" b="1" dirty="0" smtClean="0"/>
+            </a:br>
+            <a:r>
+              <a:rPr kumimoji="1" lang="ja-JP" altLang="en-US" b="1" dirty="0" smtClean="0"/>
+              <a:t>⇨　ショートハンドを使って短く</a:t>
+            </a:r>
+            <a:endParaRPr kumimoji="1" lang="ja-JP" altLang="en-US" b="1" dirty="0"/>
+          </a:p>
+        </p:txBody>
+      </p:sp>
+    </p:spTree>
+    <p:extLst>
+      <p:ext uri="{BB962C8B-B14F-4D97-AF65-F5344CB8AC3E}">
+        <p14:creationId xmlns:p14="http://schemas.microsoft.com/office/powerpoint/2010/main" val="567797709"/>
+      </p:ext>
+    </p:extLst>
+  </p:cSld>
+  <p:clrMapOvr>
+    <a:masterClrMapping/>
+  </p:clrMapOvr>
+</p:sld>
+</file>
+
+<file path=ppt/slides/slide25.xml><?xml version="1.0" encoding="utf-8"?>
+<p:sld xmlns:a="http://schemas.openxmlformats.org/drawingml/2006/main" xmlns:r="http://schemas.openxmlformats.org/officeDocument/2006/relationships" xmlns:p="http://schemas.openxmlformats.org/presentationml/2006/main">
+  <p:cSld>
+    <p:spTree>
+      <p:nvGrpSpPr>
+        <p:cNvPr id="1" name=""/>
+        <p:cNvGrpSpPr/>
+        <p:nvPr/>
+      </p:nvGrpSpPr>
+      <p:grpSpPr>
+        <a:xfrm>
+          <a:off x="0" y="0"/>
+          <a:ext cx="0" cy="0"/>
+          <a:chOff x="0" y="0"/>
+          <a:chExt cx="0" cy="0"/>
+        </a:xfrm>
+      </p:grpSpPr>
+      <p:sp>
+        <p:nvSpPr>
+          <p:cNvPr id="2" name="タイトル 1"/>
+          <p:cNvSpPr>
+            <a:spLocks noGrp="1"/>
+          </p:cNvSpPr>
+          <p:nvPr>
+            <p:ph type="title"/>
+          </p:nvPr>
+        </p:nvSpPr>
+        <p:spPr/>
+        <p:txBody>
+          <a:bodyPr/>
+          <a:lstStyle/>
+          <a:p>
+            <a:r>
+              <a:rPr kumimoji="1" lang="ja-JP" altLang="en-US" dirty="0" smtClean="0"/>
+              <a:t>デベロップメントツール</a:t>
+            </a:r>
+            <a:endParaRPr kumimoji="1" lang="ja-JP" altLang="en-US" dirty="0"/>
+          </a:p>
+        </p:txBody>
+      </p:sp>
+      <p:sp>
+        <p:nvSpPr>
+          <p:cNvPr id="3" name="テキスト プレースホルダー 2"/>
+          <p:cNvSpPr>
+            <a:spLocks noGrp="1"/>
+          </p:cNvSpPr>
+          <p:nvPr>
+            <p:ph type="body" idx="1"/>
+          </p:nvPr>
+        </p:nvSpPr>
+        <p:spPr/>
+        <p:txBody>
+          <a:bodyPr/>
+          <a:lstStyle/>
+          <a:p>
+            <a:r>
+              <a:rPr kumimoji="1" lang="en-US" altLang="ja-JP" dirty="0" smtClean="0"/>
+              <a:t>Google</a:t>
+            </a:r>
+            <a:r>
+              <a:rPr kumimoji="1" lang="ja-JP" altLang="en-US" dirty="0" smtClean="0"/>
+              <a:t> </a:t>
+            </a:r>
+            <a:r>
+              <a:rPr kumimoji="1" lang="en-US" altLang="ja-JP" dirty="0" smtClean="0"/>
+              <a:t>Chrome </a:t>
+            </a:r>
+            <a:r>
+              <a:rPr kumimoji="1" lang="ja-JP" altLang="en-US" dirty="0" smtClean="0"/>
+              <a:t>や </a:t>
+            </a:r>
+            <a:r>
+              <a:rPr kumimoji="1" lang="en-US" altLang="ja-JP" dirty="0" smtClean="0"/>
+              <a:t>Microsoft</a:t>
+            </a:r>
+            <a:r>
+              <a:rPr kumimoji="1" lang="ja-JP" altLang="en-US" dirty="0" smtClean="0"/>
+              <a:t> </a:t>
+            </a:r>
+            <a:r>
+              <a:rPr kumimoji="1" lang="en-US" altLang="ja-JP" dirty="0" smtClean="0"/>
+              <a:t>Edge</a:t>
+            </a:r>
+            <a:r>
+              <a:rPr kumimoji="1" lang="ja-JP" altLang="en-US" dirty="0" smtClean="0"/>
+              <a:t>には、画面の生成状態を確認するツールが用意されている</a:t>
+            </a:r>
+            <a:endParaRPr kumimoji="1" lang="ja-JP" altLang="en-US" dirty="0"/>
+          </a:p>
+        </p:txBody>
+      </p:sp>
+      <p:sp>
+        <p:nvSpPr>
+          <p:cNvPr id="4" name="スライド番号プレースホルダー 3"/>
+          <p:cNvSpPr>
+            <a:spLocks noGrp="1"/>
+          </p:cNvSpPr>
+          <p:nvPr>
+            <p:ph type="sldNum" idx="12"/>
+          </p:nvPr>
+        </p:nvSpPr>
+        <p:spPr/>
+        <p:txBody>
+          <a:bodyPr/>
+          <a:lstStyle/>
+          <a:p>
+            <a:pPr marL="0" lvl="0" indent="0" algn="r" rtl="0">
+              <a:spcBef>
+                <a:spcPts val="0"/>
+              </a:spcBef>
+              <a:spcAft>
+                <a:spcPts val="0"/>
+              </a:spcAft>
+              <a:buNone/>
+            </a:pPr>
+            <a:fld id="{00000000-1234-1234-1234-123412341234}" type="slidenum">
+              <a:rPr lang="en-US" altLang="ja-JP" smtClean="0"/>
+              <a:t>25</a:t>
+            </a:fld>
+            <a:endParaRPr lang="ja-JP" altLang="en-US"/>
+          </a:p>
+        </p:txBody>
+      </p:sp>
+      <p:pic>
+        <p:nvPicPr>
+          <p:cNvPr id="5" name="図 4"/>
+          <p:cNvPicPr>
+            <a:picLocks noChangeAspect="1"/>
+          </p:cNvPicPr>
+          <p:nvPr/>
+        </p:nvPicPr>
+        <p:blipFill rotWithShape="1">
+          <a:blip r:embed="rId2"/>
+          <a:srcRect l="51042" b="37408"/>
+          <a:stretch/>
+        </p:blipFill>
+        <p:spPr>
+          <a:xfrm>
+            <a:off x="1485899" y="2776883"/>
+            <a:ext cx="3640151" cy="2617811"/>
+          </a:xfrm>
+          <a:prstGeom prst="rect">
+            <a:avLst/>
+          </a:prstGeom>
+        </p:spPr>
+      </p:pic>
+      <p:sp>
+        <p:nvSpPr>
+          <p:cNvPr id="6" name="角丸四角形 5"/>
+          <p:cNvSpPr/>
+          <p:nvPr/>
+        </p:nvSpPr>
+        <p:spPr>
+          <a:xfrm>
+            <a:off x="3498574" y="4641574"/>
+            <a:ext cx="1630017" cy="248478"/>
+          </a:xfrm>
+          <a:prstGeom prst="roundRect">
+            <a:avLst/>
+          </a:prstGeom>
+          <a:noFill/>
+        </p:spPr>
+        <p:style>
+          <a:lnRef idx="2">
+            <a:schemeClr val="accent6"/>
+          </a:lnRef>
+          <a:fillRef idx="1">
+            <a:schemeClr val="lt1"/>
+          </a:fillRef>
+          <a:effectRef idx="0">
+            <a:schemeClr val="accent6"/>
+          </a:effectRef>
+          <a:fontRef idx="minor">
+            <a:schemeClr val="dk1"/>
+          </a:fontRef>
+        </p:style>
+        <p:txBody>
+          <a:bodyPr rot="0" spcFirstLastPara="0" vertOverflow="overflow" horzOverflow="overflow" vert="horz" wrap="square" lIns="91440" tIns="45720" rIns="91440" bIns="45720" numCol="1" spcCol="0" rtlCol="0" fromWordArt="0" anchor="ctr" anchorCtr="0" forceAA="0" compatLnSpc="1">
+            <a:prstTxWarp prst="textNoShape">
+              <a:avLst/>
+            </a:prstTxWarp>
+            <a:noAutofit/>
+          </a:bodyPr>
+          <a:lstStyle/>
+          <a:p>
+            <a:pPr algn="ctr"/>
+            <a:endParaRPr kumimoji="1" lang="ja-JP" altLang="en-US" b="1" dirty="0"/>
+          </a:p>
+        </p:txBody>
+      </p:sp>
+      <p:sp>
+        <p:nvSpPr>
+          <p:cNvPr id="7" name="テキスト ボックス 6"/>
+          <p:cNvSpPr txBox="1"/>
+          <p:nvPr/>
+        </p:nvSpPr>
+        <p:spPr>
+          <a:xfrm>
+            <a:off x="5698175" y="2725164"/>
+            <a:ext cx="4815837" cy="307777"/>
+          </a:xfrm>
+          <a:prstGeom prst="rect">
+            <a:avLst/>
+          </a:prstGeom>
+          <a:noFill/>
+        </p:spPr>
+        <p:txBody>
+          <a:bodyPr wrap="square" rtlCol="0">
+            <a:spAutoFit/>
+          </a:bodyPr>
+          <a:lstStyle/>
+          <a:p>
+            <a:r>
+              <a:rPr kumimoji="1" lang="ja-JP" altLang="en-US" dirty="0" smtClean="0"/>
+              <a:t>設定　⇒その他ツール　⇒デベロップメントツール</a:t>
+            </a:r>
+            <a:endParaRPr kumimoji="1" lang="ja-JP" altLang="en-US" dirty="0"/>
+          </a:p>
+        </p:txBody>
+      </p:sp>
+    </p:spTree>
+    <p:extLst>
+      <p:ext uri="{BB962C8B-B14F-4D97-AF65-F5344CB8AC3E}">
+        <p14:creationId xmlns:p14="http://schemas.microsoft.com/office/powerpoint/2010/main" val="45023718"/>
+      </p:ext>
+    </p:extLst>
+  </p:cSld>
+  <p:clrMapOvr>
+    <a:masterClrMapping/>
+  </p:clrMapOvr>
+</p:sld>
+</file>
+
+<file path=ppt/slides/slide26.xml><?xml version="1.0" encoding="utf-8"?>
+<p:sld xmlns:a="http://schemas.openxmlformats.org/drawingml/2006/main" xmlns:r="http://schemas.openxmlformats.org/officeDocument/2006/relationships" xmlns:p="http://schemas.openxmlformats.org/presentationml/2006/main">
+  <p:cSld>
+    <p:spTree>
+      <p:nvGrpSpPr>
+        <p:cNvPr id="1" name=""/>
+        <p:cNvGrpSpPr/>
+        <p:nvPr/>
+      </p:nvGrpSpPr>
+      <p:grpSpPr>
+        <a:xfrm>
+          <a:off x="0" y="0"/>
+          <a:ext cx="0" cy="0"/>
+          <a:chOff x="0" y="0"/>
+          <a:chExt cx="0" cy="0"/>
+        </a:xfrm>
+      </p:grpSpPr>
+      <p:sp>
+        <p:nvSpPr>
+          <p:cNvPr id="2" name="タイトル 1"/>
+          <p:cNvSpPr>
+            <a:spLocks noGrp="1"/>
+          </p:cNvSpPr>
+          <p:nvPr>
+            <p:ph type="title"/>
+          </p:nvPr>
+        </p:nvSpPr>
+        <p:spPr/>
+        <p:txBody>
+          <a:bodyPr/>
+          <a:lstStyle/>
+          <a:p>
+            <a:r>
+              <a:rPr kumimoji="1" lang="ja-JP" altLang="en-US" dirty="0"/>
+              <a:t>確認</a:t>
+            </a:r>
+          </a:p>
+        </p:txBody>
+      </p:sp>
+      <p:sp>
+        <p:nvSpPr>
+          <p:cNvPr id="3" name="テキスト プレースホルダー 2"/>
+          <p:cNvSpPr>
+            <a:spLocks noGrp="1"/>
+          </p:cNvSpPr>
+          <p:nvPr>
+            <p:ph type="body" idx="1"/>
+          </p:nvPr>
+        </p:nvSpPr>
+        <p:spPr/>
+        <p:txBody>
+          <a:bodyPr/>
+          <a:lstStyle/>
+          <a:p>
+            <a:endParaRPr kumimoji="1" lang="ja-JP" altLang="en-US" dirty="0"/>
+          </a:p>
+        </p:txBody>
+      </p:sp>
+      <p:sp>
+        <p:nvSpPr>
+          <p:cNvPr id="4" name="スライド番号プレースホルダー 3"/>
+          <p:cNvSpPr>
+            <a:spLocks noGrp="1"/>
+          </p:cNvSpPr>
+          <p:nvPr>
+            <p:ph type="sldNum" idx="12"/>
+          </p:nvPr>
+        </p:nvSpPr>
+        <p:spPr/>
+        <p:txBody>
+          <a:bodyPr/>
+          <a:lstStyle/>
+          <a:p>
+            <a:pPr marL="0" lvl="0" indent="0" algn="r" rtl="0">
+              <a:spcBef>
+                <a:spcPts val="0"/>
+              </a:spcBef>
+              <a:spcAft>
+                <a:spcPts val="0"/>
+              </a:spcAft>
+              <a:buNone/>
+            </a:pPr>
+            <a:fld id="{00000000-1234-1234-1234-123412341234}" type="slidenum">
+              <a:rPr lang="en-US" altLang="ja-JP" smtClean="0"/>
+              <a:t>26</a:t>
+            </a:fld>
+            <a:endParaRPr lang="ja-JP" altLang="en-US"/>
+          </a:p>
+        </p:txBody>
+      </p:sp>
+      <p:pic>
+        <p:nvPicPr>
+          <p:cNvPr id="5" name="図 4"/>
+          <p:cNvPicPr>
+            <a:picLocks noChangeAspect="1"/>
+          </p:cNvPicPr>
+          <p:nvPr/>
+        </p:nvPicPr>
+        <p:blipFill rotWithShape="1">
+          <a:blip r:embed="rId2"/>
+          <a:srcRect l="1552" b="67545"/>
+          <a:stretch/>
+        </p:blipFill>
+        <p:spPr>
+          <a:xfrm>
+            <a:off x="812010" y="1529362"/>
+            <a:ext cx="5270738" cy="2303366"/>
+          </a:xfrm>
+          <a:prstGeom prst="rect">
+            <a:avLst/>
+          </a:prstGeom>
+        </p:spPr>
+      </p:pic>
+      <p:pic>
+        <p:nvPicPr>
+          <p:cNvPr id="6" name="図 5"/>
+          <p:cNvPicPr>
+            <a:picLocks noChangeAspect="1"/>
+          </p:cNvPicPr>
+          <p:nvPr/>
+        </p:nvPicPr>
+        <p:blipFill rotWithShape="1">
+          <a:blip r:embed="rId2"/>
+          <a:srcRect l="1363" t="59344"/>
+          <a:stretch/>
+        </p:blipFill>
+        <p:spPr>
+          <a:xfrm>
+            <a:off x="6082748" y="2997841"/>
+            <a:ext cx="5280794" cy="2885436"/>
+          </a:xfrm>
+          <a:prstGeom prst="rect">
+            <a:avLst/>
+          </a:prstGeom>
+        </p:spPr>
+      </p:pic>
+      <p:sp>
+        <p:nvSpPr>
+          <p:cNvPr id="7" name="角丸四角形吹き出し 6"/>
+          <p:cNvSpPr/>
+          <p:nvPr/>
+        </p:nvSpPr>
+        <p:spPr>
+          <a:xfrm>
+            <a:off x="1421295" y="3479889"/>
+            <a:ext cx="1610140" cy="644850"/>
+          </a:xfrm>
+          <a:prstGeom prst="wedgeRoundRectCallout">
+            <a:avLst>
+              <a:gd name="adj1" fmla="val -38224"/>
+              <a:gd name="adj2" fmla="val -78345"/>
+              <a:gd name="adj3" fmla="val 16667"/>
+            </a:avLst>
+          </a:prstGeom>
+        </p:spPr>
+        <p:style>
+          <a:lnRef idx="2">
+            <a:schemeClr val="accent6">
+              <a:shade val="50000"/>
+            </a:schemeClr>
+          </a:lnRef>
+          <a:fillRef idx="1">
+            <a:schemeClr val="accent6"/>
+          </a:fillRef>
+          <a:effectRef idx="0">
+            <a:schemeClr val="accent6"/>
+          </a:effectRef>
+          <a:fontRef idx="minor">
+            <a:schemeClr val="lt1"/>
+          </a:fontRef>
+        </p:style>
+        <p:txBody>
+          <a:bodyPr rot="0" spcFirstLastPara="0" vertOverflow="overflow" horzOverflow="overflow" vert="horz" wrap="square" lIns="91440" tIns="45720" rIns="91440" bIns="45720" numCol="1" spcCol="0" rtlCol="0" fromWordArt="0" anchor="ctr" anchorCtr="0" forceAA="0" compatLnSpc="1">
+            <a:prstTxWarp prst="textNoShape">
+              <a:avLst/>
+            </a:prstTxWarp>
+            <a:noAutofit/>
+          </a:bodyPr>
+          <a:lstStyle/>
+          <a:p>
+            <a:r>
+              <a:rPr kumimoji="1" lang="ja-JP" altLang="en-US" b="1" dirty="0" smtClean="0"/>
+              <a:t>タグを指定する</a:t>
+            </a:r>
+            <a:endParaRPr kumimoji="1" lang="ja-JP" altLang="en-US" b="1" dirty="0"/>
+          </a:p>
+        </p:txBody>
+      </p:sp>
+      <p:sp>
+        <p:nvSpPr>
+          <p:cNvPr id="8" name="角丸四角形吹き出し 7"/>
+          <p:cNvSpPr/>
+          <p:nvPr/>
+        </p:nvSpPr>
+        <p:spPr>
+          <a:xfrm>
+            <a:off x="8034130" y="3052407"/>
+            <a:ext cx="2113722" cy="644850"/>
+          </a:xfrm>
+          <a:prstGeom prst="wedgeRoundRectCallout">
+            <a:avLst>
+              <a:gd name="adj1" fmla="val -18471"/>
+              <a:gd name="adj2" fmla="val 77327"/>
+              <a:gd name="adj3" fmla="val 16667"/>
+            </a:avLst>
+          </a:prstGeom>
+        </p:spPr>
+        <p:style>
+          <a:lnRef idx="2">
+            <a:schemeClr val="accent6">
+              <a:shade val="50000"/>
+            </a:schemeClr>
+          </a:lnRef>
+          <a:fillRef idx="1">
+            <a:schemeClr val="accent6"/>
+          </a:fillRef>
+          <a:effectRef idx="0">
+            <a:schemeClr val="accent6"/>
+          </a:effectRef>
+          <a:fontRef idx="minor">
+            <a:schemeClr val="lt1"/>
+          </a:fontRef>
+        </p:style>
+        <p:txBody>
+          <a:bodyPr rot="0" spcFirstLastPara="0" vertOverflow="overflow" horzOverflow="overflow" vert="horz" wrap="square" lIns="91440" tIns="45720" rIns="91440" bIns="45720" numCol="1" spcCol="0" rtlCol="0" fromWordArt="0" anchor="ctr" anchorCtr="0" forceAA="0" compatLnSpc="1">
+            <a:prstTxWarp prst="textNoShape">
+              <a:avLst/>
+            </a:prstTxWarp>
+            <a:noAutofit/>
+          </a:bodyPr>
+          <a:lstStyle/>
+          <a:p>
+            <a:r>
+              <a:rPr kumimoji="1" lang="ja-JP" altLang="en-US" b="1" dirty="0" smtClean="0"/>
+              <a:t>指定状況が確認できる</a:t>
+            </a:r>
+            <a:endParaRPr kumimoji="1" lang="ja-JP" altLang="en-US" b="1" dirty="0"/>
+          </a:p>
+        </p:txBody>
+      </p:sp>
+    </p:spTree>
+    <p:extLst>
+      <p:ext uri="{BB962C8B-B14F-4D97-AF65-F5344CB8AC3E}">
+        <p14:creationId xmlns:p14="http://schemas.microsoft.com/office/powerpoint/2010/main" val="1422610528"/>
+      </p:ext>
+    </p:extLst>
+  </p:cSld>
+  <p:clrMapOvr>
+    <a:masterClrMapping/>
+  </p:clrMapOvr>
+</p:sld>
+</file>
+
+<file path=ppt/slides/slide27.xml><?xml version="1.0" encoding="utf-8"?>
+<p:sld xmlns:a="http://schemas.openxmlformats.org/drawingml/2006/main" xmlns:r="http://schemas.openxmlformats.org/officeDocument/2006/relationships" xmlns:p="http://schemas.openxmlformats.org/presentationml/2006/main">
+  <p:cSld>
+    <p:spTree>
+      <p:nvGrpSpPr>
+        <p:cNvPr id="1" name=""/>
+        <p:cNvGrpSpPr/>
+        <p:nvPr/>
+      </p:nvGrpSpPr>
+      <p:grpSpPr>
+        <a:xfrm>
+          <a:off x="0" y="0"/>
+          <a:ext cx="0" cy="0"/>
+          <a:chOff x="0" y="0"/>
+          <a:chExt cx="0" cy="0"/>
+        </a:xfrm>
+      </p:grpSpPr>
+      <p:sp>
+        <p:nvSpPr>
+          <p:cNvPr id="2" name="タイトル 1"/>
+          <p:cNvSpPr>
+            <a:spLocks noGrp="1"/>
+          </p:cNvSpPr>
+          <p:nvPr>
+            <p:ph type="title"/>
+          </p:nvPr>
+        </p:nvSpPr>
+        <p:spPr/>
+        <p:txBody>
+          <a:bodyPr/>
+          <a:lstStyle/>
+          <a:p>
+            <a:r>
+              <a:rPr kumimoji="1" lang="ja-JP" altLang="en-US" dirty="0" smtClean="0"/>
+              <a:t>高さと幅の指定</a:t>
+            </a:r>
+            <a:endParaRPr kumimoji="1" lang="ja-JP" altLang="en-US" dirty="0"/>
+          </a:p>
+        </p:txBody>
+      </p:sp>
+      <p:pic>
+        <p:nvPicPr>
+          <p:cNvPr id="5" name="図 4"/>
+          <p:cNvPicPr>
+            <a:picLocks noChangeAspect="1"/>
+          </p:cNvPicPr>
+          <p:nvPr/>
+        </p:nvPicPr>
+        <p:blipFill>
+          <a:blip r:embed="rId2"/>
+          <a:stretch>
+            <a:fillRect/>
+          </a:stretch>
+        </p:blipFill>
+        <p:spPr>
+          <a:xfrm>
+            <a:off x="1581150" y="3363882"/>
+            <a:ext cx="6258798" cy="2048161"/>
+          </a:xfrm>
+          <a:prstGeom prst="rect">
+            <a:avLst/>
+          </a:prstGeom>
+        </p:spPr>
+      </p:pic>
+      <p:sp>
+        <p:nvSpPr>
+          <p:cNvPr id="3" name="テキスト プレースホルダー 2"/>
+          <p:cNvSpPr>
+            <a:spLocks noGrp="1"/>
+          </p:cNvSpPr>
+          <p:nvPr>
+            <p:ph type="body" idx="1"/>
+          </p:nvPr>
+        </p:nvSpPr>
+        <p:spPr/>
+        <p:txBody>
+          <a:bodyPr/>
+          <a:lstStyle/>
+          <a:p>
+            <a:r>
+              <a:rPr kumimoji="1" lang="en-US" altLang="ja-JP" dirty="0" smtClean="0"/>
+              <a:t>width</a:t>
+            </a:r>
+            <a:r>
+              <a:rPr kumimoji="1" lang="ja-JP" altLang="en-US" dirty="0" smtClean="0"/>
+              <a:t>は横幅、</a:t>
+            </a:r>
+            <a:r>
+              <a:rPr kumimoji="1" lang="en-US" altLang="ja-JP" dirty="0" smtClean="0"/>
+              <a:t>height</a:t>
+            </a:r>
+            <a:r>
+              <a:rPr kumimoji="1" lang="ja-JP" altLang="en-US" dirty="0" smtClean="0"/>
+              <a:t>は高さを指定します。</a:t>
+            </a:r>
+            <a:endParaRPr kumimoji="1" lang="en-US" altLang="ja-JP" dirty="0" smtClean="0"/>
+          </a:p>
+          <a:p>
+            <a:r>
+              <a:rPr kumimoji="1" lang="ja-JP" altLang="en-US" dirty="0"/>
+              <a:t>数字に</a:t>
+            </a:r>
+            <a:r>
+              <a:rPr kumimoji="1" lang="ja-JP" altLang="en-US" dirty="0" smtClean="0"/>
+              <a:t>は、単位を付けるようにします。</a:t>
+            </a:r>
+            <a:r>
+              <a:rPr kumimoji="1" lang="en-US" altLang="ja-JP" dirty="0"/>
+              <a:t/>
+            </a:r>
+            <a:br>
+              <a:rPr kumimoji="1" lang="en-US" altLang="ja-JP" dirty="0"/>
+            </a:br>
+            <a:r>
+              <a:rPr kumimoji="1" lang="ja-JP" altLang="en-US" dirty="0" smtClean="0"/>
+              <a:t>単位</a:t>
+            </a:r>
+            <a:r>
+              <a:rPr kumimoji="1" lang="en-US" altLang="ja-JP" dirty="0" err="1" smtClean="0"/>
+              <a:t>px</a:t>
+            </a:r>
+            <a:r>
+              <a:rPr kumimoji="1" lang="ja-JP" altLang="en-US" dirty="0" smtClean="0"/>
+              <a:t>は画面上のドットの数を表します。</a:t>
+            </a:r>
+            <a:r>
+              <a:rPr kumimoji="1" lang="en-US" altLang="ja-JP" dirty="0" smtClean="0"/>
+              <a:t/>
+            </a:r>
+            <a:br>
+              <a:rPr kumimoji="1" lang="en-US" altLang="ja-JP" dirty="0" smtClean="0"/>
+            </a:br>
+            <a:r>
+              <a:rPr kumimoji="1" lang="ja-JP" altLang="en-US" dirty="0" smtClean="0"/>
+              <a:t>ほかにも、「％」を使用することもできます</a:t>
+            </a:r>
+            <a:endParaRPr kumimoji="1" lang="en-US" altLang="ja-JP" dirty="0" smtClean="0"/>
+          </a:p>
+        </p:txBody>
+      </p:sp>
+      <p:sp>
+        <p:nvSpPr>
+          <p:cNvPr id="4" name="スライド番号プレースホルダー 3"/>
+          <p:cNvSpPr>
+            <a:spLocks noGrp="1"/>
+          </p:cNvSpPr>
+          <p:nvPr>
+            <p:ph type="sldNum" idx="12"/>
+          </p:nvPr>
+        </p:nvSpPr>
+        <p:spPr/>
+        <p:txBody>
+          <a:bodyPr/>
+          <a:lstStyle/>
+          <a:p>
+            <a:pPr marL="0" lvl="0" indent="0" algn="r" rtl="0">
+              <a:spcBef>
+                <a:spcPts val="0"/>
+              </a:spcBef>
+              <a:spcAft>
+                <a:spcPts val="0"/>
+              </a:spcAft>
+              <a:buNone/>
+            </a:pPr>
+            <a:fld id="{00000000-1234-1234-1234-123412341234}" type="slidenum">
+              <a:rPr lang="en-US" altLang="ja-JP" smtClean="0"/>
+              <a:t>27</a:t>
+            </a:fld>
+            <a:endParaRPr lang="ja-JP" altLang="en-US"/>
+          </a:p>
+        </p:txBody>
+      </p:sp>
+      <p:sp>
+        <p:nvSpPr>
+          <p:cNvPr id="6" name="テキスト ボックス 5"/>
+          <p:cNvSpPr txBox="1"/>
+          <p:nvPr/>
+        </p:nvSpPr>
+        <p:spPr>
+          <a:xfrm>
+            <a:off x="8315325" y="4733925"/>
+            <a:ext cx="2580795" cy="307777"/>
+          </a:xfrm>
+          <a:prstGeom prst="rect">
+            <a:avLst/>
+          </a:prstGeom>
+          <a:noFill/>
+        </p:spPr>
+        <p:txBody>
+          <a:bodyPr wrap="square" rtlCol="0">
+            <a:spAutoFit/>
+          </a:bodyPr>
+          <a:lstStyle/>
+          <a:p>
+            <a:r>
+              <a:rPr kumimoji="1" lang="ja-JP" altLang="en-US" dirty="0" smtClean="0"/>
+              <a:t>⇨　</a:t>
+            </a:r>
+            <a:r>
+              <a:rPr kumimoji="1" lang="en-US" altLang="ja-JP" dirty="0" smtClean="0"/>
+              <a:t>index5-2.html</a:t>
+            </a:r>
+            <a:endParaRPr kumimoji="1" lang="ja-JP" altLang="en-US" dirty="0"/>
+          </a:p>
+        </p:txBody>
+      </p:sp>
+    </p:spTree>
+    <p:extLst>
+      <p:ext uri="{BB962C8B-B14F-4D97-AF65-F5344CB8AC3E}">
+        <p14:creationId xmlns:p14="http://schemas.microsoft.com/office/powerpoint/2010/main" val="1938393556"/>
+      </p:ext>
+    </p:extLst>
+  </p:cSld>
+  <p:clrMapOvr>
+    <a:masterClrMapping/>
+  </p:clrMapOvr>
+</p:sld>
+</file>
+
+<file path=ppt/slides/slide28.xml><?xml version="1.0" encoding="utf-8"?>
+<p:sld xmlns:a="http://schemas.openxmlformats.org/drawingml/2006/main" xmlns:r="http://schemas.openxmlformats.org/officeDocument/2006/relationships" xmlns:p="http://schemas.openxmlformats.org/presentationml/2006/main">
+  <p:cSld>
+    <p:spTree>
+      <p:nvGrpSpPr>
+        <p:cNvPr id="1" name=""/>
+        <p:cNvGrpSpPr/>
+        <p:nvPr/>
+      </p:nvGrpSpPr>
+      <p:grpSpPr>
+        <a:xfrm>
+          <a:off x="0" y="0"/>
+          <a:ext cx="0" cy="0"/>
+          <a:chOff x="0" y="0"/>
+          <a:chExt cx="0" cy="0"/>
+        </a:xfrm>
+      </p:grpSpPr>
+      <p:sp>
+        <p:nvSpPr>
+          <p:cNvPr id="2" name="タイトル 1"/>
+          <p:cNvSpPr>
+            <a:spLocks noGrp="1"/>
+          </p:cNvSpPr>
+          <p:nvPr>
+            <p:ph type="title"/>
+          </p:nvPr>
+        </p:nvSpPr>
+        <p:spPr/>
+        <p:txBody>
+          <a:bodyPr/>
+          <a:lstStyle/>
+          <a:p>
+            <a:r>
+              <a:rPr kumimoji="1" lang="ja-JP" altLang="en-US" dirty="0" smtClean="0"/>
+              <a:t>要素のサイズ</a:t>
+            </a:r>
+            <a:endParaRPr kumimoji="1" lang="ja-JP" altLang="en-US" dirty="0"/>
+          </a:p>
+        </p:txBody>
+      </p:sp>
+      <p:sp>
+        <p:nvSpPr>
+          <p:cNvPr id="3" name="テキスト プレースホルダー 2"/>
+          <p:cNvSpPr>
+            <a:spLocks noGrp="1"/>
+          </p:cNvSpPr>
+          <p:nvPr>
+            <p:ph type="body" idx="1"/>
+          </p:nvPr>
+        </p:nvSpPr>
+        <p:spPr/>
+        <p:txBody>
+          <a:bodyPr/>
+          <a:lstStyle/>
+          <a:p>
+            <a:endParaRPr kumimoji="1" lang="ja-JP" altLang="en-US" dirty="0"/>
+          </a:p>
+        </p:txBody>
+      </p:sp>
+      <p:sp>
+        <p:nvSpPr>
+          <p:cNvPr id="4" name="スライド番号プレースホルダー 3"/>
+          <p:cNvSpPr>
+            <a:spLocks noGrp="1"/>
+          </p:cNvSpPr>
+          <p:nvPr>
+            <p:ph type="sldNum" idx="12"/>
+          </p:nvPr>
+        </p:nvSpPr>
+        <p:spPr/>
+        <p:txBody>
+          <a:bodyPr/>
+          <a:lstStyle/>
+          <a:p>
+            <a:pPr marL="0" lvl="0" indent="0" algn="r" rtl="0">
+              <a:spcBef>
+                <a:spcPts val="0"/>
+              </a:spcBef>
+              <a:spcAft>
+                <a:spcPts val="0"/>
+              </a:spcAft>
+              <a:buNone/>
+            </a:pPr>
+            <a:fld id="{00000000-1234-1234-1234-123412341234}" type="slidenum">
+              <a:rPr lang="en-US" altLang="ja-JP" smtClean="0"/>
+              <a:t>28</a:t>
+            </a:fld>
+            <a:endParaRPr lang="ja-JP" altLang="en-US"/>
+          </a:p>
+        </p:txBody>
+      </p:sp>
+      <p:pic>
+        <p:nvPicPr>
+          <p:cNvPr id="5" name="図 4"/>
+          <p:cNvPicPr>
+            <a:picLocks noChangeAspect="1"/>
+          </p:cNvPicPr>
+          <p:nvPr/>
+        </p:nvPicPr>
+        <p:blipFill>
+          <a:blip r:embed="rId2"/>
+          <a:stretch>
+            <a:fillRect/>
+          </a:stretch>
+        </p:blipFill>
+        <p:spPr>
+          <a:xfrm>
+            <a:off x="913773" y="1562956"/>
+            <a:ext cx="4274453" cy="3052109"/>
+          </a:xfrm>
+          <a:prstGeom prst="rect">
+            <a:avLst/>
+          </a:prstGeom>
+        </p:spPr>
+      </p:pic>
+      <p:pic>
+        <p:nvPicPr>
+          <p:cNvPr id="6" name="図 5"/>
+          <p:cNvPicPr>
+            <a:picLocks noChangeAspect="1"/>
+          </p:cNvPicPr>
+          <p:nvPr/>
+        </p:nvPicPr>
+        <p:blipFill>
+          <a:blip r:embed="rId3"/>
+          <a:stretch>
+            <a:fillRect/>
+          </a:stretch>
+        </p:blipFill>
+        <p:spPr>
+          <a:xfrm>
+            <a:off x="4854536" y="2745263"/>
+            <a:ext cx="5220429" cy="3077004"/>
+          </a:xfrm>
+          <a:prstGeom prst="rect">
+            <a:avLst/>
+          </a:prstGeom>
+        </p:spPr>
+      </p:pic>
+      <p:sp>
+        <p:nvSpPr>
+          <p:cNvPr id="7" name="右矢印 6"/>
+          <p:cNvSpPr/>
+          <p:nvPr/>
+        </p:nvSpPr>
+        <p:spPr>
+          <a:xfrm flipH="1">
+            <a:off x="3349487" y="3826565"/>
+            <a:ext cx="1013791" cy="457200"/>
+          </a:xfrm>
+          <a:prstGeom prst="rightArrow">
+            <a:avLst/>
+          </a:prstGeom>
+        </p:spPr>
+        <p:style>
+          <a:lnRef idx="2">
+            <a:schemeClr val="accent1">
+              <a:shade val="50000"/>
+            </a:schemeClr>
+          </a:lnRef>
+          <a:fillRef idx="1">
+            <a:schemeClr val="accent1"/>
+          </a:fillRef>
+          <a:effectRef idx="0">
+            <a:schemeClr val="accent1"/>
+          </a:effectRef>
+          <a:fontRef idx="minor">
+            <a:schemeClr val="lt1"/>
+          </a:fontRef>
+        </p:style>
+        <p:txBody>
+          <a:bodyPr rot="0" spcFirstLastPara="0" vertOverflow="overflow" horzOverflow="overflow" vert="horz" wrap="square" lIns="91440" tIns="45720" rIns="91440" bIns="45720" numCol="1" spcCol="0" rtlCol="0" fromWordArt="0" anchor="ctr" anchorCtr="0" forceAA="0" compatLnSpc="1">
+            <a:prstTxWarp prst="textNoShape">
+              <a:avLst/>
+            </a:prstTxWarp>
+            <a:noAutofit/>
+          </a:bodyPr>
+          <a:lstStyle/>
+          <a:p>
+            <a:pPr algn="ctr"/>
+            <a:endParaRPr kumimoji="1" lang="ja-JP" altLang="en-US" b="1" dirty="0"/>
+          </a:p>
+        </p:txBody>
+      </p:sp>
+      <p:sp>
+        <p:nvSpPr>
+          <p:cNvPr id="8" name="テキスト ボックス 7"/>
+          <p:cNvSpPr txBox="1"/>
+          <p:nvPr/>
+        </p:nvSpPr>
+        <p:spPr>
+          <a:xfrm>
+            <a:off x="5754757" y="1828800"/>
+            <a:ext cx="5068956" cy="738664"/>
+          </a:xfrm>
+          <a:prstGeom prst="rect">
+            <a:avLst/>
+          </a:prstGeom>
+          <a:noFill/>
+        </p:spPr>
+        <p:txBody>
+          <a:bodyPr wrap="square" rtlCol="0">
+            <a:spAutoFit/>
+          </a:bodyPr>
+          <a:lstStyle/>
+          <a:p>
+            <a:r>
+              <a:rPr kumimoji="1" lang="en-US" altLang="ja-JP" dirty="0" smtClean="0"/>
+              <a:t>div</a:t>
+            </a:r>
+            <a:r>
+              <a:rPr kumimoji="1" lang="ja-JP" altLang="en-US" dirty="0" smtClean="0"/>
+              <a:t>タグに設定したサイズの大きさにならないことに注意する</a:t>
+            </a:r>
+            <a:endParaRPr kumimoji="1" lang="en-US" altLang="ja-JP" dirty="0" smtClean="0"/>
+          </a:p>
+          <a:p>
+            <a:endParaRPr kumimoji="1" lang="en-US" altLang="ja-JP" dirty="0"/>
+          </a:p>
+          <a:p>
+            <a:r>
+              <a:rPr kumimoji="1" lang="ja-JP" altLang="en-US" dirty="0" smtClean="0"/>
+              <a:t>実際の大きさは、内余白、枠線の太さ、外余白の合計になる</a:t>
+            </a:r>
+            <a:endParaRPr kumimoji="1" lang="ja-JP" altLang="en-US" dirty="0"/>
+          </a:p>
+        </p:txBody>
+      </p:sp>
+    </p:spTree>
+    <p:extLst>
+      <p:ext uri="{BB962C8B-B14F-4D97-AF65-F5344CB8AC3E}">
+        <p14:creationId xmlns:p14="http://schemas.microsoft.com/office/powerpoint/2010/main" val="1555131295"/>
+      </p:ext>
+    </p:extLst>
+  </p:cSld>
+  <p:clrMapOvr>
+    <a:masterClrMapping/>
+  </p:clrMapOvr>
+</p:sld>
+</file>
+
+<file path=ppt/slides/slide29.xml><?xml version="1.0" encoding="utf-8"?>
+<p:sld xmlns:a="http://schemas.openxmlformats.org/drawingml/2006/main" xmlns:r="http://schemas.openxmlformats.org/officeDocument/2006/relationships" xmlns:p="http://schemas.openxmlformats.org/presentationml/2006/main">
+  <p:cSld>
+    <p:spTree>
+      <p:nvGrpSpPr>
+        <p:cNvPr id="1" name=""/>
+        <p:cNvGrpSpPr/>
+        <p:nvPr/>
+      </p:nvGrpSpPr>
+      <p:grpSpPr>
+        <a:xfrm>
+          <a:off x="0" y="0"/>
+          <a:ext cx="0" cy="0"/>
+          <a:chOff x="0" y="0"/>
+          <a:chExt cx="0" cy="0"/>
+        </a:xfrm>
+      </p:grpSpPr>
+      <p:sp>
+        <p:nvSpPr>
+          <p:cNvPr id="2" name="タイトル 1"/>
+          <p:cNvSpPr>
+            <a:spLocks noGrp="1"/>
+          </p:cNvSpPr>
+          <p:nvPr>
+            <p:ph type="title"/>
+          </p:nvPr>
+        </p:nvSpPr>
+        <p:spPr/>
+        <p:txBody>
+          <a:bodyPr/>
+          <a:lstStyle/>
+          <a:p>
+            <a:r>
+              <a:rPr kumimoji="1" lang="ja-JP" altLang="en-US" dirty="0" smtClean="0"/>
+              <a:t>レイアウトのためのタグ</a:t>
+            </a:r>
+            <a:endParaRPr kumimoji="1" lang="ja-JP" altLang="en-US" dirty="0"/>
+          </a:p>
+        </p:txBody>
+      </p:sp>
+      <p:sp>
+        <p:nvSpPr>
+          <p:cNvPr id="3" name="テキスト プレースホルダー 2"/>
+          <p:cNvSpPr>
+            <a:spLocks noGrp="1"/>
+          </p:cNvSpPr>
+          <p:nvPr>
+            <p:ph type="body" idx="1"/>
+          </p:nvPr>
+        </p:nvSpPr>
+        <p:spPr/>
+        <p:txBody>
+          <a:bodyPr/>
+          <a:lstStyle/>
+          <a:p>
+            <a:r>
+              <a:rPr kumimoji="1" lang="en-US" altLang="ja-JP" dirty="0" smtClean="0"/>
+              <a:t>display : flex;	</a:t>
+            </a:r>
+            <a:r>
+              <a:rPr kumimoji="1" lang="ja-JP" altLang="en-US" dirty="0" smtClean="0"/>
+              <a:t>コンテナ内の要素を並べていく指定</a:t>
+            </a:r>
+            <a:endParaRPr kumimoji="1" lang="en-US" altLang="ja-JP" dirty="0" smtClean="0"/>
+          </a:p>
+          <a:p>
+            <a:r>
+              <a:rPr kumimoji="1" lang="en-US" altLang="ja-JP" dirty="0" smtClean="0"/>
+              <a:t>flex-wrap :</a:t>
+            </a:r>
+            <a:r>
+              <a:rPr kumimoji="1" lang="en-US" altLang="ja-JP" dirty="0"/>
+              <a:t> </a:t>
+            </a:r>
+            <a:r>
+              <a:rPr kumimoji="1" lang="en-US" altLang="ja-JP" dirty="0" smtClean="0"/>
+              <a:t>wrap ;	</a:t>
+            </a:r>
+            <a:r>
+              <a:rPr kumimoji="1" lang="ja-JP" altLang="en-US" dirty="0" smtClean="0"/>
+              <a:t>コンテナ内の要素を並べた時、</a:t>
+            </a:r>
+            <a:r>
+              <a:rPr kumimoji="1" lang="en-US" altLang="ja-JP" dirty="0"/>
+              <a:t/>
+            </a:r>
+            <a:br>
+              <a:rPr kumimoji="1" lang="en-US" altLang="ja-JP" dirty="0"/>
+            </a:br>
+            <a:r>
+              <a:rPr kumimoji="1" lang="ja-JP" altLang="en-US" dirty="0" smtClean="0"/>
+              <a:t>　</a:t>
+            </a:r>
+            <a:r>
+              <a:rPr kumimoji="1" lang="en-US" altLang="ja-JP" dirty="0" smtClean="0"/>
+              <a:t>			</a:t>
+            </a:r>
+            <a:r>
+              <a:rPr kumimoji="1" lang="ja-JP" altLang="en-US" dirty="0" smtClean="0"/>
+              <a:t>その並びが</a:t>
+            </a:r>
+            <a:r>
+              <a:rPr kumimoji="1" lang="en-US" altLang="ja-JP" dirty="0" smtClean="0"/>
+              <a:t>100</a:t>
+            </a:r>
+            <a:r>
+              <a:rPr kumimoji="1" lang="ja-JP" altLang="en-US" dirty="0" smtClean="0"/>
+              <a:t>％超えた時に折り返す指定</a:t>
+            </a:r>
+            <a:endParaRPr kumimoji="1" lang="en-US" altLang="ja-JP" dirty="0" smtClean="0"/>
+          </a:p>
+          <a:p>
+            <a:endParaRPr kumimoji="1" lang="en-US" altLang="ja-JP" dirty="0" smtClean="0"/>
+          </a:p>
+        </p:txBody>
+      </p:sp>
+      <p:sp>
+        <p:nvSpPr>
+          <p:cNvPr id="4" name="スライド番号プレースホルダー 3"/>
+          <p:cNvSpPr>
+            <a:spLocks noGrp="1"/>
+          </p:cNvSpPr>
+          <p:nvPr>
+            <p:ph type="sldNum" idx="12"/>
+          </p:nvPr>
+        </p:nvSpPr>
+        <p:spPr/>
+        <p:txBody>
+          <a:bodyPr/>
+          <a:lstStyle/>
+          <a:p>
+            <a:pPr marL="0" lvl="0" indent="0" algn="r" rtl="0">
+              <a:spcBef>
+                <a:spcPts val="0"/>
+              </a:spcBef>
+              <a:spcAft>
+                <a:spcPts val="0"/>
+              </a:spcAft>
+              <a:buNone/>
+            </a:pPr>
+            <a:fld id="{00000000-1234-1234-1234-123412341234}" type="slidenum">
+              <a:rPr lang="en-US" altLang="ja-JP" smtClean="0"/>
+              <a:t>29</a:t>
+            </a:fld>
+            <a:endParaRPr lang="ja-JP" altLang="en-US"/>
+          </a:p>
+        </p:txBody>
+      </p:sp>
+      <p:sp>
+        <p:nvSpPr>
+          <p:cNvPr id="5" name="正方形/長方形 4"/>
+          <p:cNvSpPr/>
+          <p:nvPr/>
+        </p:nvSpPr>
+        <p:spPr>
+          <a:xfrm>
+            <a:off x="1689652" y="3697357"/>
+            <a:ext cx="3170583" cy="1868556"/>
+          </a:xfrm>
+          <a:prstGeom prst="rect">
+            <a:avLst/>
+          </a:prstGeom>
+        </p:spPr>
+        <p:style>
+          <a:lnRef idx="2">
+            <a:schemeClr val="accent1"/>
+          </a:lnRef>
+          <a:fillRef idx="1">
+            <a:schemeClr val="lt1"/>
+          </a:fillRef>
+          <a:effectRef idx="0">
+            <a:schemeClr val="accent1"/>
+          </a:effectRef>
+          <a:fontRef idx="minor">
+            <a:schemeClr val="dk1"/>
+          </a:fontRef>
+        </p:style>
+        <p:txBody>
+          <a:bodyPr rot="0" spcFirstLastPara="0" vertOverflow="overflow" horzOverflow="overflow" vert="horz" wrap="square" lIns="91440" tIns="45720" rIns="91440" bIns="45720" numCol="1" spcCol="0" rtlCol="0" fromWordArt="0" anchor="ctr" anchorCtr="0" forceAA="0" compatLnSpc="1">
+            <a:prstTxWarp prst="textNoShape">
+              <a:avLst/>
+            </a:prstTxWarp>
+            <a:noAutofit/>
+          </a:bodyPr>
+          <a:lstStyle/>
+          <a:p>
+            <a:pPr algn="ctr"/>
+            <a:endParaRPr kumimoji="1" lang="ja-JP" altLang="en-US" b="1" dirty="0"/>
+          </a:p>
+        </p:txBody>
+      </p:sp>
+      <p:sp>
+        <p:nvSpPr>
+          <p:cNvPr id="6" name="正方形/長方形 5"/>
+          <p:cNvSpPr/>
+          <p:nvPr/>
+        </p:nvSpPr>
+        <p:spPr>
+          <a:xfrm>
+            <a:off x="1798983" y="3776870"/>
+            <a:ext cx="1441174" cy="1659834"/>
+          </a:xfrm>
+          <a:prstGeom prst="rect">
+            <a:avLst/>
+          </a:prstGeom>
+        </p:spPr>
+        <p:style>
+          <a:lnRef idx="2">
+            <a:schemeClr val="accent2"/>
+          </a:lnRef>
+          <a:fillRef idx="1">
+            <a:schemeClr val="lt1"/>
+          </a:fillRef>
+          <a:effectRef idx="0">
+            <a:schemeClr val="accent2"/>
+          </a:effectRef>
+          <a:fontRef idx="minor">
+            <a:schemeClr val="dk1"/>
+          </a:fontRef>
+        </p:style>
+        <p:txBody>
+          <a:bodyPr rot="0" spcFirstLastPara="0" vertOverflow="overflow" horzOverflow="overflow" vert="horz" wrap="square" lIns="91440" tIns="45720" rIns="91440" bIns="45720" numCol="1" spcCol="0" rtlCol="0" fromWordArt="0" anchor="ctr" anchorCtr="0" forceAA="0" compatLnSpc="1">
+            <a:prstTxWarp prst="textNoShape">
+              <a:avLst/>
+            </a:prstTxWarp>
+            <a:noAutofit/>
+          </a:bodyPr>
+          <a:lstStyle/>
+          <a:p>
+            <a:pPr algn="ctr"/>
+            <a:endParaRPr kumimoji="1" lang="ja-JP" altLang="en-US" b="1" dirty="0"/>
+          </a:p>
+        </p:txBody>
+      </p:sp>
+      <p:sp>
+        <p:nvSpPr>
+          <p:cNvPr id="7" name="正方形/長方形 6"/>
+          <p:cNvSpPr/>
+          <p:nvPr/>
+        </p:nvSpPr>
+        <p:spPr>
+          <a:xfrm>
+            <a:off x="3295449" y="3776870"/>
+            <a:ext cx="1441174" cy="1659834"/>
+          </a:xfrm>
+          <a:prstGeom prst="rect">
+            <a:avLst/>
+          </a:prstGeom>
+        </p:spPr>
+        <p:style>
+          <a:lnRef idx="2">
+            <a:schemeClr val="accent2"/>
+          </a:lnRef>
+          <a:fillRef idx="1">
+            <a:schemeClr val="lt1"/>
+          </a:fillRef>
+          <a:effectRef idx="0">
+            <a:schemeClr val="accent2"/>
+          </a:effectRef>
+          <a:fontRef idx="minor">
+            <a:schemeClr val="dk1"/>
+          </a:fontRef>
+        </p:style>
+        <p:txBody>
+          <a:bodyPr rot="0" spcFirstLastPara="0" vertOverflow="overflow" horzOverflow="overflow" vert="horz" wrap="square" lIns="91440" tIns="45720" rIns="91440" bIns="45720" numCol="1" spcCol="0" rtlCol="0" fromWordArt="0" anchor="ctr" anchorCtr="0" forceAA="0" compatLnSpc="1">
+            <a:prstTxWarp prst="textNoShape">
+              <a:avLst/>
+            </a:prstTxWarp>
+            <a:noAutofit/>
+          </a:bodyPr>
+          <a:lstStyle/>
+          <a:p>
+            <a:pPr algn="ctr"/>
+            <a:endParaRPr kumimoji="1" lang="ja-JP" altLang="en-US" b="1" dirty="0"/>
+          </a:p>
+        </p:txBody>
+      </p:sp>
+      <p:sp>
+        <p:nvSpPr>
+          <p:cNvPr id="8" name="角丸四角形吹き出し 7"/>
+          <p:cNvSpPr/>
+          <p:nvPr/>
+        </p:nvSpPr>
+        <p:spPr>
+          <a:xfrm>
+            <a:off x="2922104" y="3001617"/>
+            <a:ext cx="3185492" cy="566531"/>
+          </a:xfrm>
+          <a:prstGeom prst="wedgeRoundRectCallout">
+            <a:avLst/>
+          </a:prstGeom>
+        </p:spPr>
+        <p:style>
+          <a:lnRef idx="2">
+            <a:schemeClr val="accent1">
+              <a:shade val="50000"/>
+            </a:schemeClr>
+          </a:lnRef>
+          <a:fillRef idx="1">
+            <a:schemeClr val="accent1"/>
+          </a:fillRef>
+          <a:effectRef idx="0">
+            <a:schemeClr val="accent1"/>
+          </a:effectRef>
+          <a:fontRef idx="minor">
+            <a:schemeClr val="lt1"/>
+          </a:fontRef>
+        </p:style>
+        <p:txBody>
+          <a:bodyPr rot="0" spcFirstLastPara="0" vertOverflow="overflow" horzOverflow="overflow" vert="horz" wrap="square" lIns="91440" tIns="45720" rIns="91440" bIns="45720" numCol="1" spcCol="0" rtlCol="0" fromWordArt="0" anchor="ctr" anchorCtr="0" forceAA="0" compatLnSpc="1">
+            <a:prstTxWarp prst="textNoShape">
+              <a:avLst/>
+            </a:prstTxWarp>
+            <a:noAutofit/>
+          </a:bodyPr>
+          <a:lstStyle/>
+          <a:p>
+            <a:pPr algn="ctr"/>
+            <a:r>
+              <a:rPr kumimoji="1" lang="ja-JP" altLang="en-US" b="1" dirty="0" smtClean="0"/>
+              <a:t>格納するボックス　＝　コンテナ</a:t>
+            </a:r>
+            <a:endParaRPr kumimoji="1" lang="ja-JP" altLang="en-US" b="1" dirty="0"/>
+          </a:p>
+        </p:txBody>
+      </p:sp>
+      <p:sp>
+        <p:nvSpPr>
+          <p:cNvPr id="9" name="角丸四角形吹き出し 8"/>
+          <p:cNvSpPr/>
+          <p:nvPr/>
+        </p:nvSpPr>
+        <p:spPr>
+          <a:xfrm>
+            <a:off x="3478696" y="5598594"/>
+            <a:ext cx="2276061" cy="474215"/>
+          </a:xfrm>
+          <a:prstGeom prst="wedgeRoundRectCallout">
+            <a:avLst>
+              <a:gd name="adj1" fmla="val -19960"/>
+              <a:gd name="adj2" fmla="val -80978"/>
+              <a:gd name="adj3" fmla="val 16667"/>
+            </a:avLst>
+          </a:prstGeom>
+        </p:spPr>
+        <p:style>
+          <a:lnRef idx="2">
+            <a:schemeClr val="accent2">
+              <a:shade val="50000"/>
+            </a:schemeClr>
+          </a:lnRef>
+          <a:fillRef idx="1">
+            <a:schemeClr val="accent2"/>
+          </a:fillRef>
+          <a:effectRef idx="0">
+            <a:schemeClr val="accent2"/>
+          </a:effectRef>
+          <a:fontRef idx="minor">
+            <a:schemeClr val="lt1"/>
+          </a:fontRef>
+        </p:style>
+        <p:txBody>
+          <a:bodyPr rot="0" spcFirstLastPara="0" vertOverflow="overflow" horzOverflow="overflow" vert="horz" wrap="square" lIns="91440" tIns="45720" rIns="91440" bIns="45720" numCol="1" spcCol="0" rtlCol="0" fromWordArt="0" anchor="ctr" anchorCtr="0" forceAA="0" compatLnSpc="1">
+            <a:prstTxWarp prst="textNoShape">
+              <a:avLst/>
+            </a:prstTxWarp>
+            <a:noAutofit/>
+          </a:bodyPr>
+          <a:lstStyle/>
+          <a:p>
+            <a:pPr algn="ctr"/>
+            <a:r>
+              <a:rPr kumimoji="1" lang="ja-JP" altLang="en-US" b="1" dirty="0" smtClean="0"/>
+              <a:t>格納されるものは要素</a:t>
+            </a:r>
+            <a:endParaRPr kumimoji="1" lang="ja-JP" altLang="en-US" b="1" dirty="0"/>
+          </a:p>
+        </p:txBody>
+      </p:sp>
+      <p:sp>
+        <p:nvSpPr>
+          <p:cNvPr id="10" name="テキスト ボックス 9"/>
+          <p:cNvSpPr txBox="1"/>
+          <p:nvPr/>
+        </p:nvSpPr>
+        <p:spPr>
+          <a:xfrm>
+            <a:off x="6718852" y="3568148"/>
+            <a:ext cx="3538331" cy="954107"/>
+          </a:xfrm>
+          <a:prstGeom prst="rect">
+            <a:avLst/>
+          </a:prstGeom>
+          <a:noFill/>
+        </p:spPr>
+        <p:txBody>
+          <a:bodyPr wrap="square" rtlCol="0">
+            <a:spAutoFit/>
+          </a:bodyPr>
+          <a:lstStyle/>
+          <a:p>
+            <a:r>
+              <a:rPr kumimoji="1" lang="ja-JP" altLang="en-US" dirty="0" smtClean="0"/>
+              <a:t>コンテナを表すセレクタ </a:t>
+            </a:r>
+            <a:r>
+              <a:rPr kumimoji="1" lang="en-US" altLang="ja-JP" dirty="0" smtClean="0"/>
+              <a:t>{</a:t>
+            </a:r>
+          </a:p>
+          <a:p>
+            <a:r>
+              <a:rPr kumimoji="1" lang="en-US" altLang="ja-JP" dirty="0" smtClean="0"/>
+              <a:t>	display : flex; </a:t>
+            </a:r>
+            <a:endParaRPr kumimoji="1" lang="en-US" altLang="ja-JP" dirty="0"/>
+          </a:p>
+          <a:p>
+            <a:r>
+              <a:rPr kumimoji="1" lang="en-US" altLang="ja-JP" dirty="0" smtClean="0"/>
+              <a:t>	flex-wrap : wrap;</a:t>
+            </a:r>
+          </a:p>
+          <a:p>
+            <a:r>
+              <a:rPr kumimoji="1" lang="en-US" altLang="ja-JP" dirty="0"/>
+              <a:t>}</a:t>
+            </a:r>
+            <a:endParaRPr kumimoji="1" lang="ja-JP" altLang="en-US" dirty="0"/>
+          </a:p>
+        </p:txBody>
+      </p:sp>
+      <p:sp>
+        <p:nvSpPr>
+          <p:cNvPr id="11" name="テキスト ボックス 10"/>
+          <p:cNvSpPr txBox="1"/>
+          <p:nvPr/>
+        </p:nvSpPr>
+        <p:spPr>
+          <a:xfrm>
+            <a:off x="6718852" y="5098774"/>
+            <a:ext cx="4184374" cy="523220"/>
+          </a:xfrm>
+          <a:prstGeom prst="rect">
+            <a:avLst/>
+          </a:prstGeom>
+          <a:noFill/>
+        </p:spPr>
+        <p:txBody>
+          <a:bodyPr wrap="square" rtlCol="0">
+            <a:spAutoFit/>
+          </a:bodyPr>
+          <a:lstStyle/>
+          <a:p>
+            <a:r>
+              <a:rPr kumimoji="1" lang="ja-JP" altLang="en-US" dirty="0" smtClean="0"/>
+              <a:t>⇨　</a:t>
+            </a:r>
+            <a:r>
+              <a:rPr kumimoji="1" lang="en-US" altLang="ja-JP" dirty="0" smtClean="0"/>
+              <a:t>index5-3.html</a:t>
+            </a:r>
+            <a:br>
+              <a:rPr kumimoji="1" lang="en-US" altLang="ja-JP" dirty="0" smtClean="0"/>
+            </a:br>
+            <a:r>
+              <a:rPr kumimoji="1" lang="ja-JP" altLang="en-US" dirty="0" smtClean="0"/>
+              <a:t>　　</a:t>
+            </a:r>
+            <a:r>
+              <a:rPr kumimoji="1" lang="en-US" altLang="ja-JP" dirty="0" smtClean="0"/>
+              <a:t>index5-4.html</a:t>
+            </a:r>
+          </a:p>
+        </p:txBody>
+      </p:sp>
+    </p:spTree>
+    <p:extLst>
+      <p:ext uri="{BB962C8B-B14F-4D97-AF65-F5344CB8AC3E}">
+        <p14:creationId xmlns:p14="http://schemas.microsoft.com/office/powerpoint/2010/main" val="130620293"/>
       </p:ext>
     </p:extLst>
   </p:cSld>
@@ -18734,6 +22854,1025 @@
     <p:extLst>
       <p:ext uri="{BB962C8B-B14F-4D97-AF65-F5344CB8AC3E}">
         <p14:creationId xmlns:p14="http://schemas.microsoft.com/office/powerpoint/2010/main" val="1345945284"/>
+      </p:ext>
+    </p:extLst>
+  </p:cSld>
+  <p:clrMapOvr>
+    <a:masterClrMapping/>
+  </p:clrMapOvr>
+</p:sld>
+</file>
+
+<file path=ppt/slides/slide30.xml><?xml version="1.0" encoding="utf-8"?>
+<p:sld xmlns:a="http://schemas.openxmlformats.org/drawingml/2006/main" xmlns:r="http://schemas.openxmlformats.org/officeDocument/2006/relationships" xmlns:p="http://schemas.openxmlformats.org/presentationml/2006/main">
+  <p:cSld>
+    <p:spTree>
+      <p:nvGrpSpPr>
+        <p:cNvPr id="1" name=""/>
+        <p:cNvGrpSpPr/>
+        <p:nvPr/>
+      </p:nvGrpSpPr>
+      <p:grpSpPr>
+        <a:xfrm>
+          <a:off x="0" y="0"/>
+          <a:ext cx="0" cy="0"/>
+          <a:chOff x="0" y="0"/>
+          <a:chExt cx="0" cy="0"/>
+        </a:xfrm>
+      </p:grpSpPr>
+      <p:sp>
+        <p:nvSpPr>
+          <p:cNvPr id="2" name="タイトル 1"/>
+          <p:cNvSpPr>
+            <a:spLocks noGrp="1"/>
+          </p:cNvSpPr>
+          <p:nvPr>
+            <p:ph type="title"/>
+          </p:nvPr>
+        </p:nvSpPr>
+        <p:spPr/>
+        <p:txBody>
+          <a:bodyPr/>
+          <a:lstStyle/>
+          <a:p>
+            <a:r>
+              <a:rPr kumimoji="1" lang="ja-JP" altLang="en-US" dirty="0" smtClean="0"/>
+              <a:t>レイアウト</a:t>
+            </a:r>
+            <a:r>
+              <a:rPr kumimoji="1" lang="en-US" altLang="ja-JP" dirty="0" smtClean="0"/>
+              <a:t>	</a:t>
+            </a:r>
+            <a:endParaRPr kumimoji="1" lang="ja-JP" altLang="en-US" dirty="0"/>
+          </a:p>
+        </p:txBody>
+      </p:sp>
+      <p:pic>
+        <p:nvPicPr>
+          <p:cNvPr id="5" name="図 4"/>
+          <p:cNvPicPr>
+            <a:picLocks noChangeAspect="1"/>
+          </p:cNvPicPr>
+          <p:nvPr/>
+        </p:nvPicPr>
+        <p:blipFill>
+          <a:blip r:embed="rId2"/>
+          <a:stretch>
+            <a:fillRect/>
+          </a:stretch>
+        </p:blipFill>
+        <p:spPr>
+          <a:xfrm>
+            <a:off x="913773" y="1562956"/>
+            <a:ext cx="8063272" cy="4320321"/>
+          </a:xfrm>
+          <a:prstGeom prst="rect">
+            <a:avLst/>
+          </a:prstGeom>
+        </p:spPr>
+      </p:pic>
+      <p:sp>
+        <p:nvSpPr>
+          <p:cNvPr id="3" name="テキスト プレースホルダー 2"/>
+          <p:cNvSpPr>
+            <a:spLocks noGrp="1"/>
+          </p:cNvSpPr>
+          <p:nvPr>
+            <p:ph type="body" idx="1"/>
+          </p:nvPr>
+        </p:nvSpPr>
+        <p:spPr>
+          <a:xfrm>
+            <a:off x="8977045" y="1562956"/>
+            <a:ext cx="2300555" cy="4268602"/>
+          </a:xfrm>
+        </p:spPr>
+        <p:txBody>
+          <a:bodyPr/>
+          <a:lstStyle/>
+          <a:p>
+            <a:endParaRPr kumimoji="1" lang="ja-JP" altLang="en-US" dirty="0"/>
+          </a:p>
+        </p:txBody>
+      </p:sp>
+      <p:sp>
+        <p:nvSpPr>
+          <p:cNvPr id="4" name="スライド番号プレースホルダー 3"/>
+          <p:cNvSpPr>
+            <a:spLocks noGrp="1"/>
+          </p:cNvSpPr>
+          <p:nvPr>
+            <p:ph type="sldNum" idx="12"/>
+          </p:nvPr>
+        </p:nvSpPr>
+        <p:spPr/>
+        <p:txBody>
+          <a:bodyPr/>
+          <a:lstStyle/>
+          <a:p>
+            <a:pPr marL="0" lvl="0" indent="0" algn="r" rtl="0">
+              <a:spcBef>
+                <a:spcPts val="0"/>
+              </a:spcBef>
+              <a:spcAft>
+                <a:spcPts val="0"/>
+              </a:spcAft>
+              <a:buNone/>
+            </a:pPr>
+            <a:fld id="{00000000-1234-1234-1234-123412341234}" type="slidenum">
+              <a:rPr lang="en-US" altLang="ja-JP" smtClean="0"/>
+              <a:t>30</a:t>
+            </a:fld>
+            <a:endParaRPr lang="ja-JP" altLang="en-US"/>
+          </a:p>
+        </p:txBody>
+      </p:sp>
+      <p:sp>
+        <p:nvSpPr>
+          <p:cNvPr id="6" name="角丸四角形吹き出し 5"/>
+          <p:cNvSpPr/>
+          <p:nvPr/>
+        </p:nvSpPr>
+        <p:spPr>
+          <a:xfrm>
+            <a:off x="5088836" y="2315818"/>
+            <a:ext cx="2643808" cy="576470"/>
+          </a:xfrm>
+          <a:prstGeom prst="wedgeRoundRectCallout">
+            <a:avLst>
+              <a:gd name="adj1" fmla="val -65194"/>
+              <a:gd name="adj2" fmla="val 28555"/>
+              <a:gd name="adj3" fmla="val 16667"/>
+            </a:avLst>
+          </a:prstGeom>
+        </p:spPr>
+        <p:style>
+          <a:lnRef idx="2">
+            <a:schemeClr val="accent1">
+              <a:shade val="50000"/>
+            </a:schemeClr>
+          </a:lnRef>
+          <a:fillRef idx="1">
+            <a:schemeClr val="accent1"/>
+          </a:fillRef>
+          <a:effectRef idx="0">
+            <a:schemeClr val="accent1"/>
+          </a:effectRef>
+          <a:fontRef idx="minor">
+            <a:schemeClr val="lt1"/>
+          </a:fontRef>
+        </p:style>
+        <p:txBody>
+          <a:bodyPr rot="0" spcFirstLastPara="0" vertOverflow="overflow" horzOverflow="overflow" vert="horz" wrap="square" lIns="91440" tIns="45720" rIns="91440" bIns="45720" numCol="1" spcCol="0" rtlCol="0" fromWordArt="0" anchor="ctr" anchorCtr="0" forceAA="0" compatLnSpc="1">
+            <a:prstTxWarp prst="textNoShape">
+              <a:avLst/>
+            </a:prstTxWarp>
+            <a:noAutofit/>
+          </a:bodyPr>
+          <a:lstStyle/>
+          <a:p>
+            <a:pPr algn="ctr"/>
+            <a:r>
+              <a:rPr kumimoji="1" lang="en-US" altLang="ja-JP" b="1" dirty="0" smtClean="0"/>
+              <a:t>body</a:t>
+            </a:r>
+            <a:r>
+              <a:rPr kumimoji="1" lang="ja-JP" altLang="en-US" b="1" dirty="0" smtClean="0"/>
+              <a:t>タグをコンテナとして設定</a:t>
+            </a:r>
+            <a:endParaRPr kumimoji="1" lang="ja-JP" altLang="en-US" b="1" dirty="0"/>
+          </a:p>
+        </p:txBody>
+      </p:sp>
+      <p:sp>
+        <p:nvSpPr>
+          <p:cNvPr id="7" name="角丸四角形吹き出し 6"/>
+          <p:cNvSpPr/>
+          <p:nvPr/>
+        </p:nvSpPr>
+        <p:spPr>
+          <a:xfrm>
+            <a:off x="6333237" y="3645150"/>
+            <a:ext cx="2643808" cy="576470"/>
+          </a:xfrm>
+          <a:prstGeom prst="wedgeRoundRectCallout">
+            <a:avLst>
+              <a:gd name="adj1" fmla="val -32111"/>
+              <a:gd name="adj2" fmla="val -76617"/>
+              <a:gd name="adj3" fmla="val 16667"/>
+            </a:avLst>
+          </a:prstGeom>
+        </p:spPr>
+        <p:style>
+          <a:lnRef idx="2">
+            <a:schemeClr val="accent1">
+              <a:shade val="50000"/>
+            </a:schemeClr>
+          </a:lnRef>
+          <a:fillRef idx="1">
+            <a:schemeClr val="accent1"/>
+          </a:fillRef>
+          <a:effectRef idx="0">
+            <a:schemeClr val="accent1"/>
+          </a:effectRef>
+          <a:fontRef idx="minor">
+            <a:schemeClr val="lt1"/>
+          </a:fontRef>
+        </p:style>
+        <p:txBody>
+          <a:bodyPr rot="0" spcFirstLastPara="0" vertOverflow="overflow" horzOverflow="overflow" vert="horz" wrap="square" lIns="91440" tIns="45720" rIns="91440" bIns="45720" numCol="1" spcCol="0" rtlCol="0" fromWordArt="0" anchor="ctr" anchorCtr="0" forceAA="0" compatLnSpc="1">
+            <a:prstTxWarp prst="textNoShape">
+              <a:avLst/>
+            </a:prstTxWarp>
+            <a:noAutofit/>
+          </a:bodyPr>
+          <a:lstStyle/>
+          <a:p>
+            <a:pPr algn="ctr"/>
+            <a:r>
+              <a:rPr kumimoji="1" lang="ja-JP" altLang="en-US" b="1" dirty="0" smtClean="0"/>
+              <a:t>コンテナ内の要素</a:t>
+            </a:r>
+            <a:endParaRPr kumimoji="1" lang="en-US" altLang="ja-JP" b="1" dirty="0" smtClean="0"/>
+          </a:p>
+          <a:p>
+            <a:pPr algn="ctr"/>
+            <a:r>
+              <a:rPr kumimoji="1" lang="en-US" altLang="ja-JP" b="1" dirty="0" smtClean="0"/>
+              <a:t>※</a:t>
+            </a:r>
+            <a:r>
+              <a:rPr kumimoji="1" lang="ja-JP" altLang="en-US" b="1" dirty="0" smtClean="0"/>
+              <a:t>すべて同じサイズ</a:t>
+            </a:r>
+            <a:endParaRPr kumimoji="1" lang="ja-JP" altLang="en-US" b="1" dirty="0"/>
+          </a:p>
+        </p:txBody>
+      </p:sp>
+      <p:sp>
+        <p:nvSpPr>
+          <p:cNvPr id="8" name="テキスト ボックス 7"/>
+          <p:cNvSpPr txBox="1"/>
+          <p:nvPr/>
+        </p:nvSpPr>
+        <p:spPr>
+          <a:xfrm>
+            <a:off x="6440557" y="5516217"/>
+            <a:ext cx="3061252" cy="307777"/>
+          </a:xfrm>
+          <a:prstGeom prst="rect">
+            <a:avLst/>
+          </a:prstGeom>
+          <a:noFill/>
+        </p:spPr>
+        <p:txBody>
+          <a:bodyPr wrap="square" rtlCol="0">
+            <a:spAutoFit/>
+          </a:bodyPr>
+          <a:lstStyle/>
+          <a:p>
+            <a:r>
+              <a:rPr kumimoji="1" lang="ja-JP" altLang="en-US" dirty="0" smtClean="0"/>
+              <a:t>⇨　</a:t>
+            </a:r>
+            <a:r>
+              <a:rPr kumimoji="1" lang="en-US" altLang="ja-JP" dirty="0" smtClean="0"/>
+              <a:t>index5-5.html</a:t>
+            </a:r>
+            <a:endParaRPr kumimoji="1" lang="ja-JP" altLang="en-US" dirty="0"/>
+          </a:p>
+        </p:txBody>
+      </p:sp>
+    </p:spTree>
+    <p:extLst>
+      <p:ext uri="{BB962C8B-B14F-4D97-AF65-F5344CB8AC3E}">
+        <p14:creationId xmlns:p14="http://schemas.microsoft.com/office/powerpoint/2010/main" val="60014727"/>
+      </p:ext>
+    </p:extLst>
+  </p:cSld>
+  <p:clrMapOvr>
+    <a:masterClrMapping/>
+  </p:clrMapOvr>
+</p:sld>
+</file>
+
+<file path=ppt/slides/slide31.xml><?xml version="1.0" encoding="utf-8"?>
+<p:sld xmlns:a="http://schemas.openxmlformats.org/drawingml/2006/main" xmlns:r="http://schemas.openxmlformats.org/officeDocument/2006/relationships" xmlns:p="http://schemas.openxmlformats.org/presentationml/2006/main">
+  <p:cSld>
+    <p:spTree>
+      <p:nvGrpSpPr>
+        <p:cNvPr id="1" name=""/>
+        <p:cNvGrpSpPr/>
+        <p:nvPr/>
+      </p:nvGrpSpPr>
+      <p:grpSpPr>
+        <a:xfrm>
+          <a:off x="0" y="0"/>
+          <a:ext cx="0" cy="0"/>
+          <a:chOff x="0" y="0"/>
+          <a:chExt cx="0" cy="0"/>
+        </a:xfrm>
+      </p:grpSpPr>
+      <p:sp>
+        <p:nvSpPr>
+          <p:cNvPr id="2" name="タイトル 1"/>
+          <p:cNvSpPr>
+            <a:spLocks noGrp="1"/>
+          </p:cNvSpPr>
+          <p:nvPr>
+            <p:ph type="title"/>
+          </p:nvPr>
+        </p:nvSpPr>
+        <p:spPr/>
+        <p:txBody>
+          <a:bodyPr/>
+          <a:lstStyle/>
+          <a:p>
+            <a:r>
+              <a:rPr kumimoji="1" lang="ja-JP" altLang="en-US" dirty="0" smtClean="0"/>
+              <a:t>レイアウト演習</a:t>
+            </a:r>
+            <a:endParaRPr kumimoji="1" lang="ja-JP" altLang="en-US" dirty="0"/>
+          </a:p>
+        </p:txBody>
+      </p:sp>
+      <p:sp>
+        <p:nvSpPr>
+          <p:cNvPr id="3" name="テキスト プレースホルダー 2"/>
+          <p:cNvSpPr>
+            <a:spLocks noGrp="1"/>
+          </p:cNvSpPr>
+          <p:nvPr>
+            <p:ph type="body" idx="1"/>
+          </p:nvPr>
+        </p:nvSpPr>
+        <p:spPr/>
+        <p:txBody>
+          <a:bodyPr/>
+          <a:lstStyle/>
+          <a:p>
+            <a:r>
+              <a:rPr kumimoji="1" lang="ja-JP" altLang="en-US" dirty="0" smtClean="0"/>
+              <a:t>王冠型コンテンツのレイアウトを作成する</a:t>
+            </a:r>
+            <a:endParaRPr kumimoji="1" lang="ja-JP" altLang="en-US" dirty="0"/>
+          </a:p>
+        </p:txBody>
+      </p:sp>
+      <p:sp>
+        <p:nvSpPr>
+          <p:cNvPr id="4" name="スライド番号プレースホルダー 3"/>
+          <p:cNvSpPr>
+            <a:spLocks noGrp="1"/>
+          </p:cNvSpPr>
+          <p:nvPr>
+            <p:ph type="sldNum" idx="12"/>
+          </p:nvPr>
+        </p:nvSpPr>
+        <p:spPr/>
+        <p:txBody>
+          <a:bodyPr/>
+          <a:lstStyle/>
+          <a:p>
+            <a:pPr marL="0" lvl="0" indent="0" algn="r" rtl="0">
+              <a:spcBef>
+                <a:spcPts val="0"/>
+              </a:spcBef>
+              <a:spcAft>
+                <a:spcPts val="0"/>
+              </a:spcAft>
+              <a:buNone/>
+            </a:pPr>
+            <a:fld id="{00000000-1234-1234-1234-123412341234}" type="slidenum">
+              <a:rPr lang="en-US" altLang="ja-JP" smtClean="0"/>
+              <a:t>31</a:t>
+            </a:fld>
+            <a:endParaRPr lang="ja-JP" altLang="en-US"/>
+          </a:p>
+        </p:txBody>
+      </p:sp>
+      <p:pic>
+        <p:nvPicPr>
+          <p:cNvPr id="5" name="図 4"/>
+          <p:cNvPicPr>
+            <a:picLocks noChangeAspect="1"/>
+          </p:cNvPicPr>
+          <p:nvPr/>
+        </p:nvPicPr>
+        <p:blipFill>
+          <a:blip r:embed="rId2"/>
+          <a:stretch>
+            <a:fillRect/>
+          </a:stretch>
+        </p:blipFill>
+        <p:spPr>
+          <a:xfrm>
+            <a:off x="1485223" y="2162950"/>
+            <a:ext cx="6197725" cy="1823409"/>
+          </a:xfrm>
+          <a:prstGeom prst="rect">
+            <a:avLst/>
+          </a:prstGeom>
+        </p:spPr>
+      </p:pic>
+      <p:sp>
+        <p:nvSpPr>
+          <p:cNvPr id="7" name="テキスト ボックス 6"/>
+          <p:cNvSpPr txBox="1"/>
+          <p:nvPr/>
+        </p:nvSpPr>
+        <p:spPr>
+          <a:xfrm>
+            <a:off x="7812157" y="5327374"/>
+            <a:ext cx="3349486" cy="523220"/>
+          </a:xfrm>
+          <a:prstGeom prst="rect">
+            <a:avLst/>
+          </a:prstGeom>
+          <a:noFill/>
+        </p:spPr>
+        <p:txBody>
+          <a:bodyPr wrap="square" rtlCol="0">
+            <a:spAutoFit/>
+          </a:bodyPr>
+          <a:lstStyle/>
+          <a:p>
+            <a:r>
+              <a:rPr kumimoji="1" lang="ja-JP" altLang="en-US" dirty="0" smtClean="0"/>
+              <a:t>⇨　</a:t>
+            </a:r>
+            <a:r>
+              <a:rPr kumimoji="1" lang="en-US" altLang="ja-JP" dirty="0" smtClean="0"/>
+              <a:t>index5-6.html</a:t>
+            </a:r>
+          </a:p>
+          <a:p>
+            <a:r>
+              <a:rPr kumimoji="1" lang="ja-JP" altLang="en-US" dirty="0" smtClean="0"/>
+              <a:t>　　</a:t>
+            </a:r>
+            <a:r>
+              <a:rPr kumimoji="1" lang="en-US" altLang="ja-JP" dirty="0" smtClean="0"/>
+              <a:t>index5-7.html</a:t>
+            </a:r>
+            <a:endParaRPr kumimoji="1" lang="ja-JP" altLang="en-US" dirty="0"/>
+          </a:p>
+        </p:txBody>
+      </p:sp>
+    </p:spTree>
+    <p:extLst>
+      <p:ext uri="{BB962C8B-B14F-4D97-AF65-F5344CB8AC3E}">
+        <p14:creationId xmlns:p14="http://schemas.microsoft.com/office/powerpoint/2010/main" val="1190633816"/>
+      </p:ext>
+    </p:extLst>
+  </p:cSld>
+  <p:clrMapOvr>
+    <a:masterClrMapping/>
+  </p:clrMapOvr>
+</p:sld>
+</file>
+
+<file path=ppt/slides/slide32.xml><?xml version="1.0" encoding="utf-8"?>
+<p:sld xmlns:a="http://schemas.openxmlformats.org/drawingml/2006/main" xmlns:r="http://schemas.openxmlformats.org/officeDocument/2006/relationships" xmlns:p="http://schemas.openxmlformats.org/presentationml/2006/main">
+  <p:cSld>
+    <p:spTree>
+      <p:nvGrpSpPr>
+        <p:cNvPr id="1" name=""/>
+        <p:cNvGrpSpPr/>
+        <p:nvPr/>
+      </p:nvGrpSpPr>
+      <p:grpSpPr>
+        <a:xfrm>
+          <a:off x="0" y="0"/>
+          <a:ext cx="0" cy="0"/>
+          <a:chOff x="0" y="0"/>
+          <a:chExt cx="0" cy="0"/>
+        </a:xfrm>
+      </p:grpSpPr>
+      <p:sp>
+        <p:nvSpPr>
+          <p:cNvPr id="2" name="タイトル 1"/>
+          <p:cNvSpPr>
+            <a:spLocks noGrp="1"/>
+          </p:cNvSpPr>
+          <p:nvPr>
+            <p:ph type="title"/>
+          </p:nvPr>
+        </p:nvSpPr>
+        <p:spPr>
+          <a:xfrm>
+            <a:off x="5635487" y="618518"/>
+            <a:ext cx="5642740" cy="834502"/>
+          </a:xfrm>
+        </p:spPr>
+        <p:txBody>
+          <a:bodyPr/>
+          <a:lstStyle/>
+          <a:p>
+            <a:r>
+              <a:rPr kumimoji="1" lang="ja-JP" altLang="en-US" dirty="0" smtClean="0"/>
+              <a:t>レイアウト</a:t>
+            </a:r>
+            <a:r>
+              <a:rPr kumimoji="1" lang="en-US" altLang="ja-JP" dirty="0" smtClean="0"/>
+              <a:t>CSS</a:t>
+            </a:r>
+            <a:endParaRPr kumimoji="1" lang="ja-JP" altLang="en-US" dirty="0"/>
+          </a:p>
+        </p:txBody>
+      </p:sp>
+      <p:sp>
+        <p:nvSpPr>
+          <p:cNvPr id="3" name="テキスト プレースホルダー 2"/>
+          <p:cNvSpPr>
+            <a:spLocks noGrp="1"/>
+          </p:cNvSpPr>
+          <p:nvPr>
+            <p:ph type="body" idx="1"/>
+          </p:nvPr>
+        </p:nvSpPr>
+        <p:spPr/>
+        <p:txBody>
+          <a:bodyPr/>
+          <a:lstStyle/>
+          <a:p>
+            <a:endParaRPr kumimoji="1" lang="ja-JP" altLang="en-US" dirty="0"/>
+          </a:p>
+        </p:txBody>
+      </p:sp>
+      <p:sp>
+        <p:nvSpPr>
+          <p:cNvPr id="4" name="スライド番号プレースホルダー 3"/>
+          <p:cNvSpPr>
+            <a:spLocks noGrp="1"/>
+          </p:cNvSpPr>
+          <p:nvPr>
+            <p:ph type="sldNum" idx="12"/>
+          </p:nvPr>
+        </p:nvSpPr>
+        <p:spPr/>
+        <p:txBody>
+          <a:bodyPr/>
+          <a:lstStyle/>
+          <a:p>
+            <a:pPr marL="0" lvl="0" indent="0" algn="r" rtl="0">
+              <a:spcBef>
+                <a:spcPts val="0"/>
+              </a:spcBef>
+              <a:spcAft>
+                <a:spcPts val="0"/>
+              </a:spcAft>
+              <a:buNone/>
+            </a:pPr>
+            <a:fld id="{00000000-1234-1234-1234-123412341234}" type="slidenum">
+              <a:rPr lang="en-US" altLang="ja-JP" smtClean="0"/>
+              <a:t>32</a:t>
+            </a:fld>
+            <a:endParaRPr lang="ja-JP" altLang="en-US"/>
+          </a:p>
+        </p:txBody>
+      </p:sp>
+      <p:pic>
+        <p:nvPicPr>
+          <p:cNvPr id="5" name="図 4"/>
+          <p:cNvPicPr>
+            <a:picLocks noChangeAspect="1"/>
+          </p:cNvPicPr>
+          <p:nvPr/>
+        </p:nvPicPr>
+        <p:blipFill>
+          <a:blip r:embed="rId2"/>
+          <a:stretch>
+            <a:fillRect/>
+          </a:stretch>
+        </p:blipFill>
+        <p:spPr>
+          <a:xfrm>
+            <a:off x="913774" y="827241"/>
+            <a:ext cx="4562688" cy="5333208"/>
+          </a:xfrm>
+          <a:prstGeom prst="rect">
+            <a:avLst/>
+          </a:prstGeom>
+        </p:spPr>
+      </p:pic>
+      <p:sp>
+        <p:nvSpPr>
+          <p:cNvPr id="6" name="角丸四角形吹き出し 5"/>
+          <p:cNvSpPr/>
+          <p:nvPr/>
+        </p:nvSpPr>
+        <p:spPr>
+          <a:xfrm>
+            <a:off x="4780722" y="2057400"/>
+            <a:ext cx="4373217" cy="496957"/>
+          </a:xfrm>
+          <a:prstGeom prst="wedgeRoundRectCallout">
+            <a:avLst>
+              <a:gd name="adj1" fmla="val -78219"/>
+              <a:gd name="adj2" fmla="val 14955"/>
+              <a:gd name="adj3" fmla="val 16667"/>
+            </a:avLst>
+          </a:prstGeom>
+        </p:spPr>
+        <p:style>
+          <a:lnRef idx="2">
+            <a:schemeClr val="accent1">
+              <a:shade val="50000"/>
+            </a:schemeClr>
+          </a:lnRef>
+          <a:fillRef idx="1">
+            <a:schemeClr val="accent1"/>
+          </a:fillRef>
+          <a:effectRef idx="0">
+            <a:schemeClr val="accent1"/>
+          </a:effectRef>
+          <a:fontRef idx="minor">
+            <a:schemeClr val="lt1"/>
+          </a:fontRef>
+        </p:style>
+        <p:txBody>
+          <a:bodyPr rot="0" spcFirstLastPara="0" vertOverflow="overflow" horzOverflow="overflow" vert="horz" wrap="square" lIns="91440" tIns="45720" rIns="91440" bIns="45720" numCol="1" spcCol="0" rtlCol="0" fromWordArt="0" anchor="ctr" anchorCtr="0" forceAA="0" compatLnSpc="1">
+            <a:prstTxWarp prst="textNoShape">
+              <a:avLst/>
+            </a:prstTxWarp>
+            <a:noAutofit/>
+          </a:bodyPr>
+          <a:lstStyle/>
+          <a:p>
+            <a:pPr algn="ctr"/>
+            <a:r>
+              <a:rPr kumimoji="1" lang="ja-JP" altLang="en-US" b="1" dirty="0" smtClean="0"/>
+              <a:t>要素のサイズは、コンテナに対してのサイズ</a:t>
+            </a:r>
+            <a:endParaRPr kumimoji="1" lang="ja-JP" altLang="en-US" b="1" dirty="0"/>
+          </a:p>
+        </p:txBody>
+      </p:sp>
+      <p:sp>
+        <p:nvSpPr>
+          <p:cNvPr id="7" name="テキスト ボックス 6"/>
+          <p:cNvSpPr txBox="1"/>
+          <p:nvPr/>
+        </p:nvSpPr>
+        <p:spPr>
+          <a:xfrm>
+            <a:off x="5784574" y="2812774"/>
+            <a:ext cx="5168348" cy="1384995"/>
+          </a:xfrm>
+          <a:prstGeom prst="rect">
+            <a:avLst/>
+          </a:prstGeom>
+          <a:noFill/>
+        </p:spPr>
+        <p:txBody>
+          <a:bodyPr wrap="square" rtlCol="0">
+            <a:spAutoFit/>
+          </a:bodyPr>
+          <a:lstStyle/>
+          <a:p>
+            <a:r>
+              <a:rPr kumimoji="1" lang="ja-JP" altLang="en-US" b="1" dirty="0" smtClean="0"/>
+              <a:t>今回の作例では、余白、枠線の設定はありません。</a:t>
+            </a:r>
+            <a:endParaRPr kumimoji="1" lang="en-US" altLang="ja-JP" b="1" dirty="0" smtClean="0"/>
+          </a:p>
+          <a:p>
+            <a:endParaRPr kumimoji="1" lang="en-US" altLang="ja-JP" b="1" dirty="0"/>
+          </a:p>
+          <a:p>
+            <a:r>
+              <a:rPr kumimoji="1" lang="ja-JP" altLang="en-US" b="1" dirty="0" smtClean="0"/>
+              <a:t>余白、枠線の設定を行った場合には、全体を</a:t>
+            </a:r>
+            <a:r>
+              <a:rPr kumimoji="1" lang="en-US" altLang="ja-JP" b="1" dirty="0" smtClean="0"/>
+              <a:t>100</a:t>
+            </a:r>
+            <a:r>
+              <a:rPr kumimoji="1" lang="ja-JP" altLang="en-US" b="1" dirty="0" smtClean="0"/>
+              <a:t>％狙うことができない場合があり、その場合にはレイアウトが崩れる可能性があります。</a:t>
+            </a:r>
+            <a:endParaRPr kumimoji="1" lang="en-US" altLang="ja-JP" b="1" dirty="0" smtClean="0"/>
+          </a:p>
+          <a:p>
+            <a:endParaRPr kumimoji="1" lang="ja-JP" altLang="en-US" b="1" dirty="0"/>
+          </a:p>
+        </p:txBody>
+      </p:sp>
+      <p:sp>
+        <p:nvSpPr>
+          <p:cNvPr id="8" name="テキスト ボックス 7"/>
+          <p:cNvSpPr txBox="1"/>
+          <p:nvPr/>
+        </p:nvSpPr>
+        <p:spPr>
+          <a:xfrm>
+            <a:off x="5893904" y="4197769"/>
+            <a:ext cx="4979505" cy="307777"/>
+          </a:xfrm>
+          <a:prstGeom prst="rect">
+            <a:avLst/>
+          </a:prstGeom>
+          <a:noFill/>
+        </p:spPr>
+        <p:txBody>
+          <a:bodyPr wrap="square" rtlCol="0">
+            <a:spAutoFit/>
+          </a:bodyPr>
+          <a:lstStyle/>
+          <a:p>
+            <a:r>
+              <a:rPr kumimoji="1" lang="ja-JP" altLang="en-US" dirty="0" smtClean="0"/>
+              <a:t>計算によって幅を計算する場合には、</a:t>
+            </a:r>
+            <a:r>
+              <a:rPr kumimoji="1" lang="en-US" altLang="ja-JP" dirty="0" err="1" smtClean="0"/>
+              <a:t>calc</a:t>
+            </a:r>
+            <a:r>
+              <a:rPr kumimoji="1" lang="en-US" altLang="ja-JP" dirty="0" smtClean="0"/>
+              <a:t>()</a:t>
+            </a:r>
+            <a:r>
+              <a:rPr kumimoji="1" lang="ja-JP" altLang="en-US" dirty="0" smtClean="0"/>
+              <a:t>を使用します。</a:t>
+            </a:r>
+            <a:endParaRPr kumimoji="1" lang="ja-JP" altLang="en-US" dirty="0"/>
+          </a:p>
+        </p:txBody>
+      </p:sp>
+    </p:spTree>
+    <p:extLst>
+      <p:ext uri="{BB962C8B-B14F-4D97-AF65-F5344CB8AC3E}">
+        <p14:creationId xmlns:p14="http://schemas.microsoft.com/office/powerpoint/2010/main" val="542761975"/>
+      </p:ext>
+    </p:extLst>
+  </p:cSld>
+  <p:clrMapOvr>
+    <a:masterClrMapping/>
+  </p:clrMapOvr>
+</p:sld>
+</file>
+
+<file path=ppt/slides/slide33.xml><?xml version="1.0" encoding="utf-8"?>
+<p:sld xmlns:a="http://schemas.openxmlformats.org/drawingml/2006/main" xmlns:r="http://schemas.openxmlformats.org/officeDocument/2006/relationships" xmlns:p="http://schemas.openxmlformats.org/presentationml/2006/main">
+  <p:cSld>
+    <p:spTree>
+      <p:nvGrpSpPr>
+        <p:cNvPr id="1" name=""/>
+        <p:cNvGrpSpPr/>
+        <p:nvPr/>
+      </p:nvGrpSpPr>
+      <p:grpSpPr>
+        <a:xfrm>
+          <a:off x="0" y="0"/>
+          <a:ext cx="0" cy="0"/>
+          <a:chOff x="0" y="0"/>
+          <a:chExt cx="0" cy="0"/>
+        </a:xfrm>
+      </p:grpSpPr>
+      <p:sp>
+        <p:nvSpPr>
+          <p:cNvPr id="2" name="タイトル 1"/>
+          <p:cNvSpPr>
+            <a:spLocks noGrp="1"/>
+          </p:cNvSpPr>
+          <p:nvPr>
+            <p:ph type="title"/>
+          </p:nvPr>
+        </p:nvSpPr>
+        <p:spPr/>
+        <p:txBody>
+          <a:bodyPr/>
+          <a:lstStyle/>
+          <a:p>
+            <a:r>
+              <a:rPr kumimoji="1" lang="en-US" altLang="ja-JP" dirty="0" smtClean="0"/>
+              <a:t>Google</a:t>
+            </a:r>
+            <a:r>
+              <a:rPr kumimoji="1" lang="ja-JP" altLang="en-US" dirty="0" smtClean="0"/>
+              <a:t>　</a:t>
+            </a:r>
+            <a:r>
+              <a:rPr kumimoji="1" lang="en-US" altLang="ja-JP" dirty="0" smtClean="0"/>
+              <a:t>Fonts</a:t>
+            </a:r>
+            <a:endParaRPr kumimoji="1" lang="ja-JP" altLang="en-US" dirty="0"/>
+          </a:p>
+        </p:txBody>
+      </p:sp>
+      <p:sp>
+        <p:nvSpPr>
+          <p:cNvPr id="3" name="テキスト プレースホルダー 2"/>
+          <p:cNvSpPr>
+            <a:spLocks noGrp="1"/>
+          </p:cNvSpPr>
+          <p:nvPr>
+            <p:ph type="body" idx="1"/>
+          </p:nvPr>
+        </p:nvSpPr>
+        <p:spPr/>
+        <p:txBody>
+          <a:bodyPr/>
+          <a:lstStyle/>
+          <a:p>
+            <a:r>
+              <a:rPr kumimoji="1" lang="en-US" altLang="ja-JP" dirty="0" smtClean="0"/>
+              <a:t>WEB</a:t>
+            </a:r>
+            <a:r>
+              <a:rPr kumimoji="1" lang="ja-JP" altLang="en-US" dirty="0" smtClean="0"/>
+              <a:t>フォントを使用する　⇒　</a:t>
+            </a:r>
+            <a:r>
+              <a:rPr kumimoji="1" lang="en-US" altLang="ja-JP" dirty="0" smtClean="0">
+                <a:hlinkClick r:id="rId2"/>
+              </a:rPr>
+              <a:t>https</a:t>
+            </a:r>
+            <a:r>
+              <a:rPr kumimoji="1" lang="en-US" altLang="ja-JP" dirty="0">
+                <a:hlinkClick r:id="rId2"/>
+              </a:rPr>
+              <a:t>://fonts.google.com</a:t>
+            </a:r>
+            <a:r>
+              <a:rPr kumimoji="1" lang="en-US" altLang="ja-JP" dirty="0" smtClean="0">
+                <a:hlinkClick r:id="rId2"/>
+              </a:rPr>
+              <a:t>/</a:t>
+            </a:r>
+            <a:endParaRPr kumimoji="1" lang="en-US" altLang="ja-JP" dirty="0" smtClean="0"/>
+          </a:p>
+          <a:p>
+            <a:pPr marL="558800" indent="-457200">
+              <a:buFont typeface="+mj-lt"/>
+              <a:buAutoNum type="arabicPeriod"/>
+            </a:pPr>
+            <a:r>
+              <a:rPr kumimoji="1" lang="ja-JP" altLang="en-US" dirty="0" smtClean="0"/>
+              <a:t>フォントを選択する</a:t>
+            </a:r>
+            <a:endParaRPr kumimoji="1" lang="en-US" altLang="ja-JP" dirty="0" smtClean="0"/>
+          </a:p>
+          <a:p>
+            <a:pPr marL="558800" indent="-457200">
+              <a:buFont typeface="+mj-lt"/>
+              <a:buAutoNum type="arabicPeriod"/>
+            </a:pPr>
+            <a:r>
+              <a:rPr kumimoji="1" lang="ja-JP" altLang="en-US" dirty="0"/>
+              <a:t>フォントの中に</a:t>
+            </a:r>
+            <a:r>
+              <a:rPr kumimoji="1" lang="ja-JP" altLang="en-US" dirty="0" smtClean="0"/>
+              <a:t>ある詳細なスタイルを選ぶ</a:t>
+            </a:r>
+            <a:endParaRPr kumimoji="1" lang="en-US" altLang="ja-JP" dirty="0" smtClean="0"/>
+          </a:p>
+          <a:p>
+            <a:pPr marL="558800" indent="-457200">
+              <a:buFont typeface="+mj-lt"/>
+              <a:buAutoNum type="arabicPeriod"/>
+            </a:pPr>
+            <a:r>
+              <a:rPr kumimoji="1" lang="en-US" altLang="ja-JP" dirty="0" smtClean="0"/>
+              <a:t>link</a:t>
+            </a:r>
+            <a:r>
+              <a:rPr kumimoji="1" lang="ja-JP" altLang="en-US" dirty="0" smtClean="0"/>
+              <a:t>タグの内容を</a:t>
+            </a:r>
+            <a:r>
+              <a:rPr kumimoji="1" lang="en-US" altLang="ja-JP" dirty="0" smtClean="0"/>
+              <a:t>CSS</a:t>
+            </a:r>
+            <a:r>
+              <a:rPr kumimoji="1" lang="ja-JP" altLang="en-US" dirty="0" smtClean="0"/>
+              <a:t>に記述する</a:t>
+            </a:r>
+            <a:endParaRPr kumimoji="1" lang="en-US" altLang="ja-JP" dirty="0" smtClean="0"/>
+          </a:p>
+          <a:p>
+            <a:pPr marL="558800" indent="-457200">
+              <a:buFont typeface="+mj-lt"/>
+              <a:buAutoNum type="arabicPeriod"/>
+            </a:pPr>
+            <a:r>
+              <a:rPr kumimoji="1" lang="ja-JP" altLang="en-US" smtClean="0"/>
+              <a:t>文字を使用するタグに対して、フォントを指定する</a:t>
+            </a:r>
+            <a:endParaRPr kumimoji="1" lang="ja-JP" altLang="en-US" dirty="0"/>
+          </a:p>
+        </p:txBody>
+      </p:sp>
+      <p:sp>
+        <p:nvSpPr>
+          <p:cNvPr id="4" name="スライド番号プレースホルダー 3"/>
+          <p:cNvSpPr>
+            <a:spLocks noGrp="1"/>
+          </p:cNvSpPr>
+          <p:nvPr>
+            <p:ph type="sldNum" idx="12"/>
+          </p:nvPr>
+        </p:nvSpPr>
+        <p:spPr/>
+        <p:txBody>
+          <a:bodyPr/>
+          <a:lstStyle/>
+          <a:p>
+            <a:pPr marL="0" lvl="0" indent="0" algn="r" rtl="0">
+              <a:spcBef>
+                <a:spcPts val="0"/>
+              </a:spcBef>
+              <a:spcAft>
+                <a:spcPts val="0"/>
+              </a:spcAft>
+              <a:buNone/>
+            </a:pPr>
+            <a:fld id="{00000000-1234-1234-1234-123412341234}" type="slidenum">
+              <a:rPr lang="en-US" altLang="ja-JP" smtClean="0"/>
+              <a:t>33</a:t>
+            </a:fld>
+            <a:endParaRPr lang="ja-JP" altLang="en-US"/>
+          </a:p>
+        </p:txBody>
+      </p:sp>
+      <p:pic>
+        <p:nvPicPr>
+          <p:cNvPr id="5" name="図 4"/>
+          <p:cNvPicPr>
+            <a:picLocks noChangeAspect="1"/>
+          </p:cNvPicPr>
+          <p:nvPr/>
+        </p:nvPicPr>
+        <p:blipFill rotWithShape="1">
+          <a:blip r:embed="rId3"/>
+          <a:srcRect l="52441"/>
+          <a:stretch/>
+        </p:blipFill>
+        <p:spPr>
+          <a:xfrm>
+            <a:off x="8426873" y="1592674"/>
+            <a:ext cx="3417257" cy="4290603"/>
+          </a:xfrm>
+          <a:prstGeom prst="rect">
+            <a:avLst/>
+          </a:prstGeom>
+        </p:spPr>
+      </p:pic>
+      <p:sp>
+        <p:nvSpPr>
+          <p:cNvPr id="6" name="角丸四角形 5"/>
+          <p:cNvSpPr/>
+          <p:nvPr/>
+        </p:nvSpPr>
+        <p:spPr>
+          <a:xfrm>
+            <a:off x="10028583" y="3945835"/>
+            <a:ext cx="1649895" cy="1043608"/>
+          </a:xfrm>
+          <a:prstGeom prst="roundRect">
+            <a:avLst/>
+          </a:prstGeom>
+          <a:noFill/>
+          <a:ln>
+            <a:solidFill>
+              <a:srgbClr val="FF0000"/>
+            </a:solidFill>
+          </a:ln>
+        </p:spPr>
+        <p:style>
+          <a:lnRef idx="2">
+            <a:schemeClr val="accent1">
+              <a:shade val="50000"/>
+            </a:schemeClr>
+          </a:lnRef>
+          <a:fillRef idx="1">
+            <a:schemeClr val="accent1"/>
+          </a:fillRef>
+          <a:effectRef idx="0">
+            <a:schemeClr val="accent1"/>
+          </a:effectRef>
+          <a:fontRef idx="minor">
+            <a:schemeClr val="lt1"/>
+          </a:fontRef>
+        </p:style>
+        <p:txBody>
+          <a:bodyPr rtlCol="0" anchor="ctr"/>
+          <a:lstStyle/>
+          <a:p>
+            <a:pPr algn="ctr"/>
+            <a:endParaRPr kumimoji="1" lang="ja-JP" altLang="en-US" b="1" dirty="0"/>
+          </a:p>
+        </p:txBody>
+      </p:sp>
+    </p:spTree>
+    <p:extLst>
+      <p:ext uri="{BB962C8B-B14F-4D97-AF65-F5344CB8AC3E}">
+        <p14:creationId xmlns:p14="http://schemas.microsoft.com/office/powerpoint/2010/main" val="4154451672"/>
       </p:ext>
     </p:extLst>
   </p:cSld>
@@ -20458,7 +25597,33 @@
       </a:bgFillStyleLst>
     </a:fmtScheme>
   </a:themeElements>
-  <a:objectDefaults/>
+  <a:objectDefaults>
+    <a:spDef>
+      <a:spPr/>
+      <a:bodyPr rtlCol="0" anchor="ctr"/>
+      <a:lstStyle>
+        <a:defPPr>
+          <a:defRPr kumimoji="1" b="1" dirty="0"/>
+        </a:defPPr>
+      </a:lstStyle>
+      <a:style>
+        <a:lnRef idx="2">
+          <a:schemeClr val="accent1">
+            <a:shade val="50000"/>
+          </a:schemeClr>
+        </a:lnRef>
+        <a:fillRef idx="1">
+          <a:schemeClr val="accent1"/>
+        </a:fillRef>
+        <a:effectRef idx="0">
+          <a:schemeClr val="accent1"/>
+        </a:effectRef>
+        <a:fontRef idx="minor">
+          <a:schemeClr val="lt1"/>
+        </a:fontRef>
+      </a:style>
+    </a:spDef>
+  </a:objectDefaults>
   <a:extraClrSchemeLst/>
 </a:theme>
 </file>

--- a/#5　CSSについて.pptx
+++ b/#5　CSSについて.pptx
@@ -5,7 +5,7 @@
     <p:sldMasterId id="2147483648" r:id="rId1"/>
   </p:sldMasterIdLst>
   <p:notesMasterIdLst>
-    <p:notesMasterId r:id="rId35"/>
+    <p:notesMasterId r:id="rId36"/>
   </p:notesMasterIdLst>
   <p:sldIdLst>
     <p:sldId id="256" r:id="rId2"/>
@@ -41,6 +41,7 @@
     <p:sldId id="324" r:id="rId32"/>
     <p:sldId id="325" r:id="rId33"/>
     <p:sldId id="326" r:id="rId34"/>
+    <p:sldId id="327" r:id="rId35"/>
   </p:sldIdLst>
   <p:sldSz cx="12192000" cy="6858000"/>
   <p:notesSz cx="6797675" cy="9926638"/>
@@ -292,7 +293,7 @@
       <p15:notesGuideLst xmlns:p15="http://schemas.microsoft.com/office/powerpoint/2012/main"/>
     </p:ext>
     <p:ext uri="http://customooxmlschemas.google.com/">
-      <go:slidesCustomData xmlns="" xmlns:mc="http://schemas.openxmlformats.org/markup-compatibility/2006" xmlns:mv="urn:schemas-microsoft-com:mac:vml" xmlns:c="http://schemas.openxmlformats.org/drawingml/2006/chart" xmlns:dgm="http://schemas.openxmlformats.org/drawingml/2006/diagram" xmlns:o="urn:schemas-microsoft-com:office:office" xmlns:v="urn:schemas-microsoft-com:vml" xmlns:pvml="urn:schemas-microsoft-com:office:powerpoint" xmlns:com="http://schemas.openxmlformats.org/drawingml/2006/compatibility" xmlns:p14="http://schemas.microsoft.com/office/powerpoint/2010/main" xmlns:p15="http://schemas.microsoft.com/office/powerpoint/2012/main" xmlns:ahyp="http://schemas.microsoft.com/office/drawing/2018/hyperlinkcolor" xmlns:go="http://customooxmlschemas.google.com/" r:id="rId36" roundtripDataSignature="AMtx7mgHYA5Sh/3e02FOAjXKsqfrFZJSUQ=="/>
+      <go:slidesCustomData xmlns:go="http://customooxmlschemas.google.com/" xmlns:ahyp="http://schemas.microsoft.com/office/drawing/2018/hyperlinkcolor" xmlns:p15="http://schemas.microsoft.com/office/powerpoint/2012/main" xmlns:p14="http://schemas.microsoft.com/office/powerpoint/2010/main" xmlns:com="http://schemas.openxmlformats.org/drawingml/2006/compatibility" xmlns:pvml="urn:schemas-microsoft-com:office:powerpoint" xmlns:v="urn:schemas-microsoft-com:vml" xmlns:o="urn:schemas-microsoft-com:office:office" xmlns:dgm="http://schemas.openxmlformats.org/drawingml/2006/diagram" xmlns:c="http://schemas.openxmlformats.org/drawingml/2006/chart" xmlns:mv="urn:schemas-microsoft-com:mac:vml" xmlns:mc="http://schemas.openxmlformats.org/markup-compatibility/2006" xmlns="" r:id="rId37" roundtripDataSignature="AMtx7mgHYA5Sh/3e02FOAjXKsqfrFZJSUQ=="/>
     </p:ext>
   </p:extLst>
 </p:presentation>
@@ -17803,6 +17804,40 @@
           </a:p>
         </p:txBody>
       </p:sp>
+      <p:sp>
+        <p:nvSpPr>
+          <p:cNvPr id="9" name="テキスト ボックス 8"/>
+          <p:cNvSpPr txBox="1"/>
+          <p:nvPr/>
+        </p:nvSpPr>
+        <p:spPr>
+          <a:xfrm>
+            <a:off x="7533861" y="5406887"/>
+            <a:ext cx="3985591" cy="307777"/>
+          </a:xfrm>
+          <a:prstGeom prst="rect">
+            <a:avLst/>
+          </a:prstGeom>
+          <a:noFill/>
+        </p:spPr>
+        <p:txBody>
+          <a:bodyPr wrap="square" rtlCol="0">
+            <a:spAutoFit/>
+          </a:bodyPr>
+          <a:lstStyle/>
+          <a:p>
+            <a:r>
+              <a:rPr kumimoji="1" lang="ja-JP" altLang="en-US" dirty="0" smtClean="0"/>
+              <a:t>⇨　</a:t>
+            </a:r>
+            <a:r>
+              <a:rPr kumimoji="1" lang="en-US" altLang="ja-JP" dirty="0" smtClean="0"/>
+              <a:t>index.html</a:t>
+            </a:r>
+            <a:endParaRPr kumimoji="1" lang="ja-JP" altLang="en-US" dirty="0"/>
+          </a:p>
+        </p:txBody>
+      </p:sp>
     </p:spTree>
     <p:extLst>
       <p:ext uri="{BB962C8B-B14F-4D97-AF65-F5344CB8AC3E}">
@@ -18537,6 +18572,40 @@
               <a:t>どこにファイルが作成されるか確認すること</a:t>
             </a:r>
             <a:endParaRPr kumimoji="1" lang="ja-JP" altLang="en-US" b="1" dirty="0"/>
+          </a:p>
+        </p:txBody>
+      </p:sp>
+      <p:sp>
+        <p:nvSpPr>
+          <p:cNvPr id="8" name="テキスト ボックス 7"/>
+          <p:cNvSpPr txBox="1"/>
+          <p:nvPr/>
+        </p:nvSpPr>
+        <p:spPr>
+          <a:xfrm>
+            <a:off x="7354957" y="5456583"/>
+            <a:ext cx="4055165" cy="307777"/>
+          </a:xfrm>
+          <a:prstGeom prst="rect">
+            <a:avLst/>
+          </a:prstGeom>
+          <a:noFill/>
+        </p:spPr>
+        <p:txBody>
+          <a:bodyPr wrap="square" rtlCol="0">
+            <a:spAutoFit/>
+          </a:bodyPr>
+          <a:lstStyle/>
+          <a:p>
+            <a:r>
+              <a:rPr kumimoji="1" lang="ja-JP" altLang="en-US" dirty="0" smtClean="0"/>
+              <a:t>⇨　</a:t>
+            </a:r>
+            <a:r>
+              <a:rPr kumimoji="1" lang="en-US" altLang="ja-JP" dirty="0" smtClean="0"/>
+              <a:t>index-file-path.html</a:t>
+            </a:r>
+            <a:endParaRPr kumimoji="1" lang="ja-JP" altLang="en-US" dirty="0"/>
           </a:p>
         </p:txBody>
       </p:sp>
@@ -23873,6 +23942,106 @@
     <p:extLst>
       <p:ext uri="{BB962C8B-B14F-4D97-AF65-F5344CB8AC3E}">
         <p14:creationId xmlns:p14="http://schemas.microsoft.com/office/powerpoint/2010/main" val="4154451672"/>
+      </p:ext>
+    </p:extLst>
+  </p:cSld>
+  <p:clrMapOvr>
+    <a:masterClrMapping/>
+  </p:clrMapOvr>
+</p:sld>
+</file>
+
+<file path=ppt/slides/slide34.xml><?xml version="1.0" encoding="utf-8"?>
+<p:sld xmlns:a="http://schemas.openxmlformats.org/drawingml/2006/main" xmlns:r="http://schemas.openxmlformats.org/officeDocument/2006/relationships" xmlns:p="http://schemas.openxmlformats.org/presentationml/2006/main">
+  <p:cSld>
+    <p:spTree>
+      <p:nvGrpSpPr>
+        <p:cNvPr id="1" name=""/>
+        <p:cNvGrpSpPr/>
+        <p:nvPr/>
+      </p:nvGrpSpPr>
+      <p:grpSpPr>
+        <a:xfrm>
+          <a:off x="0" y="0"/>
+          <a:ext cx="0" cy="0"/>
+          <a:chOff x="0" y="0"/>
+          <a:chExt cx="0" cy="0"/>
+        </a:xfrm>
+      </p:grpSpPr>
+      <p:sp>
+        <p:nvSpPr>
+          <p:cNvPr id="2" name="タイトル 1"/>
+          <p:cNvSpPr>
+            <a:spLocks noGrp="1"/>
+          </p:cNvSpPr>
+          <p:nvPr>
+            <p:ph type="title"/>
+          </p:nvPr>
+        </p:nvSpPr>
+        <p:spPr/>
+        <p:txBody>
+          <a:bodyPr/>
+          <a:lstStyle/>
+          <a:p>
+            <a:endParaRPr kumimoji="1" lang="ja-JP" altLang="en-US"/>
+          </a:p>
+        </p:txBody>
+      </p:sp>
+      <p:sp>
+        <p:nvSpPr>
+          <p:cNvPr id="3" name="テキスト プレースホルダー 2"/>
+          <p:cNvSpPr>
+            <a:spLocks noGrp="1"/>
+          </p:cNvSpPr>
+          <p:nvPr>
+            <p:ph type="body" idx="1"/>
+          </p:nvPr>
+        </p:nvSpPr>
+        <p:spPr/>
+        <p:txBody>
+          <a:bodyPr/>
+          <a:lstStyle/>
+          <a:p>
+            <a:endParaRPr kumimoji="1" lang="ja-JP" altLang="en-US"/>
+          </a:p>
+        </p:txBody>
+      </p:sp>
+      <p:sp>
+        <p:nvSpPr>
+          <p:cNvPr id="4" name="スライド番号プレースホルダー 3"/>
+          <p:cNvSpPr>
+            <a:spLocks noGrp="1"/>
+          </p:cNvSpPr>
+          <p:nvPr>
+            <p:ph type="sldNum" idx="12"/>
+          </p:nvPr>
+        </p:nvSpPr>
+        <p:spPr/>
+        <p:txBody>
+          <a:bodyPr/>
+          <a:lstStyle/>
+          <a:p>
+            <a:pPr marL="0" lvl="0" indent="0" algn="r" rtl="0">
+              <a:spcBef>
+                <a:spcPts val="0"/>
+              </a:spcBef>
+              <a:spcAft>
+                <a:spcPts val="0"/>
+              </a:spcAft>
+              <a:buNone/>
+            </a:pPr>
+            <a:fld id="{00000000-1234-1234-1234-123412341234}" type="slidenum">
+              <a:rPr lang="en-US" altLang="ja-JP" smtClean="0"/>
+              <a:t>34</a:t>
+            </a:fld>
+            <a:endParaRPr lang="ja-JP" altLang="en-US"/>
+          </a:p>
+        </p:txBody>
+      </p:sp>
+    </p:spTree>
+    <p:extLst>
+      <p:ext uri="{BB962C8B-B14F-4D97-AF65-F5344CB8AC3E}">
+        <p14:creationId xmlns:p14="http://schemas.microsoft.com/office/powerpoint/2010/main" val="658456105"/>
       </p:ext>
     </p:extLst>
   </p:cSld>
